--- a/Inheritence&ObserverPattern.pptx
+++ b/Inheritence&ObserverPattern.pptx
@@ -122,6 +122,11 @@
       </a:defRPr>
     </a:lvl9pPr>
   </p:defaultTextStyle>
+  <p:extLst>
+    <p:ext uri="{EFAFB233-063F-42B5-8137-9DF3F51BA10A}">
+      <p15:sldGuideLst xmlns:p15="http://schemas.microsoft.com/office/powerpoint/2012/main"/>
+    </p:ext>
+  </p:extLst>
 </p:presentation>
 </file>
 
@@ -311,7 +316,7 @@
           <a:p>
             <a:fld id="{4AAD347D-5ACD-4C99-B74B-A9C85AD731AF}" type="datetimeFigureOut">
               <a:rPr lang="en-US" dirty="0"/>
-              <a:t>2/4/2020</a:t>
+              <a:t>2/25/2020</a:t>
             </a:fld>
             <a:endParaRPr lang="en-US" dirty="0"/>
           </a:p>
@@ -581,7 +586,7 @@
           <a:p>
             <a:fld id="{4509A250-FF31-4206-8172-F9D3106AACB1}" type="datetimeFigureOut">
               <a:rPr lang="en-US" dirty="0"/>
-              <a:t>2/4/2020</a:t>
+              <a:t>2/25/2020</a:t>
             </a:fld>
             <a:endParaRPr lang="en-US" dirty="0"/>
           </a:p>
@@ -770,7 +775,7 @@
           <a:p>
             <a:fld id="{4509A250-FF31-4206-8172-F9D3106AACB1}" type="datetimeFigureOut">
               <a:rPr lang="en-US" dirty="0"/>
-              <a:t>2/4/2020</a:t>
+              <a:t>2/25/2020</a:t>
             </a:fld>
             <a:endParaRPr lang="en-US" dirty="0"/>
           </a:p>
@@ -1038,7 +1043,7 @@
           <a:p>
             <a:fld id="{4509A250-FF31-4206-8172-F9D3106AACB1}" type="datetimeFigureOut">
               <a:rPr lang="en-US" dirty="0"/>
-              <a:t>2/4/2020</a:t>
+              <a:t>2/25/2020</a:t>
             </a:fld>
             <a:endParaRPr lang="en-US" dirty="0"/>
           </a:p>
@@ -1374,7 +1379,7 @@
           <a:p>
             <a:fld id="{4509A250-FF31-4206-8172-F9D3106AACB1}" type="datetimeFigureOut">
               <a:rPr lang="en-US" dirty="0"/>
-              <a:t>2/4/2020</a:t>
+              <a:t>2/25/2020</a:t>
             </a:fld>
             <a:endParaRPr lang="en-US" dirty="0"/>
           </a:p>
@@ -1992,7 +1997,7 @@
           <a:p>
             <a:fld id="{4509A250-FF31-4206-8172-F9D3106AACB1}" type="datetimeFigureOut">
               <a:rPr lang="en-US" dirty="0"/>
-              <a:t>2/4/2020</a:t>
+              <a:t>2/25/2020</a:t>
             </a:fld>
             <a:endParaRPr lang="en-US" dirty="0"/>
           </a:p>
@@ -2847,7 +2852,7 @@
           <a:p>
             <a:fld id="{4509A250-FF31-4206-8172-F9D3106AACB1}" type="datetimeFigureOut">
               <a:rPr lang="en-US" dirty="0"/>
-              <a:t>2/4/2020</a:t>
+              <a:t>2/25/2020</a:t>
             </a:fld>
             <a:endParaRPr lang="en-US" dirty="0"/>
           </a:p>
@@ -3012,7 +3017,7 @@
           <a:p>
             <a:fld id="{4509A250-FF31-4206-8172-F9D3106AACB1}" type="datetimeFigureOut">
               <a:rPr lang="en-US" dirty="0"/>
-              <a:t>2/4/2020</a:t>
+              <a:t>2/25/2020</a:t>
             </a:fld>
             <a:endParaRPr lang="en-US" dirty="0"/>
           </a:p>
@@ -3187,7 +3192,7 @@
           <a:p>
             <a:fld id="{4509A250-FF31-4206-8172-F9D3106AACB1}" type="datetimeFigureOut">
               <a:rPr lang="en-US" dirty="0"/>
-              <a:t>2/4/2020</a:t>
+              <a:t>2/25/2020</a:t>
             </a:fld>
             <a:endParaRPr lang="en-US" dirty="0"/>
           </a:p>
@@ -3352,7 +3357,7 @@
           <a:p>
             <a:fld id="{4509A250-FF31-4206-8172-F9D3106AACB1}" type="datetimeFigureOut">
               <a:rPr lang="en-US" dirty="0"/>
-              <a:t>2/4/2020</a:t>
+              <a:t>2/25/2020</a:t>
             </a:fld>
             <a:endParaRPr lang="en-US" dirty="0"/>
           </a:p>
@@ -3594,7 +3599,7 @@
           <a:p>
             <a:fld id="{9796027F-7875-4030-9381-8BD8C4F21935}" type="datetimeFigureOut">
               <a:rPr lang="en-US" dirty="0"/>
-              <a:t>2/4/2020</a:t>
+              <a:t>2/25/2020</a:t>
             </a:fld>
             <a:endParaRPr lang="en-US" dirty="0"/>
           </a:p>
@@ -3881,7 +3886,7 @@
           <a:p>
             <a:fld id="{9796027F-7875-4030-9381-8BD8C4F21935}" type="datetimeFigureOut">
               <a:rPr lang="en-US" dirty="0"/>
-              <a:t>2/4/2020</a:t>
+              <a:t>2/25/2020</a:t>
             </a:fld>
             <a:endParaRPr lang="en-US" dirty="0"/>
           </a:p>
@@ -4320,7 +4325,7 @@
           <a:p>
             <a:fld id="{9796027F-7875-4030-9381-8BD8C4F21935}" type="datetimeFigureOut">
               <a:rPr lang="en-US" dirty="0"/>
-              <a:t>2/4/2020</a:t>
+              <a:t>2/25/2020</a:t>
             </a:fld>
             <a:endParaRPr lang="en-US" dirty="0"/>
           </a:p>
@@ -4433,7 +4438,7 @@
           <a:p>
             <a:fld id="{4509A250-FF31-4206-8172-F9D3106AACB1}" type="datetimeFigureOut">
               <a:rPr lang="en-US" dirty="0"/>
-              <a:t>2/4/2020</a:t>
+              <a:t>2/25/2020</a:t>
             </a:fld>
             <a:endParaRPr lang="en-US" dirty="0"/>
           </a:p>
@@ -4523,7 +4528,7 @@
           <a:p>
             <a:fld id="{4509A250-FF31-4206-8172-F9D3106AACB1}" type="datetimeFigureOut">
               <a:rPr lang="en-US" dirty="0"/>
-              <a:t>2/4/2020</a:t>
+              <a:t>2/25/2020</a:t>
             </a:fld>
             <a:endParaRPr lang="en-US" dirty="0"/>
           </a:p>
@@ -4797,7 +4802,7 @@
           <a:p>
             <a:fld id="{4509A250-FF31-4206-8172-F9D3106AACB1}" type="datetimeFigureOut">
               <a:rPr lang="en-US" dirty="0"/>
-              <a:t>2/4/2020</a:t>
+              <a:t>2/25/2020</a:t>
             </a:fld>
             <a:endParaRPr lang="en-US" dirty="0"/>
           </a:p>
@@ -5067,7 +5072,7 @@
           <a:p>
             <a:fld id="{4509A250-FF31-4206-8172-F9D3106AACB1}" type="datetimeFigureOut">
               <a:rPr lang="en-US" dirty="0"/>
-              <a:t>2/4/2020</a:t>
+              <a:t>2/25/2020</a:t>
             </a:fld>
             <a:endParaRPr lang="en-US" dirty="0"/>
           </a:p>
@@ -5491,7 +5496,7 @@
           <a:p>
             <a:fld id="{4AAD347D-5ACD-4C99-B74B-A9C85AD731AF}" type="datetimeFigureOut">
               <a:rPr lang="en-US" dirty="0"/>
-              <a:t>2/4/2020</a:t>
+              <a:t>2/25/2020</a:t>
             </a:fld>
             <a:endParaRPr lang="en-US" dirty="0"/>
           </a:p>
@@ -8514,13 +8519,6 @@
             <a:pPr lvl="1"/>
             <a:r>
               <a:rPr lang="de-DE" sz="2800" dirty="0"/>
-              <a:t>Nur die Schnittstelle ist bekannt</a:t>
-            </a:r>
-          </a:p>
-          <a:p>
-            <a:pPr lvl="1"/>
-            <a:r>
-              <a:rPr lang="de-DE" sz="2800" dirty="0"/>
               <a:t>Klassen wissen nichts voneinander</a:t>
             </a:r>
           </a:p>
@@ -8652,67 +8650,6 @@
                                           <p:spTgt spid="3">
                                             <p:txEl>
                                               <p:pRg st="2" end="2"/>
-                                            </p:txEl>
-                                          </p:spTgt>
-                                        </p:tgtEl>
-                                      </p:cBhvr>
-                                    </p:animEffect>
-                                  </p:childTnLst>
-                                </p:cTn>
-                              </p:par>
-                            </p:childTnLst>
-                          </p:cTn>
-                        </p:par>
-                      </p:childTnLst>
-                    </p:cTn>
-                  </p:par>
-                  <p:par>
-                    <p:cTn id="13" fill="hold">
-                      <p:stCondLst>
-                        <p:cond delay="indefinite"/>
-                      </p:stCondLst>
-                      <p:childTnLst>
-                        <p:par>
-                          <p:cTn id="14" fill="hold">
-                            <p:stCondLst>
-                              <p:cond delay="0"/>
-                            </p:stCondLst>
-                            <p:childTnLst>
-                              <p:par>
-                                <p:cTn id="15" presetID="10" presetClass="entr" presetSubtype="0" fill="hold" nodeType="clickEffect">
-                                  <p:stCondLst>
-                                    <p:cond delay="0"/>
-                                  </p:stCondLst>
-                                  <p:childTnLst>
-                                    <p:set>
-                                      <p:cBhvr>
-                                        <p:cTn id="16" dur="1" fill="hold">
-                                          <p:stCondLst>
-                                            <p:cond delay="0"/>
-                                          </p:stCondLst>
-                                        </p:cTn>
-                                        <p:tgtEl>
-                                          <p:spTgt spid="3">
-                                            <p:txEl>
-                                              <p:pRg st="3" end="3"/>
-                                            </p:txEl>
-                                          </p:spTgt>
-                                        </p:tgtEl>
-                                        <p:attrNameLst>
-                                          <p:attrName>style.visibility</p:attrName>
-                                        </p:attrNameLst>
-                                      </p:cBhvr>
-                                      <p:to>
-                                        <p:strVal val="visible"/>
-                                      </p:to>
-                                    </p:set>
-                                    <p:animEffect transition="in" filter="fade">
-                                      <p:cBhvr>
-                                        <p:cTn id="17" dur="500"/>
-                                        <p:tgtEl>
-                                          <p:spTgt spid="3">
-                                            <p:txEl>
-                                              <p:pRg st="3" end="3"/>
                                             </p:txEl>
                                           </p:spTgt>
                                         </p:tgtEl>
@@ -8821,7 +8758,7 @@
           <a:p>
             <a:r>
               <a:rPr lang="de-DE" sz="3200" dirty="0"/>
-              <a:t>Klassen wissen alles voneinander</a:t>
+              <a:t>Klassen wissen zu viel voneinander</a:t>
             </a:r>
           </a:p>
           <a:p>

--- a/Inheritence&ObserverPattern.pptx
+++ b/Inheritence&ObserverPattern.pptx
@@ -23,7 +23,8 @@
     <p:sldId id="267" r:id="rId17"/>
     <p:sldId id="268" r:id="rId18"/>
     <p:sldId id="269" r:id="rId19"/>
-    <p:sldId id="272" r:id="rId20"/>
+    <p:sldId id="275" r:id="rId20"/>
+    <p:sldId id="272" r:id="rId21"/>
   </p:sldIdLst>
   <p:sldSz cx="12192000" cy="6858000"/>
   <p:notesSz cx="6858000" cy="9144000"/>
@@ -316,7 +317,7 @@
           <a:p>
             <a:fld id="{4AAD347D-5ACD-4C99-B74B-A9C85AD731AF}" type="datetimeFigureOut">
               <a:rPr lang="en-US" dirty="0"/>
-              <a:t>2/25/2020</a:t>
+              <a:t>3/3/2020</a:t>
             </a:fld>
             <a:endParaRPr lang="en-US" dirty="0"/>
           </a:p>
@@ -586,7 +587,7 @@
           <a:p>
             <a:fld id="{4509A250-FF31-4206-8172-F9D3106AACB1}" type="datetimeFigureOut">
               <a:rPr lang="en-US" dirty="0"/>
-              <a:t>2/25/2020</a:t>
+              <a:t>3/3/2020</a:t>
             </a:fld>
             <a:endParaRPr lang="en-US" dirty="0"/>
           </a:p>
@@ -775,7 +776,7 @@
           <a:p>
             <a:fld id="{4509A250-FF31-4206-8172-F9D3106AACB1}" type="datetimeFigureOut">
               <a:rPr lang="en-US" dirty="0"/>
-              <a:t>2/25/2020</a:t>
+              <a:t>3/3/2020</a:t>
             </a:fld>
             <a:endParaRPr lang="en-US" dirty="0"/>
           </a:p>
@@ -1043,7 +1044,7 @@
           <a:p>
             <a:fld id="{4509A250-FF31-4206-8172-F9D3106AACB1}" type="datetimeFigureOut">
               <a:rPr lang="en-US" dirty="0"/>
-              <a:t>2/25/2020</a:t>
+              <a:t>3/3/2020</a:t>
             </a:fld>
             <a:endParaRPr lang="en-US" dirty="0"/>
           </a:p>
@@ -1379,7 +1380,7 @@
           <a:p>
             <a:fld id="{4509A250-FF31-4206-8172-F9D3106AACB1}" type="datetimeFigureOut">
               <a:rPr lang="en-US" dirty="0"/>
-              <a:t>2/25/2020</a:t>
+              <a:t>3/3/2020</a:t>
             </a:fld>
             <a:endParaRPr lang="en-US" dirty="0"/>
           </a:p>
@@ -1997,7 +1998,7 @@
           <a:p>
             <a:fld id="{4509A250-FF31-4206-8172-F9D3106AACB1}" type="datetimeFigureOut">
               <a:rPr lang="en-US" dirty="0"/>
-              <a:t>2/25/2020</a:t>
+              <a:t>3/3/2020</a:t>
             </a:fld>
             <a:endParaRPr lang="en-US" dirty="0"/>
           </a:p>
@@ -2852,7 +2853,7 @@
           <a:p>
             <a:fld id="{4509A250-FF31-4206-8172-F9D3106AACB1}" type="datetimeFigureOut">
               <a:rPr lang="en-US" dirty="0"/>
-              <a:t>2/25/2020</a:t>
+              <a:t>3/3/2020</a:t>
             </a:fld>
             <a:endParaRPr lang="en-US" dirty="0"/>
           </a:p>
@@ -3017,7 +3018,7 @@
           <a:p>
             <a:fld id="{4509A250-FF31-4206-8172-F9D3106AACB1}" type="datetimeFigureOut">
               <a:rPr lang="en-US" dirty="0"/>
-              <a:t>2/25/2020</a:t>
+              <a:t>3/3/2020</a:t>
             </a:fld>
             <a:endParaRPr lang="en-US" dirty="0"/>
           </a:p>
@@ -3192,7 +3193,7 @@
           <a:p>
             <a:fld id="{4509A250-FF31-4206-8172-F9D3106AACB1}" type="datetimeFigureOut">
               <a:rPr lang="en-US" dirty="0"/>
-              <a:t>2/25/2020</a:t>
+              <a:t>3/3/2020</a:t>
             </a:fld>
             <a:endParaRPr lang="en-US" dirty="0"/>
           </a:p>
@@ -3357,7 +3358,7 @@
           <a:p>
             <a:fld id="{4509A250-FF31-4206-8172-F9D3106AACB1}" type="datetimeFigureOut">
               <a:rPr lang="en-US" dirty="0"/>
-              <a:t>2/25/2020</a:t>
+              <a:t>3/3/2020</a:t>
             </a:fld>
             <a:endParaRPr lang="en-US" dirty="0"/>
           </a:p>
@@ -3599,7 +3600,7 @@
           <a:p>
             <a:fld id="{9796027F-7875-4030-9381-8BD8C4F21935}" type="datetimeFigureOut">
               <a:rPr lang="en-US" dirty="0"/>
-              <a:t>2/25/2020</a:t>
+              <a:t>3/3/2020</a:t>
             </a:fld>
             <a:endParaRPr lang="en-US" dirty="0"/>
           </a:p>
@@ -3886,7 +3887,7 @@
           <a:p>
             <a:fld id="{9796027F-7875-4030-9381-8BD8C4F21935}" type="datetimeFigureOut">
               <a:rPr lang="en-US" dirty="0"/>
-              <a:t>2/25/2020</a:t>
+              <a:t>3/3/2020</a:t>
             </a:fld>
             <a:endParaRPr lang="en-US" dirty="0"/>
           </a:p>
@@ -4325,7 +4326,7 @@
           <a:p>
             <a:fld id="{9796027F-7875-4030-9381-8BD8C4F21935}" type="datetimeFigureOut">
               <a:rPr lang="en-US" dirty="0"/>
-              <a:t>2/25/2020</a:t>
+              <a:t>3/3/2020</a:t>
             </a:fld>
             <a:endParaRPr lang="en-US" dirty="0"/>
           </a:p>
@@ -4438,7 +4439,7 @@
           <a:p>
             <a:fld id="{4509A250-FF31-4206-8172-F9D3106AACB1}" type="datetimeFigureOut">
               <a:rPr lang="en-US" dirty="0"/>
-              <a:t>2/25/2020</a:t>
+              <a:t>3/3/2020</a:t>
             </a:fld>
             <a:endParaRPr lang="en-US" dirty="0"/>
           </a:p>
@@ -4528,7 +4529,7 @@
           <a:p>
             <a:fld id="{4509A250-FF31-4206-8172-F9D3106AACB1}" type="datetimeFigureOut">
               <a:rPr lang="en-US" dirty="0"/>
-              <a:t>2/25/2020</a:t>
+              <a:t>3/3/2020</a:t>
             </a:fld>
             <a:endParaRPr lang="en-US" dirty="0"/>
           </a:p>
@@ -4802,7 +4803,7 @@
           <a:p>
             <a:fld id="{4509A250-FF31-4206-8172-F9D3106AACB1}" type="datetimeFigureOut">
               <a:rPr lang="en-US" dirty="0"/>
-              <a:t>2/25/2020</a:t>
+              <a:t>3/3/2020</a:t>
             </a:fld>
             <a:endParaRPr lang="en-US" dirty="0"/>
           </a:p>
@@ -5072,7 +5073,7 @@
           <a:p>
             <a:fld id="{4509A250-FF31-4206-8172-F9D3106AACB1}" type="datetimeFigureOut">
               <a:rPr lang="en-US" dirty="0"/>
-              <a:t>2/25/2020</a:t>
+              <a:t>3/3/2020</a:t>
             </a:fld>
             <a:endParaRPr lang="en-US" dirty="0"/>
           </a:p>
@@ -5496,7 +5497,7 @@
           <a:p>
             <a:fld id="{4AAD347D-5ACD-4C99-B74B-A9C85AD731AF}" type="datetimeFigureOut">
               <a:rPr lang="en-US" dirty="0"/>
-              <a:t>2/25/2020</a:t>
+              <a:t>3/3/2020</a:t>
             </a:fld>
             <a:endParaRPr lang="en-US" dirty="0"/>
           </a:p>
@@ -9699,6 +9700,157 @@
 </file>
 
 <file path=ppt/slides/slide19.xml><?xml version="1.0" encoding="utf-8"?>
+<p:sld xmlns:a="http://schemas.openxmlformats.org/drawingml/2006/main" xmlns:r="http://schemas.openxmlformats.org/officeDocument/2006/relationships" xmlns:p="http://schemas.openxmlformats.org/presentationml/2006/main">
+  <p:cSld>
+    <p:spTree>
+      <p:nvGrpSpPr>
+        <p:cNvPr id="1" name=""/>
+        <p:cNvGrpSpPr/>
+        <p:nvPr/>
+      </p:nvGrpSpPr>
+      <p:grpSpPr>
+        <a:xfrm>
+          <a:off x="0" y="0"/>
+          <a:ext cx="0" cy="0"/>
+          <a:chOff x="0" y="0"/>
+          <a:chExt cx="0" cy="0"/>
+        </a:xfrm>
+      </p:grpSpPr>
+      <p:pic>
+        <p:nvPicPr>
+          <p:cNvPr id="5" name="Content Placeholder 4">
+            <a:extLst>
+              <a:ext uri="{FF2B5EF4-FFF2-40B4-BE49-F238E27FC236}">
+                <a16:creationId xmlns:a16="http://schemas.microsoft.com/office/drawing/2014/main" id="{18F20961-A594-43AD-BEE3-690724C7E87B}"/>
+              </a:ext>
+            </a:extLst>
+          </p:cNvPr>
+          <p:cNvPicPr>
+            <a:picLocks noGrp="1" noChangeAspect="1"/>
+          </p:cNvPicPr>
+          <p:nvPr>
+            <p:ph idx="1"/>
+          </p:nvPr>
+        </p:nvPicPr>
+        <p:blipFill>
+          <a:blip r:embed="rId2"/>
+          <a:stretch>
+            <a:fillRect/>
+          </a:stretch>
+        </p:blipFill>
+        <p:spPr>
+          <a:xfrm>
+            <a:off x="2693652" y="80730"/>
+            <a:ext cx="6387286" cy="6696539"/>
+          </a:xfrm>
+        </p:spPr>
+      </p:pic>
+    </p:spTree>
+    <p:extLst>
+      <p:ext uri="{BB962C8B-B14F-4D97-AF65-F5344CB8AC3E}">
+        <p14:creationId xmlns:p14="http://schemas.microsoft.com/office/powerpoint/2010/main" val="85396289"/>
+      </p:ext>
+    </p:extLst>
+  </p:cSld>
+  <p:clrMapOvr>
+    <a:masterClrMapping/>
+  </p:clrMapOvr>
+</p:sld>
+</file>
+
+<file path=ppt/slides/slide2.xml><?xml version="1.0" encoding="utf-8"?>
+<p:sld xmlns:a="http://schemas.openxmlformats.org/drawingml/2006/main" xmlns:r="http://schemas.openxmlformats.org/officeDocument/2006/relationships" xmlns:p="http://schemas.openxmlformats.org/presentationml/2006/main">
+  <p:cSld>
+    <p:spTree>
+      <p:nvGrpSpPr>
+        <p:cNvPr id="1" name=""/>
+        <p:cNvGrpSpPr/>
+        <p:nvPr/>
+      </p:nvGrpSpPr>
+      <p:grpSpPr>
+        <a:xfrm>
+          <a:off x="0" y="0"/>
+          <a:ext cx="0" cy="0"/>
+          <a:chOff x="0" y="0"/>
+          <a:chExt cx="0" cy="0"/>
+        </a:xfrm>
+      </p:grpSpPr>
+      <p:sp>
+        <p:nvSpPr>
+          <p:cNvPr id="2" name="Title 1">
+            <a:extLst>
+              <a:ext uri="{FF2B5EF4-FFF2-40B4-BE49-F238E27FC236}">
+                <a16:creationId xmlns:a16="http://schemas.microsoft.com/office/drawing/2014/main" id="{2CC1BF39-DD6F-4C24-A883-90817D26E2AB}"/>
+              </a:ext>
+            </a:extLst>
+          </p:cNvPr>
+          <p:cNvSpPr>
+            <a:spLocks noGrp="1"/>
+          </p:cNvSpPr>
+          <p:nvPr>
+            <p:ph type="ctrTitle"/>
+          </p:nvPr>
+        </p:nvSpPr>
+        <p:spPr/>
+        <p:txBody>
+          <a:bodyPr/>
+          <a:lstStyle/>
+          <a:p>
+            <a:r>
+              <a:rPr lang="de-DE" dirty="0"/>
+              <a:t>Vererbung &amp; Observer</a:t>
+            </a:r>
+            <a:endParaRPr lang="de-AT" dirty="0"/>
+          </a:p>
+        </p:txBody>
+      </p:sp>
+      <p:sp>
+        <p:nvSpPr>
+          <p:cNvPr id="3" name="Subtitle 2">
+            <a:extLst>
+              <a:ext uri="{FF2B5EF4-FFF2-40B4-BE49-F238E27FC236}">
+                <a16:creationId xmlns:a16="http://schemas.microsoft.com/office/drawing/2014/main" id="{A2A15AB9-0692-426F-8892-C11BB339332F}"/>
+              </a:ext>
+            </a:extLst>
+          </p:cNvPr>
+          <p:cNvSpPr>
+            <a:spLocks noGrp="1"/>
+          </p:cNvSpPr>
+          <p:nvPr>
+            <p:ph type="subTitle" idx="1"/>
+          </p:nvPr>
+        </p:nvSpPr>
+        <p:spPr/>
+        <p:txBody>
+          <a:bodyPr/>
+          <a:lstStyle/>
+          <a:p>
+            <a:r>
+              <a:rPr lang="de-DE" dirty="0" err="1"/>
+              <a:t>Hlavacek</a:t>
+            </a:r>
+            <a:r>
+              <a:rPr lang="de-DE" dirty="0"/>
+              <a:t> Martin</a:t>
+            </a:r>
+            <a:endParaRPr lang="de-AT" dirty="0"/>
+          </a:p>
+        </p:txBody>
+      </p:sp>
+    </p:spTree>
+    <p:extLst>
+      <p:ext uri="{BB962C8B-B14F-4D97-AF65-F5344CB8AC3E}">
+        <p14:creationId xmlns:p14="http://schemas.microsoft.com/office/powerpoint/2010/main" val="3550855404"/>
+      </p:ext>
+    </p:extLst>
+  </p:cSld>
+  <p:clrMapOvr>
+    <a:masterClrMapping/>
+  </p:clrMapOvr>
+</p:sld>
+</file>
+
+<file path=ppt/slides/slide20.xml><?xml version="1.0" encoding="utf-8"?>
 <p:sld xmlns:a="http://schemas.openxmlformats.org/drawingml/2006/main" xmlns:r="http://schemas.openxmlformats.org/officeDocument/2006/relationships" xmlns:p="http://schemas.openxmlformats.org/presentationml/2006/main" showMasterSp="0">
   <p:cSld>
     <p:bg>
@@ -9727,98 +9879,6 @@
     <p:extLst>
       <p:ext uri="{BB962C8B-B14F-4D97-AF65-F5344CB8AC3E}">
         <p14:creationId xmlns:p14="http://schemas.microsoft.com/office/powerpoint/2010/main" val="946966171"/>
-      </p:ext>
-    </p:extLst>
-  </p:cSld>
-  <p:clrMapOvr>
-    <a:masterClrMapping/>
-  </p:clrMapOvr>
-</p:sld>
-</file>
-
-<file path=ppt/slides/slide2.xml><?xml version="1.0" encoding="utf-8"?>
-<p:sld xmlns:a="http://schemas.openxmlformats.org/drawingml/2006/main" xmlns:r="http://schemas.openxmlformats.org/officeDocument/2006/relationships" xmlns:p="http://schemas.openxmlformats.org/presentationml/2006/main">
-  <p:cSld>
-    <p:spTree>
-      <p:nvGrpSpPr>
-        <p:cNvPr id="1" name=""/>
-        <p:cNvGrpSpPr/>
-        <p:nvPr/>
-      </p:nvGrpSpPr>
-      <p:grpSpPr>
-        <a:xfrm>
-          <a:off x="0" y="0"/>
-          <a:ext cx="0" cy="0"/>
-          <a:chOff x="0" y="0"/>
-          <a:chExt cx="0" cy="0"/>
-        </a:xfrm>
-      </p:grpSpPr>
-      <p:sp>
-        <p:nvSpPr>
-          <p:cNvPr id="2" name="Title 1">
-            <a:extLst>
-              <a:ext uri="{FF2B5EF4-FFF2-40B4-BE49-F238E27FC236}">
-                <a16:creationId xmlns:a16="http://schemas.microsoft.com/office/drawing/2014/main" id="{2CC1BF39-DD6F-4C24-A883-90817D26E2AB}"/>
-              </a:ext>
-            </a:extLst>
-          </p:cNvPr>
-          <p:cNvSpPr>
-            <a:spLocks noGrp="1"/>
-          </p:cNvSpPr>
-          <p:nvPr>
-            <p:ph type="ctrTitle"/>
-          </p:nvPr>
-        </p:nvSpPr>
-        <p:spPr/>
-        <p:txBody>
-          <a:bodyPr/>
-          <a:lstStyle/>
-          <a:p>
-            <a:r>
-              <a:rPr lang="de-DE" dirty="0"/>
-              <a:t>Vererbung &amp; Observer</a:t>
-            </a:r>
-            <a:endParaRPr lang="de-AT" dirty="0"/>
-          </a:p>
-        </p:txBody>
-      </p:sp>
-      <p:sp>
-        <p:nvSpPr>
-          <p:cNvPr id="3" name="Subtitle 2">
-            <a:extLst>
-              <a:ext uri="{FF2B5EF4-FFF2-40B4-BE49-F238E27FC236}">
-                <a16:creationId xmlns:a16="http://schemas.microsoft.com/office/drawing/2014/main" id="{A2A15AB9-0692-426F-8892-C11BB339332F}"/>
-              </a:ext>
-            </a:extLst>
-          </p:cNvPr>
-          <p:cNvSpPr>
-            <a:spLocks noGrp="1"/>
-          </p:cNvSpPr>
-          <p:nvPr>
-            <p:ph type="subTitle" idx="1"/>
-          </p:nvPr>
-        </p:nvSpPr>
-        <p:spPr/>
-        <p:txBody>
-          <a:bodyPr/>
-          <a:lstStyle/>
-          <a:p>
-            <a:r>
-              <a:rPr lang="de-DE" dirty="0" err="1"/>
-              <a:t>Hlavacek</a:t>
-            </a:r>
-            <a:r>
-              <a:rPr lang="de-DE" dirty="0"/>
-              <a:t> Martin</a:t>
-            </a:r>
-            <a:endParaRPr lang="de-AT" dirty="0"/>
-          </a:p>
-        </p:txBody>
-      </p:sp>
-    </p:spTree>
-    <p:extLst>
-      <p:ext uri="{BB962C8B-B14F-4D97-AF65-F5344CB8AC3E}">
-        <p14:creationId xmlns:p14="http://schemas.microsoft.com/office/powerpoint/2010/main" val="3550855404"/>
       </p:ext>
     </p:extLst>
   </p:cSld>

--- a/Inheritence&ObserverPattern.pptx
+++ b/Inheritence&ObserverPattern.pptx
@@ -8129,7 +8129,7 @@
           <a:p>
             <a:r>
               <a:rPr lang="de-AT" sz="3200" dirty="0"/>
-              <a:t>Ereignis, Event oder Wert eintrifft/ändert </a:t>
+              <a:t>Ereignis, Event oder Wert eintritt/ändert </a:t>
             </a:r>
           </a:p>
           <a:p>
@@ -8142,7 +8142,7 @@
             <a:pPr lvl="1"/>
             <a:r>
               <a:rPr lang="de-AT" sz="2800" dirty="0"/>
-              <a:t>Müssen im Container registriert sein</a:t>
+              <a:t>Müssen beim Observable registriert sein</a:t>
             </a:r>
           </a:p>
         </p:txBody>
@@ -9218,10 +9218,34 @@
             <p:ph idx="1"/>
           </p:nvPr>
         </p:nvSpPr>
-        <p:spPr/>
+        <p:spPr>
+          <a:xfrm>
+            <a:off x="1103312" y="1436914"/>
+            <a:ext cx="8946541" cy="5008930"/>
+          </a:xfrm>
+        </p:spPr>
         <p:txBody>
-          <a:bodyPr/>
+          <a:bodyPr>
+            <a:normAutofit fontScale="92500" lnSpcReduction="10000"/>
+          </a:bodyPr>
           <a:lstStyle/>
+          <a:p>
+            <a:r>
+              <a:rPr lang="de-DE" sz="3200" dirty="0"/>
+              <a:t>Messwerte</a:t>
+            </a:r>
+          </a:p>
+          <a:p>
+            <a:pPr lvl="1"/>
+            <a:r>
+              <a:rPr lang="de-DE" sz="3000" dirty="0"/>
+              <a:t>Nur wenn sich der Wert ändert wird dieser weitergegen</a:t>
+            </a:r>
+          </a:p>
+          <a:p>
+            <a:pPr lvl="1"/>
+            <a:endParaRPr lang="de-DE" sz="3000" dirty="0"/>
+          </a:p>
           <a:p>
             <a:r>
               <a:rPr lang="de-DE" sz="3200" dirty="0"/>
@@ -9308,7 +9332,7 @@
                                         <p:tgtEl>
                                           <p:spTgt spid="3">
                                             <p:txEl>
-                                              <p:pRg st="0" end="0"/>
+                                              <p:pRg st="3" end="3"/>
                                             </p:txEl>
                                           </p:spTgt>
                                         </p:tgtEl>
@@ -9326,7 +9350,7 @@
                                         <p:tgtEl>
                                           <p:spTgt spid="3">
                                             <p:txEl>
-                                              <p:pRg st="0" end="0"/>
+                                              <p:pRg st="3" end="3"/>
                                             </p:txEl>
                                           </p:spTgt>
                                         </p:tgtEl>
@@ -9369,7 +9393,7 @@
                                         <p:tgtEl>
                                           <p:spTgt spid="3">
                                             <p:txEl>
-                                              <p:pRg st="1" end="1"/>
+                                              <p:pRg st="0" end="0"/>
                                             </p:txEl>
                                           </p:spTgt>
                                         </p:tgtEl>
@@ -9387,7 +9411,7 @@
                                         <p:tgtEl>
                                           <p:spTgt spid="3">
                                             <p:txEl>
-                                              <p:pRg st="1" end="1"/>
+                                              <p:pRg st="0" end="0"/>
                                             </p:txEl>
                                           </p:spTgt>
                                         </p:tgtEl>
@@ -9430,7 +9454,7 @@
                                         <p:tgtEl>
                                           <p:spTgt spid="3">
                                             <p:txEl>
-                                              <p:pRg st="3" end="3"/>
+                                              <p:pRg st="1" end="1"/>
                                             </p:txEl>
                                           </p:spTgt>
                                         </p:tgtEl>
@@ -9448,7 +9472,7 @@
                                         <p:tgtEl>
                                           <p:spTgt spid="3">
                                             <p:txEl>
-                                              <p:pRg st="3" end="3"/>
+                                              <p:pRg st="1" end="1"/>
                                             </p:txEl>
                                           </p:spTgt>
                                         </p:tgtEl>
@@ -9552,7 +9576,7 @@
                                         <p:tgtEl>
                                           <p:spTgt spid="3">
                                             <p:txEl>
-                                              <p:pRg st="5" end="5"/>
+                                              <p:pRg st="6" end="6"/>
                                             </p:txEl>
                                           </p:spTgt>
                                         </p:tgtEl>
@@ -9570,7 +9594,129 @@
                                         <p:tgtEl>
                                           <p:spTgt spid="3">
                                             <p:txEl>
-                                              <p:pRg st="5" end="5"/>
+                                              <p:pRg st="6" end="6"/>
+                                            </p:txEl>
+                                          </p:spTgt>
+                                        </p:tgtEl>
+                                      </p:cBhvr>
+                                    </p:animEffect>
+                                  </p:childTnLst>
+                                </p:cTn>
+                              </p:par>
+                            </p:childTnLst>
+                          </p:cTn>
+                        </p:par>
+                      </p:childTnLst>
+                    </p:cTn>
+                  </p:par>
+                  <p:par>
+                    <p:cTn id="28" fill="hold">
+                      <p:stCondLst>
+                        <p:cond delay="indefinite"/>
+                      </p:stCondLst>
+                      <p:childTnLst>
+                        <p:par>
+                          <p:cTn id="29" fill="hold">
+                            <p:stCondLst>
+                              <p:cond delay="0"/>
+                            </p:stCondLst>
+                            <p:childTnLst>
+                              <p:par>
+                                <p:cTn id="30" presetID="10" presetClass="entr" presetSubtype="0" fill="hold" nodeType="clickEffect">
+                                  <p:stCondLst>
+                                    <p:cond delay="0"/>
+                                  </p:stCondLst>
+                                  <p:childTnLst>
+                                    <p:set>
+                                      <p:cBhvr>
+                                        <p:cTn id="31" dur="1" fill="hold">
+                                          <p:stCondLst>
+                                            <p:cond delay="0"/>
+                                          </p:stCondLst>
+                                        </p:cTn>
+                                        <p:tgtEl>
+                                          <p:spTgt spid="3">
+                                            <p:txEl>
+                                              <p:pRg st="7" end="7"/>
+                                            </p:txEl>
+                                          </p:spTgt>
+                                        </p:tgtEl>
+                                        <p:attrNameLst>
+                                          <p:attrName>style.visibility</p:attrName>
+                                        </p:attrNameLst>
+                                      </p:cBhvr>
+                                      <p:to>
+                                        <p:strVal val="visible"/>
+                                      </p:to>
+                                    </p:set>
+                                    <p:animEffect transition="in" filter="fade">
+                                      <p:cBhvr>
+                                        <p:cTn id="32" dur="500"/>
+                                        <p:tgtEl>
+                                          <p:spTgt spid="3">
+                                            <p:txEl>
+                                              <p:pRg st="7" end="7"/>
+                                            </p:txEl>
+                                          </p:spTgt>
+                                        </p:tgtEl>
+                                      </p:cBhvr>
+                                    </p:animEffect>
+                                  </p:childTnLst>
+                                </p:cTn>
+                              </p:par>
+                            </p:childTnLst>
+                          </p:cTn>
+                        </p:par>
+                      </p:childTnLst>
+                    </p:cTn>
+                  </p:par>
+                  <p:par>
+                    <p:cTn id="33" fill="hold">
+                      <p:stCondLst>
+                        <p:cond delay="indefinite"/>
+                      </p:stCondLst>
+                      <p:childTnLst>
+                        <p:par>
+                          <p:cTn id="34" fill="hold">
+                            <p:stCondLst>
+                              <p:cond delay="0"/>
+                            </p:stCondLst>
+                            <p:childTnLst>
+                              <p:par>
+                                <p:cTn id="35" presetID="10" presetClass="entr" presetSubtype="0" fill="hold" nodeType="clickEffect">
+                                  <p:stCondLst>
+                                    <p:cond delay="0"/>
+                                  </p:stCondLst>
+                                  <p:childTnLst>
+                                    <p:set>
+                                      <p:cBhvr>
+                                        <p:cTn id="36" dur="1" fill="hold">
+                                          <p:stCondLst>
+                                            <p:cond delay="0"/>
+                                          </p:stCondLst>
+                                        </p:cTn>
+                                        <p:tgtEl>
+                                          <p:spTgt spid="3">
+                                            <p:txEl>
+                                              <p:pRg st="8" end="8"/>
+                                            </p:txEl>
+                                          </p:spTgt>
+                                        </p:tgtEl>
+                                        <p:attrNameLst>
+                                          <p:attrName>style.visibility</p:attrName>
+                                        </p:attrNameLst>
+                                      </p:cBhvr>
+                                      <p:to>
+                                        <p:strVal val="visible"/>
+                                      </p:to>
+                                    </p:set>
+                                    <p:animEffect transition="in" filter="fade">
+                                      <p:cBhvr>
+                                        <p:cTn id="37" dur="500"/>
+                                        <p:tgtEl>
+                                          <p:spTgt spid="3">
+                                            <p:txEl>
+                                              <p:pRg st="8" end="8"/>
                                             </p:txEl>
                                           </p:spTgt>
                                         </p:tgtEl>

--- a/Inheritence&ObserverPattern.pptx
+++ b/Inheritence&ObserverPattern.pptx
@@ -6520,33 +6520,15 @@
                                   </p:childTnLst>
                                 </p:cTn>
                               </p:par>
-                            </p:childTnLst>
-                          </p:cTn>
-                        </p:par>
-                      </p:childTnLst>
-                    </p:cTn>
-                  </p:par>
-                  <p:par>
-                    <p:cTn id="8" fill="hold">
-                      <p:stCondLst>
-                        <p:cond delay="indefinite"/>
-                      </p:stCondLst>
-                      <p:childTnLst>
-                        <p:par>
-                          <p:cTn id="9" fill="hold">
-                            <p:stCondLst>
-                              <p:cond delay="0"/>
-                            </p:stCondLst>
-                            <p:childTnLst>
                               <p:par>
-                                <p:cTn id="10" presetID="10" presetClass="entr" presetSubtype="0" fill="hold" nodeType="clickEffect">
+                                <p:cTn id="8" presetID="10" presetClass="entr" presetSubtype="0" fill="hold" nodeType="withEffect">
                                   <p:stCondLst>
                                     <p:cond delay="0"/>
                                   </p:stCondLst>
                                   <p:childTnLst>
                                     <p:set>
                                       <p:cBhvr>
-                                        <p:cTn id="11" dur="1" fill="hold">
+                                        <p:cTn id="9" dur="1" fill="hold">
                                           <p:stCondLst>
                                             <p:cond delay="0"/>
                                           </p:stCondLst>
@@ -6568,7 +6550,7 @@
                                     </p:set>
                                     <p:animEffect transition="in" filter="fade">
                                       <p:cBhvr>
-                                        <p:cTn id="12" dur="500"/>
+                                        <p:cTn id="10" dur="500"/>
                                         <p:tgtEl>
                                           <p:spTgt spid="3">
                                             <p:txEl>
@@ -6581,33 +6563,15 @@
                                   </p:childTnLst>
                                 </p:cTn>
                               </p:par>
-                            </p:childTnLst>
-                          </p:cTn>
-                        </p:par>
-                      </p:childTnLst>
-                    </p:cTn>
-                  </p:par>
-                  <p:par>
-                    <p:cTn id="13" fill="hold">
-                      <p:stCondLst>
-                        <p:cond delay="indefinite"/>
-                      </p:stCondLst>
-                      <p:childTnLst>
-                        <p:par>
-                          <p:cTn id="14" fill="hold">
-                            <p:stCondLst>
-                              <p:cond delay="0"/>
-                            </p:stCondLst>
-                            <p:childTnLst>
                               <p:par>
-                                <p:cTn id="15" presetID="10" presetClass="entr" presetSubtype="0" fill="hold" nodeType="clickEffect">
+                                <p:cTn id="11" presetID="10" presetClass="entr" presetSubtype="0" fill="hold" nodeType="withEffect">
                                   <p:stCondLst>
                                     <p:cond delay="0"/>
                                   </p:stCondLst>
                                   <p:childTnLst>
                                     <p:set>
                                       <p:cBhvr>
-                                        <p:cTn id="16" dur="1" fill="hold">
+                                        <p:cTn id="12" dur="1" fill="hold">
                                           <p:stCondLst>
                                             <p:cond delay="0"/>
                                           </p:stCondLst>
@@ -6629,7 +6593,7 @@
                                     </p:set>
                                     <p:animEffect transition="in" filter="fade">
                                       <p:cBhvr>
-                                        <p:cTn id="17" dur="500"/>
+                                        <p:cTn id="13" dur="500"/>
                                         <p:tgtEl>
                                           <p:spTgt spid="3">
                                             <p:txEl>
@@ -6642,32 +6606,100 @@
                                   </p:childTnLst>
                                 </p:cTn>
                               </p:par>
-                            </p:childTnLst>
-                          </p:cTn>
-                        </p:par>
-                      </p:childTnLst>
-                    </p:cTn>
-                  </p:par>
-                  <p:par>
-                    <p:cTn id="18" fill="hold">
-                      <p:stCondLst>
-                        <p:cond delay="indefinite"/>
-                      </p:stCondLst>
-                      <p:childTnLst>
-                        <p:par>
-                          <p:cTn id="19" fill="hold">
-                            <p:stCondLst>
-                              <p:cond delay="0"/>
-                            </p:stCondLst>
-                            <p:childTnLst>
                               <p:par>
-                                <p:cTn id="20" presetID="10" presetClass="entr" presetSubtype="0" fill="hold" nodeType="clickEffect">
+                                <p:cTn id="14" presetID="10" presetClass="entr" presetSubtype="0" fill="hold" nodeType="withEffect">
                                   <p:stCondLst>
                                     <p:cond delay="0"/>
                                   </p:stCondLst>
                                   <p:childTnLst>
                                     <p:set>
                                       <p:cBhvr>
+                                        <p:cTn id="15" dur="1" fill="hold">
+                                          <p:stCondLst>
+                                            <p:cond delay="0"/>
+                                          </p:stCondLst>
+                                        </p:cTn>
+                                        <p:tgtEl>
+                                          <p:spTgt spid="3">
+                                            <p:txEl>
+                                              <p:pRg st="3" end="3"/>
+                                            </p:txEl>
+                                          </p:spTgt>
+                                        </p:tgtEl>
+                                        <p:attrNameLst>
+                                          <p:attrName>style.visibility</p:attrName>
+                                        </p:attrNameLst>
+                                      </p:cBhvr>
+                                      <p:to>
+                                        <p:strVal val="visible"/>
+                                      </p:to>
+                                    </p:set>
+                                    <p:animEffect transition="in" filter="fade">
+                                      <p:cBhvr>
+                                        <p:cTn id="16" dur="500"/>
+                                        <p:tgtEl>
+                                          <p:spTgt spid="3">
+                                            <p:txEl>
+                                              <p:pRg st="3" end="3"/>
+                                            </p:txEl>
+                                          </p:spTgt>
+                                        </p:tgtEl>
+                                      </p:cBhvr>
+                                    </p:animEffect>
+                                  </p:childTnLst>
+                                </p:cTn>
+                              </p:par>
+                              <p:par>
+                                <p:cTn id="17" presetID="10" presetClass="entr" presetSubtype="0" fill="hold" nodeType="withEffect">
+                                  <p:stCondLst>
+                                    <p:cond delay="0"/>
+                                  </p:stCondLst>
+                                  <p:childTnLst>
+                                    <p:set>
+                                      <p:cBhvr>
+                                        <p:cTn id="18" dur="1" fill="hold">
+                                          <p:stCondLst>
+                                            <p:cond delay="0"/>
+                                          </p:stCondLst>
+                                        </p:cTn>
+                                        <p:tgtEl>
+                                          <p:spTgt spid="3">
+                                            <p:txEl>
+                                              <p:pRg st="4" end="4"/>
+                                            </p:txEl>
+                                          </p:spTgt>
+                                        </p:tgtEl>
+                                        <p:attrNameLst>
+                                          <p:attrName>style.visibility</p:attrName>
+                                        </p:attrNameLst>
+                                      </p:cBhvr>
+                                      <p:to>
+                                        <p:strVal val="visible"/>
+                                      </p:to>
+                                    </p:set>
+                                    <p:animEffect transition="in" filter="fade">
+                                      <p:cBhvr>
+                                        <p:cTn id="19" dur="500"/>
+                                        <p:tgtEl>
+                                          <p:spTgt spid="3">
+                                            <p:txEl>
+                                              <p:pRg st="4" end="4"/>
+                                            </p:txEl>
+                                          </p:spTgt>
+                                        </p:tgtEl>
+                                      </p:cBhvr>
+                                    </p:animEffect>
+                                  </p:childTnLst>
+                                </p:cTn>
+                              </p:par>
+                              <p:par>
+                                <p:cTn id="20" presetID="10" presetClass="entr" presetSubtype="0" fill="hold" nodeType="withEffect">
+                                  <p:stCondLst>
+                                    <p:cond delay="0"/>
+                                  </p:stCondLst>
+                                  <p:childTnLst>
+                                    <p:set>
+                                      <p:cBhvr>
                                         <p:cTn id="21" dur="1" fill="hold">
                                           <p:stCondLst>
                                             <p:cond delay="0"/>
@@ -6676,7 +6708,7 @@
                                         <p:tgtEl>
                                           <p:spTgt spid="3">
                                             <p:txEl>
-                                              <p:pRg st="3" end="3"/>
+                                              <p:pRg st="5" end="5"/>
                                             </p:txEl>
                                           </p:spTgt>
                                         </p:tgtEl>
@@ -6694,7 +6726,7 @@
                                         <p:tgtEl>
                                           <p:spTgt spid="3">
                                             <p:txEl>
-                                              <p:pRg st="3" end="3"/>
+                                              <p:pRg st="5" end="5"/>
                                             </p:txEl>
                                           </p:spTgt>
                                         </p:tgtEl>
@@ -6703,33 +6735,15 @@
                                   </p:childTnLst>
                                 </p:cTn>
                               </p:par>
-                            </p:childTnLst>
-                          </p:cTn>
-                        </p:par>
-                      </p:childTnLst>
-                    </p:cTn>
-                  </p:par>
-                  <p:par>
-                    <p:cTn id="23" fill="hold">
-                      <p:stCondLst>
-                        <p:cond delay="indefinite"/>
-                      </p:stCondLst>
-                      <p:childTnLst>
-                        <p:par>
-                          <p:cTn id="24" fill="hold">
-                            <p:stCondLst>
-                              <p:cond delay="0"/>
-                            </p:stCondLst>
-                            <p:childTnLst>
                               <p:par>
-                                <p:cTn id="25" presetID="10" presetClass="entr" presetSubtype="0" fill="hold" nodeType="clickEffect">
+                                <p:cTn id="23" presetID="10" presetClass="entr" presetSubtype="0" fill="hold" nodeType="withEffect">
                                   <p:stCondLst>
                                     <p:cond delay="0"/>
                                   </p:stCondLst>
                                   <p:childTnLst>
                                     <p:set>
                                       <p:cBhvr>
-                                        <p:cTn id="26" dur="1" fill="hold">
+                                        <p:cTn id="24" dur="1" fill="hold">
                                           <p:stCondLst>
                                             <p:cond delay="0"/>
                                           </p:stCondLst>
@@ -6737,7 +6751,7 @@
                                         <p:tgtEl>
                                           <p:spTgt spid="3">
                                             <p:txEl>
-                                              <p:pRg st="4" end="4"/>
+                                              <p:pRg st="6" end="6"/>
                                             </p:txEl>
                                           </p:spTgt>
                                         </p:tgtEl>
@@ -6751,11 +6765,11 @@
                                     </p:set>
                                     <p:animEffect transition="in" filter="fade">
                                       <p:cBhvr>
-                                        <p:cTn id="27" dur="500"/>
-                                        <p:tgtEl>
-                                          <p:spTgt spid="3">
-                                            <p:txEl>
-                                              <p:pRg st="4" end="4"/>
+                                        <p:cTn id="25" dur="500"/>
+                                        <p:tgtEl>
+                                          <p:spTgt spid="3">
+                                            <p:txEl>
+                                              <p:pRg st="6" end="6"/>
                                             </p:txEl>
                                           </p:spTgt>
                                         </p:tgtEl>
@@ -6764,33 +6778,15 @@
                                   </p:childTnLst>
                                 </p:cTn>
                               </p:par>
-                            </p:childTnLst>
-                          </p:cTn>
-                        </p:par>
-                      </p:childTnLst>
-                    </p:cTn>
-                  </p:par>
-                  <p:par>
-                    <p:cTn id="28" fill="hold">
-                      <p:stCondLst>
-                        <p:cond delay="indefinite"/>
-                      </p:stCondLst>
-                      <p:childTnLst>
-                        <p:par>
-                          <p:cTn id="29" fill="hold">
-                            <p:stCondLst>
-                              <p:cond delay="0"/>
-                            </p:stCondLst>
-                            <p:childTnLst>
                               <p:par>
-                                <p:cTn id="30" presetID="10" presetClass="entr" presetSubtype="0" fill="hold" nodeType="clickEffect">
+                                <p:cTn id="26" presetID="10" presetClass="entr" presetSubtype="0" fill="hold" nodeType="withEffect">
                                   <p:stCondLst>
                                     <p:cond delay="0"/>
                                   </p:stCondLst>
                                   <p:childTnLst>
                                     <p:set>
                                       <p:cBhvr>
-                                        <p:cTn id="31" dur="1" fill="hold">
+                                        <p:cTn id="27" dur="1" fill="hold">
                                           <p:stCondLst>
                                             <p:cond delay="0"/>
                                           </p:stCondLst>
@@ -6798,7 +6794,7 @@
                                         <p:tgtEl>
                                           <p:spTgt spid="3">
                                             <p:txEl>
-                                              <p:pRg st="5" end="5"/>
+                                              <p:pRg st="7" end="7"/>
                                             </p:txEl>
                                           </p:spTgt>
                                         </p:tgtEl>
@@ -6812,129 +6808,7 @@
                                     </p:set>
                                     <p:animEffect transition="in" filter="fade">
                                       <p:cBhvr>
-                                        <p:cTn id="32" dur="500"/>
-                                        <p:tgtEl>
-                                          <p:spTgt spid="3">
-                                            <p:txEl>
-                                              <p:pRg st="5" end="5"/>
-                                            </p:txEl>
-                                          </p:spTgt>
-                                        </p:tgtEl>
-                                      </p:cBhvr>
-                                    </p:animEffect>
-                                  </p:childTnLst>
-                                </p:cTn>
-                              </p:par>
-                            </p:childTnLst>
-                          </p:cTn>
-                        </p:par>
-                      </p:childTnLst>
-                    </p:cTn>
-                  </p:par>
-                  <p:par>
-                    <p:cTn id="33" fill="hold">
-                      <p:stCondLst>
-                        <p:cond delay="indefinite"/>
-                      </p:stCondLst>
-                      <p:childTnLst>
-                        <p:par>
-                          <p:cTn id="34" fill="hold">
-                            <p:stCondLst>
-                              <p:cond delay="0"/>
-                            </p:stCondLst>
-                            <p:childTnLst>
-                              <p:par>
-                                <p:cTn id="35" presetID="10" presetClass="entr" presetSubtype="0" fill="hold" nodeType="clickEffect">
-                                  <p:stCondLst>
-                                    <p:cond delay="0"/>
-                                  </p:stCondLst>
-                                  <p:childTnLst>
-                                    <p:set>
-                                      <p:cBhvr>
-                                        <p:cTn id="36" dur="1" fill="hold">
-                                          <p:stCondLst>
-                                            <p:cond delay="0"/>
-                                          </p:stCondLst>
-                                        </p:cTn>
-                                        <p:tgtEl>
-                                          <p:spTgt spid="3">
-                                            <p:txEl>
-                                              <p:pRg st="6" end="6"/>
-                                            </p:txEl>
-                                          </p:spTgt>
-                                        </p:tgtEl>
-                                        <p:attrNameLst>
-                                          <p:attrName>style.visibility</p:attrName>
-                                        </p:attrNameLst>
-                                      </p:cBhvr>
-                                      <p:to>
-                                        <p:strVal val="visible"/>
-                                      </p:to>
-                                    </p:set>
-                                    <p:animEffect transition="in" filter="fade">
-                                      <p:cBhvr>
-                                        <p:cTn id="37" dur="500"/>
-                                        <p:tgtEl>
-                                          <p:spTgt spid="3">
-                                            <p:txEl>
-                                              <p:pRg st="6" end="6"/>
-                                            </p:txEl>
-                                          </p:spTgt>
-                                        </p:tgtEl>
-                                      </p:cBhvr>
-                                    </p:animEffect>
-                                  </p:childTnLst>
-                                </p:cTn>
-                              </p:par>
-                            </p:childTnLst>
-                          </p:cTn>
-                        </p:par>
-                      </p:childTnLst>
-                    </p:cTn>
-                  </p:par>
-                  <p:par>
-                    <p:cTn id="38" fill="hold">
-                      <p:stCondLst>
-                        <p:cond delay="indefinite"/>
-                      </p:stCondLst>
-                      <p:childTnLst>
-                        <p:par>
-                          <p:cTn id="39" fill="hold">
-                            <p:stCondLst>
-                              <p:cond delay="0"/>
-                            </p:stCondLst>
-                            <p:childTnLst>
-                              <p:par>
-                                <p:cTn id="40" presetID="10" presetClass="entr" presetSubtype="0" fill="hold" nodeType="clickEffect">
-                                  <p:stCondLst>
-                                    <p:cond delay="0"/>
-                                  </p:stCondLst>
-                                  <p:childTnLst>
-                                    <p:set>
-                                      <p:cBhvr>
-                                        <p:cTn id="41" dur="1" fill="hold">
-                                          <p:stCondLst>
-                                            <p:cond delay="0"/>
-                                          </p:stCondLst>
-                                        </p:cTn>
-                                        <p:tgtEl>
-                                          <p:spTgt spid="3">
-                                            <p:txEl>
-                                              <p:pRg st="7" end="7"/>
-                                            </p:txEl>
-                                          </p:spTgt>
-                                        </p:tgtEl>
-                                        <p:attrNameLst>
-                                          <p:attrName>style.visibility</p:attrName>
-                                        </p:attrNameLst>
-                                      </p:cBhvr>
-                                      <p:to>
-                                        <p:strVal val="visible"/>
-                                      </p:to>
-                                    </p:set>
-                                    <p:animEffect transition="in" filter="fade">
-                                      <p:cBhvr>
-                                        <p:cTn id="42" dur="500"/>
+                                        <p:cTn id="28" dur="500"/>
                                         <p:tgtEl>
                                           <p:spTgt spid="3">
                                             <p:txEl>
@@ -7175,33 +7049,15 @@
                                   </p:childTnLst>
                                 </p:cTn>
                               </p:par>
-                            </p:childTnLst>
-                          </p:cTn>
-                        </p:par>
-                      </p:childTnLst>
-                    </p:cTn>
-                  </p:par>
-                  <p:par>
-                    <p:cTn id="8" fill="hold">
-                      <p:stCondLst>
-                        <p:cond delay="indefinite"/>
-                      </p:stCondLst>
-                      <p:childTnLst>
-                        <p:par>
-                          <p:cTn id="9" fill="hold">
-                            <p:stCondLst>
-                              <p:cond delay="0"/>
-                            </p:stCondLst>
-                            <p:childTnLst>
                               <p:par>
-                                <p:cTn id="10" presetID="10" presetClass="entr" presetSubtype="0" fill="hold" nodeType="clickEffect">
+                                <p:cTn id="8" presetID="10" presetClass="entr" presetSubtype="0" fill="hold" nodeType="withEffect">
                                   <p:stCondLst>
                                     <p:cond delay="0"/>
                                   </p:stCondLst>
                                   <p:childTnLst>
                                     <p:set>
                                       <p:cBhvr>
-                                        <p:cTn id="11" dur="1" fill="hold">
+                                        <p:cTn id="9" dur="1" fill="hold">
                                           <p:stCondLst>
                                             <p:cond delay="0"/>
                                           </p:stCondLst>
@@ -7223,7 +7079,7 @@
                                     </p:set>
                                     <p:animEffect transition="in" filter="fade">
                                       <p:cBhvr>
-                                        <p:cTn id="12" dur="500"/>
+                                        <p:cTn id="10" dur="500"/>
                                         <p:tgtEl>
                                           <p:spTgt spid="3">
                                             <p:txEl>
@@ -7236,33 +7092,15 @@
                                   </p:childTnLst>
                                 </p:cTn>
                               </p:par>
-                            </p:childTnLst>
-                          </p:cTn>
-                        </p:par>
-                      </p:childTnLst>
-                    </p:cTn>
-                  </p:par>
-                  <p:par>
-                    <p:cTn id="13" fill="hold">
-                      <p:stCondLst>
-                        <p:cond delay="indefinite"/>
-                      </p:stCondLst>
-                      <p:childTnLst>
-                        <p:par>
-                          <p:cTn id="14" fill="hold">
-                            <p:stCondLst>
-                              <p:cond delay="0"/>
-                            </p:stCondLst>
-                            <p:childTnLst>
                               <p:par>
-                                <p:cTn id="15" presetID="10" presetClass="entr" presetSubtype="0" fill="hold" nodeType="clickEffect">
+                                <p:cTn id="11" presetID="10" presetClass="entr" presetSubtype="0" fill="hold" nodeType="withEffect">
                                   <p:stCondLst>
                                     <p:cond delay="0"/>
                                   </p:stCondLst>
                                   <p:childTnLst>
                                     <p:set>
                                       <p:cBhvr>
-                                        <p:cTn id="16" dur="1" fill="hold">
+                                        <p:cTn id="12" dur="1" fill="hold">
                                           <p:stCondLst>
                                             <p:cond delay="0"/>
                                           </p:stCondLst>
@@ -7284,7 +7122,7 @@
                                     </p:set>
                                     <p:animEffect transition="in" filter="fade">
                                       <p:cBhvr>
-                                        <p:cTn id="17" dur="500"/>
+                                        <p:cTn id="13" dur="500"/>
                                         <p:tgtEl>
                                           <p:spTgt spid="3">
                                             <p:txEl>
@@ -7297,32 +7135,100 @@
                                   </p:childTnLst>
                                 </p:cTn>
                               </p:par>
-                            </p:childTnLst>
-                          </p:cTn>
-                        </p:par>
-                      </p:childTnLst>
-                    </p:cTn>
-                  </p:par>
-                  <p:par>
-                    <p:cTn id="18" fill="hold">
-                      <p:stCondLst>
-                        <p:cond delay="indefinite"/>
-                      </p:stCondLst>
-                      <p:childTnLst>
-                        <p:par>
-                          <p:cTn id="19" fill="hold">
-                            <p:stCondLst>
-                              <p:cond delay="0"/>
-                            </p:stCondLst>
-                            <p:childTnLst>
                               <p:par>
-                                <p:cTn id="20" presetID="10" presetClass="entr" presetSubtype="0" fill="hold" nodeType="clickEffect">
+                                <p:cTn id="14" presetID="10" presetClass="entr" presetSubtype="0" fill="hold" nodeType="withEffect">
                                   <p:stCondLst>
                                     <p:cond delay="0"/>
                                   </p:stCondLst>
                                   <p:childTnLst>
                                     <p:set>
                                       <p:cBhvr>
+                                        <p:cTn id="15" dur="1" fill="hold">
+                                          <p:stCondLst>
+                                            <p:cond delay="0"/>
+                                          </p:stCondLst>
+                                        </p:cTn>
+                                        <p:tgtEl>
+                                          <p:spTgt spid="3">
+                                            <p:txEl>
+                                              <p:pRg st="3" end="3"/>
+                                            </p:txEl>
+                                          </p:spTgt>
+                                        </p:tgtEl>
+                                        <p:attrNameLst>
+                                          <p:attrName>style.visibility</p:attrName>
+                                        </p:attrNameLst>
+                                      </p:cBhvr>
+                                      <p:to>
+                                        <p:strVal val="visible"/>
+                                      </p:to>
+                                    </p:set>
+                                    <p:animEffect transition="in" filter="fade">
+                                      <p:cBhvr>
+                                        <p:cTn id="16" dur="500"/>
+                                        <p:tgtEl>
+                                          <p:spTgt spid="3">
+                                            <p:txEl>
+                                              <p:pRg st="3" end="3"/>
+                                            </p:txEl>
+                                          </p:spTgt>
+                                        </p:tgtEl>
+                                      </p:cBhvr>
+                                    </p:animEffect>
+                                  </p:childTnLst>
+                                </p:cTn>
+                              </p:par>
+                              <p:par>
+                                <p:cTn id="17" presetID="10" presetClass="entr" presetSubtype="0" fill="hold" nodeType="withEffect">
+                                  <p:stCondLst>
+                                    <p:cond delay="0"/>
+                                  </p:stCondLst>
+                                  <p:childTnLst>
+                                    <p:set>
+                                      <p:cBhvr>
+                                        <p:cTn id="18" dur="1" fill="hold">
+                                          <p:stCondLst>
+                                            <p:cond delay="0"/>
+                                          </p:stCondLst>
+                                        </p:cTn>
+                                        <p:tgtEl>
+                                          <p:spTgt spid="3">
+                                            <p:txEl>
+                                              <p:pRg st="4" end="4"/>
+                                            </p:txEl>
+                                          </p:spTgt>
+                                        </p:tgtEl>
+                                        <p:attrNameLst>
+                                          <p:attrName>style.visibility</p:attrName>
+                                        </p:attrNameLst>
+                                      </p:cBhvr>
+                                      <p:to>
+                                        <p:strVal val="visible"/>
+                                      </p:to>
+                                    </p:set>
+                                    <p:animEffect transition="in" filter="fade">
+                                      <p:cBhvr>
+                                        <p:cTn id="19" dur="500"/>
+                                        <p:tgtEl>
+                                          <p:spTgt spid="3">
+                                            <p:txEl>
+                                              <p:pRg st="4" end="4"/>
+                                            </p:txEl>
+                                          </p:spTgt>
+                                        </p:tgtEl>
+                                      </p:cBhvr>
+                                    </p:animEffect>
+                                  </p:childTnLst>
+                                </p:cTn>
+                              </p:par>
+                              <p:par>
+                                <p:cTn id="20" presetID="10" presetClass="entr" presetSubtype="0" fill="hold" nodeType="withEffect">
+                                  <p:stCondLst>
+                                    <p:cond delay="0"/>
+                                  </p:stCondLst>
+                                  <p:childTnLst>
+                                    <p:set>
+                                      <p:cBhvr>
                                         <p:cTn id="21" dur="1" fill="hold">
                                           <p:stCondLst>
                                             <p:cond delay="0"/>
@@ -7331,7 +7237,7 @@
                                         <p:tgtEl>
                                           <p:spTgt spid="3">
                                             <p:txEl>
-                                              <p:pRg st="3" end="3"/>
+                                              <p:pRg st="5" end="5"/>
                                             </p:txEl>
                                           </p:spTgt>
                                         </p:tgtEl>
@@ -7349,7 +7255,7 @@
                                         <p:tgtEl>
                                           <p:spTgt spid="3">
                                             <p:txEl>
-                                              <p:pRg st="3" end="3"/>
+                                              <p:pRg st="5" end="5"/>
                                             </p:txEl>
                                           </p:spTgt>
                                         </p:tgtEl>
@@ -7358,33 +7264,15 @@
                                   </p:childTnLst>
                                 </p:cTn>
                               </p:par>
-                            </p:childTnLst>
-                          </p:cTn>
-                        </p:par>
-                      </p:childTnLst>
-                    </p:cTn>
-                  </p:par>
-                  <p:par>
-                    <p:cTn id="23" fill="hold">
-                      <p:stCondLst>
-                        <p:cond delay="indefinite"/>
-                      </p:stCondLst>
-                      <p:childTnLst>
-                        <p:par>
-                          <p:cTn id="24" fill="hold">
-                            <p:stCondLst>
-                              <p:cond delay="0"/>
-                            </p:stCondLst>
-                            <p:childTnLst>
                               <p:par>
-                                <p:cTn id="25" presetID="10" presetClass="entr" presetSubtype="0" fill="hold" nodeType="clickEffect">
+                                <p:cTn id="23" presetID="10" presetClass="entr" presetSubtype="0" fill="hold" nodeType="withEffect">
                                   <p:stCondLst>
                                     <p:cond delay="0"/>
                                   </p:stCondLst>
                                   <p:childTnLst>
                                     <p:set>
                                       <p:cBhvr>
-                                        <p:cTn id="26" dur="1" fill="hold">
+                                        <p:cTn id="24" dur="1" fill="hold">
                                           <p:stCondLst>
                                             <p:cond delay="0"/>
                                           </p:stCondLst>
@@ -7392,7 +7280,7 @@
                                         <p:tgtEl>
                                           <p:spTgt spid="3">
                                             <p:txEl>
-                                              <p:pRg st="4" end="4"/>
+                                              <p:pRg st="6" end="6"/>
                                             </p:txEl>
                                           </p:spTgt>
                                         </p:tgtEl>
@@ -7406,129 +7294,7 @@
                                     </p:set>
                                     <p:animEffect transition="in" filter="fade">
                                       <p:cBhvr>
-                                        <p:cTn id="27" dur="500"/>
-                                        <p:tgtEl>
-                                          <p:spTgt spid="3">
-                                            <p:txEl>
-                                              <p:pRg st="4" end="4"/>
-                                            </p:txEl>
-                                          </p:spTgt>
-                                        </p:tgtEl>
-                                      </p:cBhvr>
-                                    </p:animEffect>
-                                  </p:childTnLst>
-                                </p:cTn>
-                              </p:par>
-                            </p:childTnLst>
-                          </p:cTn>
-                        </p:par>
-                      </p:childTnLst>
-                    </p:cTn>
-                  </p:par>
-                  <p:par>
-                    <p:cTn id="28" fill="hold">
-                      <p:stCondLst>
-                        <p:cond delay="indefinite"/>
-                      </p:stCondLst>
-                      <p:childTnLst>
-                        <p:par>
-                          <p:cTn id="29" fill="hold">
-                            <p:stCondLst>
-                              <p:cond delay="0"/>
-                            </p:stCondLst>
-                            <p:childTnLst>
-                              <p:par>
-                                <p:cTn id="30" presetID="10" presetClass="entr" presetSubtype="0" fill="hold" nodeType="clickEffect">
-                                  <p:stCondLst>
-                                    <p:cond delay="0"/>
-                                  </p:stCondLst>
-                                  <p:childTnLst>
-                                    <p:set>
-                                      <p:cBhvr>
-                                        <p:cTn id="31" dur="1" fill="hold">
-                                          <p:stCondLst>
-                                            <p:cond delay="0"/>
-                                          </p:stCondLst>
-                                        </p:cTn>
-                                        <p:tgtEl>
-                                          <p:spTgt spid="3">
-                                            <p:txEl>
-                                              <p:pRg st="5" end="5"/>
-                                            </p:txEl>
-                                          </p:spTgt>
-                                        </p:tgtEl>
-                                        <p:attrNameLst>
-                                          <p:attrName>style.visibility</p:attrName>
-                                        </p:attrNameLst>
-                                      </p:cBhvr>
-                                      <p:to>
-                                        <p:strVal val="visible"/>
-                                      </p:to>
-                                    </p:set>
-                                    <p:animEffect transition="in" filter="fade">
-                                      <p:cBhvr>
-                                        <p:cTn id="32" dur="500"/>
-                                        <p:tgtEl>
-                                          <p:spTgt spid="3">
-                                            <p:txEl>
-                                              <p:pRg st="5" end="5"/>
-                                            </p:txEl>
-                                          </p:spTgt>
-                                        </p:tgtEl>
-                                      </p:cBhvr>
-                                    </p:animEffect>
-                                  </p:childTnLst>
-                                </p:cTn>
-                              </p:par>
-                            </p:childTnLst>
-                          </p:cTn>
-                        </p:par>
-                      </p:childTnLst>
-                    </p:cTn>
-                  </p:par>
-                  <p:par>
-                    <p:cTn id="33" fill="hold">
-                      <p:stCondLst>
-                        <p:cond delay="indefinite"/>
-                      </p:stCondLst>
-                      <p:childTnLst>
-                        <p:par>
-                          <p:cTn id="34" fill="hold">
-                            <p:stCondLst>
-                              <p:cond delay="0"/>
-                            </p:stCondLst>
-                            <p:childTnLst>
-                              <p:par>
-                                <p:cTn id="35" presetID="10" presetClass="entr" presetSubtype="0" fill="hold" nodeType="clickEffect">
-                                  <p:stCondLst>
-                                    <p:cond delay="0"/>
-                                  </p:stCondLst>
-                                  <p:childTnLst>
-                                    <p:set>
-                                      <p:cBhvr>
-                                        <p:cTn id="36" dur="1" fill="hold">
-                                          <p:stCondLst>
-                                            <p:cond delay="0"/>
-                                          </p:stCondLst>
-                                        </p:cTn>
-                                        <p:tgtEl>
-                                          <p:spTgt spid="3">
-                                            <p:txEl>
-                                              <p:pRg st="6" end="6"/>
-                                            </p:txEl>
-                                          </p:spTgt>
-                                        </p:tgtEl>
-                                        <p:attrNameLst>
-                                          <p:attrName>style.visibility</p:attrName>
-                                        </p:attrNameLst>
-                                      </p:cBhvr>
-                                      <p:to>
-                                        <p:strVal val="visible"/>
-                                      </p:to>
-                                    </p:set>
-                                    <p:animEffect transition="in" filter="fade">
-                                      <p:cBhvr>
-                                        <p:cTn id="37" dur="500"/>
+                                        <p:cTn id="25" dur="500"/>
                                         <p:tgtEl>
                                           <p:spTgt spid="3">
                                             <p:txEl>
@@ -7771,33 +7537,15 @@
                                   </p:childTnLst>
                                 </p:cTn>
                               </p:par>
-                            </p:childTnLst>
-                          </p:cTn>
-                        </p:par>
-                      </p:childTnLst>
-                    </p:cTn>
-                  </p:par>
-                  <p:par>
-                    <p:cTn id="8" fill="hold">
-                      <p:stCondLst>
-                        <p:cond delay="indefinite"/>
-                      </p:stCondLst>
-                      <p:childTnLst>
-                        <p:par>
-                          <p:cTn id="9" fill="hold">
-                            <p:stCondLst>
-                              <p:cond delay="0"/>
-                            </p:stCondLst>
-                            <p:childTnLst>
                               <p:par>
-                                <p:cTn id="10" presetID="10" presetClass="entr" presetSubtype="0" fill="hold" nodeType="clickEffect">
+                                <p:cTn id="8" presetID="10" presetClass="entr" presetSubtype="0" fill="hold" nodeType="withEffect">
                                   <p:stCondLst>
                                     <p:cond delay="0"/>
                                   </p:stCondLst>
                                   <p:childTnLst>
                                     <p:set>
                                       <p:cBhvr>
-                                        <p:cTn id="11" dur="1" fill="hold">
+                                        <p:cTn id="9" dur="1" fill="hold">
                                           <p:stCondLst>
                                             <p:cond delay="0"/>
                                           </p:stCondLst>
@@ -7819,7 +7567,7 @@
                                     </p:set>
                                     <p:animEffect transition="in" filter="fade">
                                       <p:cBhvr>
-                                        <p:cTn id="12" dur="500"/>
+                                        <p:cTn id="10" dur="500"/>
                                         <p:tgtEl>
                                           <p:spTgt spid="4">
                                             <p:txEl>
@@ -7832,33 +7580,15 @@
                                   </p:childTnLst>
                                 </p:cTn>
                               </p:par>
-                            </p:childTnLst>
-                          </p:cTn>
-                        </p:par>
-                      </p:childTnLst>
-                    </p:cTn>
-                  </p:par>
-                  <p:par>
-                    <p:cTn id="13" fill="hold">
-                      <p:stCondLst>
-                        <p:cond delay="indefinite"/>
-                      </p:stCondLst>
-                      <p:childTnLst>
-                        <p:par>
-                          <p:cTn id="14" fill="hold">
-                            <p:stCondLst>
-                              <p:cond delay="0"/>
-                            </p:stCondLst>
-                            <p:childTnLst>
                               <p:par>
-                                <p:cTn id="15" presetID="10" presetClass="entr" presetSubtype="0" fill="hold" nodeType="clickEffect">
+                                <p:cTn id="11" presetID="10" presetClass="entr" presetSubtype="0" fill="hold" nodeType="withEffect">
                                   <p:stCondLst>
                                     <p:cond delay="0"/>
                                   </p:stCondLst>
                                   <p:childTnLst>
                                     <p:set>
                                       <p:cBhvr>
-                                        <p:cTn id="16" dur="1" fill="hold">
+                                        <p:cTn id="12" dur="1" fill="hold">
                                           <p:stCondLst>
                                             <p:cond delay="0"/>
                                           </p:stCondLst>
@@ -7880,7 +7610,7 @@
                                     </p:set>
                                     <p:animEffect transition="in" filter="fade">
                                       <p:cBhvr>
-                                        <p:cTn id="17" dur="500"/>
+                                        <p:cTn id="13" dur="500"/>
                                         <p:tgtEl>
                                           <p:spTgt spid="4">
                                             <p:txEl>
@@ -7893,33 +7623,15 @@
                                   </p:childTnLst>
                                 </p:cTn>
                               </p:par>
-                            </p:childTnLst>
-                          </p:cTn>
-                        </p:par>
-                      </p:childTnLst>
-                    </p:cTn>
-                  </p:par>
-                  <p:par>
-                    <p:cTn id="18" fill="hold">
-                      <p:stCondLst>
-                        <p:cond delay="indefinite"/>
-                      </p:stCondLst>
-                      <p:childTnLst>
-                        <p:par>
-                          <p:cTn id="19" fill="hold">
-                            <p:stCondLst>
-                              <p:cond delay="0"/>
-                            </p:stCondLst>
-                            <p:childTnLst>
                               <p:par>
-                                <p:cTn id="20" presetID="10" presetClass="entr" presetSubtype="0" fill="hold" nodeType="clickEffect">
+                                <p:cTn id="14" presetID="10" presetClass="entr" presetSubtype="0" fill="hold" nodeType="withEffect">
                                   <p:stCondLst>
                                     <p:cond delay="0"/>
                                   </p:stCondLst>
                                   <p:childTnLst>
                                     <p:set>
                                       <p:cBhvr>
-                                        <p:cTn id="21" dur="1" fill="hold">
+                                        <p:cTn id="15" dur="1" fill="hold">
                                           <p:stCondLst>
                                             <p:cond delay="0"/>
                                           </p:stCondLst>
@@ -7941,7 +7653,7 @@
                                     </p:set>
                                     <p:animEffect transition="in" filter="fade">
                                       <p:cBhvr>
-                                        <p:cTn id="22" dur="500"/>
+                                        <p:cTn id="16" dur="500"/>
                                         <p:tgtEl>
                                           <p:spTgt spid="4">
                                             <p:txEl>
@@ -7954,33 +7666,15 @@
                                   </p:childTnLst>
                                 </p:cTn>
                               </p:par>
-                            </p:childTnLst>
-                          </p:cTn>
-                        </p:par>
-                      </p:childTnLst>
-                    </p:cTn>
-                  </p:par>
-                  <p:par>
-                    <p:cTn id="23" fill="hold">
-                      <p:stCondLst>
-                        <p:cond delay="indefinite"/>
-                      </p:stCondLst>
-                      <p:childTnLst>
-                        <p:par>
-                          <p:cTn id="24" fill="hold">
-                            <p:stCondLst>
-                              <p:cond delay="0"/>
-                            </p:stCondLst>
-                            <p:childTnLst>
                               <p:par>
-                                <p:cTn id="25" presetID="10" presetClass="entr" presetSubtype="0" fill="hold" nodeType="clickEffect">
+                                <p:cTn id="17" presetID="10" presetClass="entr" presetSubtype="0" fill="hold" nodeType="withEffect">
                                   <p:stCondLst>
                                     <p:cond delay="0"/>
                                   </p:stCondLst>
                                   <p:childTnLst>
                                     <p:set>
                                       <p:cBhvr>
-                                        <p:cTn id="26" dur="1" fill="hold">
+                                        <p:cTn id="18" dur="1" fill="hold">
                                           <p:stCondLst>
                                             <p:cond delay="0"/>
                                           </p:stCondLst>
@@ -8002,7 +7696,7 @@
                                     </p:set>
                                     <p:animEffect transition="in" filter="fade">
                                       <p:cBhvr>
-                                        <p:cTn id="27" dur="500"/>
+                                        <p:cTn id="19" dur="500"/>
                                         <p:tgtEl>
                                           <p:spTgt spid="4">
                                             <p:txEl>
@@ -8220,33 +7914,15 @@
                                   </p:childTnLst>
                                 </p:cTn>
                               </p:par>
-                            </p:childTnLst>
-                          </p:cTn>
-                        </p:par>
-                      </p:childTnLst>
-                    </p:cTn>
-                  </p:par>
-                  <p:par>
-                    <p:cTn id="8" fill="hold">
-                      <p:stCondLst>
-                        <p:cond delay="indefinite"/>
-                      </p:stCondLst>
-                      <p:childTnLst>
-                        <p:par>
-                          <p:cTn id="9" fill="hold">
-                            <p:stCondLst>
-                              <p:cond delay="0"/>
-                            </p:stCondLst>
-                            <p:childTnLst>
                               <p:par>
-                                <p:cTn id="10" presetID="10" presetClass="entr" presetSubtype="0" fill="hold" nodeType="clickEffect">
+                                <p:cTn id="8" presetID="10" presetClass="entr" presetSubtype="0" fill="hold" nodeType="withEffect">
                                   <p:stCondLst>
                                     <p:cond delay="0"/>
                                   </p:stCondLst>
                                   <p:childTnLst>
                                     <p:set>
                                       <p:cBhvr>
-                                        <p:cTn id="11" dur="1" fill="hold">
+                                        <p:cTn id="9" dur="1" fill="hold">
                                           <p:stCondLst>
                                             <p:cond delay="0"/>
                                           </p:stCondLst>
@@ -8268,7 +7944,7 @@
                                     </p:set>
                                     <p:animEffect transition="in" filter="fade">
                                       <p:cBhvr>
-                                        <p:cTn id="12" dur="500"/>
+                                        <p:cTn id="10" dur="500"/>
                                         <p:tgtEl>
                                           <p:spTgt spid="3">
                                             <p:txEl>
@@ -8281,33 +7957,15 @@
                                   </p:childTnLst>
                                 </p:cTn>
                               </p:par>
-                            </p:childTnLst>
-                          </p:cTn>
-                        </p:par>
-                      </p:childTnLst>
-                    </p:cTn>
-                  </p:par>
-                  <p:par>
-                    <p:cTn id="13" fill="hold">
-                      <p:stCondLst>
-                        <p:cond delay="indefinite"/>
-                      </p:stCondLst>
-                      <p:childTnLst>
-                        <p:par>
-                          <p:cTn id="14" fill="hold">
-                            <p:stCondLst>
-                              <p:cond delay="0"/>
-                            </p:stCondLst>
-                            <p:childTnLst>
                               <p:par>
-                                <p:cTn id="15" presetID="10" presetClass="entr" presetSubtype="0" fill="hold" nodeType="clickEffect">
+                                <p:cTn id="11" presetID="10" presetClass="entr" presetSubtype="0" fill="hold" nodeType="withEffect">
                                   <p:stCondLst>
                                     <p:cond delay="0"/>
                                   </p:stCondLst>
                                   <p:childTnLst>
                                     <p:set>
                                       <p:cBhvr>
-                                        <p:cTn id="16" dur="1" fill="hold">
+                                        <p:cTn id="12" dur="1" fill="hold">
                                           <p:stCondLst>
                                             <p:cond delay="0"/>
                                           </p:stCondLst>
@@ -8329,7 +7987,7 @@
                                     </p:set>
                                     <p:animEffect transition="in" filter="fade">
                                       <p:cBhvr>
-                                        <p:cTn id="17" dur="500"/>
+                                        <p:cTn id="13" dur="500"/>
                                         <p:tgtEl>
                                           <p:spTgt spid="3">
                                             <p:txEl>
@@ -8342,33 +8000,15 @@
                                   </p:childTnLst>
                                 </p:cTn>
                               </p:par>
-                            </p:childTnLst>
-                          </p:cTn>
-                        </p:par>
-                      </p:childTnLst>
-                    </p:cTn>
-                  </p:par>
-                  <p:par>
-                    <p:cTn id="18" fill="hold">
-                      <p:stCondLst>
-                        <p:cond delay="indefinite"/>
-                      </p:stCondLst>
-                      <p:childTnLst>
-                        <p:par>
-                          <p:cTn id="19" fill="hold">
-                            <p:stCondLst>
-                              <p:cond delay="0"/>
-                            </p:stCondLst>
-                            <p:childTnLst>
                               <p:par>
-                                <p:cTn id="20" presetID="10" presetClass="entr" presetSubtype="0" fill="hold" nodeType="clickEffect">
+                                <p:cTn id="14" presetID="10" presetClass="entr" presetSubtype="0" fill="hold" nodeType="withEffect">
                                   <p:stCondLst>
                                     <p:cond delay="0"/>
                                   </p:stCondLst>
                                   <p:childTnLst>
                                     <p:set>
                                       <p:cBhvr>
-                                        <p:cTn id="21" dur="1" fill="hold">
+                                        <p:cTn id="15" dur="1" fill="hold">
                                           <p:stCondLst>
                                             <p:cond delay="0"/>
                                           </p:stCondLst>
@@ -8390,7 +8030,7 @@
                                     </p:set>
                                     <p:animEffect transition="in" filter="fade">
                                       <p:cBhvr>
-                                        <p:cTn id="22" dur="500"/>
+                                        <p:cTn id="16" dur="500"/>
                                         <p:tgtEl>
                                           <p:spTgt spid="3">
                                             <p:txEl>
@@ -8598,33 +8238,15 @@
                                   </p:childTnLst>
                                 </p:cTn>
                               </p:par>
-                            </p:childTnLst>
-                          </p:cTn>
-                        </p:par>
-                      </p:childTnLst>
-                    </p:cTn>
-                  </p:par>
-                  <p:par>
-                    <p:cTn id="8" fill="hold">
-                      <p:stCondLst>
-                        <p:cond delay="indefinite"/>
-                      </p:stCondLst>
-                      <p:childTnLst>
-                        <p:par>
-                          <p:cTn id="9" fill="hold">
-                            <p:stCondLst>
-                              <p:cond delay="0"/>
-                            </p:stCondLst>
-                            <p:childTnLst>
                               <p:par>
-                                <p:cTn id="10" presetID="10" presetClass="entr" presetSubtype="0" fill="hold" nodeType="clickEffect">
+                                <p:cTn id="8" presetID="10" presetClass="entr" presetSubtype="0" fill="hold" nodeType="withEffect">
                                   <p:stCondLst>
                                     <p:cond delay="0"/>
                                   </p:stCondLst>
                                   <p:childTnLst>
                                     <p:set>
                                       <p:cBhvr>
-                                        <p:cTn id="11" dur="1" fill="hold">
+                                        <p:cTn id="9" dur="1" fill="hold">
                                           <p:stCondLst>
                                             <p:cond delay="0"/>
                                           </p:stCondLst>
@@ -8646,7 +8268,7 @@
                                     </p:set>
                                     <p:animEffect transition="in" filter="fade">
                                       <p:cBhvr>
-                                        <p:cTn id="12" dur="500"/>
+                                        <p:cTn id="10" dur="500"/>
                                         <p:tgtEl>
                                           <p:spTgt spid="3">
                                             <p:txEl>
@@ -8759,7 +8381,7 @@
           <a:p>
             <a:r>
               <a:rPr lang="de-DE" sz="3200" dirty="0"/>
-              <a:t>Klassen wissen zu viel voneinander</a:t>
+              <a:t>Alle Observer werden immer verständigt</a:t>
             </a:r>
           </a:p>
           <a:p>
@@ -8798,6 +8420,13 @@
             <a:r>
               <a:rPr lang="de-DE" sz="2400" dirty="0"/>
               <a:t>Benachrichtigung sobald ein Ereignis eintritt</a:t>
+            </a:r>
+          </a:p>
+          <a:p>
+            <a:pPr lvl="2"/>
+            <a:r>
+              <a:rPr lang="de-DE" sz="2400" dirty="0"/>
+              <a:t>Observer meldet sich vom Observable ab</a:t>
             </a:r>
           </a:p>
           <a:p>
@@ -8854,7 +8483,7 @@
                                         <p:tgtEl>
                                           <p:spTgt spid="3">
                                             <p:txEl>
-                                              <p:pRg st="2" end="2"/>
+                                              <p:pRg st="0" end="0"/>
                                             </p:txEl>
                                           </p:spTgt>
                                         </p:tgtEl>
@@ -8872,7 +8501,7 @@
                                         <p:tgtEl>
                                           <p:spTgt spid="3">
                                             <p:txEl>
-                                              <p:pRg st="2" end="2"/>
+                                              <p:pRg st="0" end="0"/>
                                             </p:txEl>
                                           </p:spTgt>
                                         </p:tgtEl>
@@ -8881,33 +8510,15 @@
                                   </p:childTnLst>
                                 </p:cTn>
                               </p:par>
-                            </p:childTnLst>
-                          </p:cTn>
-                        </p:par>
-                      </p:childTnLst>
-                    </p:cTn>
-                  </p:par>
-                  <p:par>
-                    <p:cTn id="8" fill="hold">
-                      <p:stCondLst>
-                        <p:cond delay="indefinite"/>
-                      </p:stCondLst>
-                      <p:childTnLst>
-                        <p:par>
-                          <p:cTn id="9" fill="hold">
-                            <p:stCondLst>
-                              <p:cond delay="0"/>
-                            </p:stCondLst>
-                            <p:childTnLst>
                               <p:par>
-                                <p:cTn id="10" presetID="10" presetClass="entr" presetSubtype="0" fill="hold" nodeType="clickEffect">
+                                <p:cTn id="8" presetID="10" presetClass="entr" presetSubtype="0" fill="hold" nodeType="withEffect">
                                   <p:stCondLst>
                                     <p:cond delay="0"/>
                                   </p:stCondLst>
                                   <p:childTnLst>
                                     <p:set>
                                       <p:cBhvr>
-                                        <p:cTn id="11" dur="1" fill="hold">
+                                        <p:cTn id="9" dur="1" fill="hold">
                                           <p:stCondLst>
                                             <p:cond delay="0"/>
                                           </p:stCondLst>
@@ -8915,7 +8526,7 @@
                                         <p:tgtEl>
                                           <p:spTgt spid="3">
                                             <p:txEl>
-                                              <p:pRg st="3" end="3"/>
+                                              <p:pRg st="2" end="2"/>
                                             </p:txEl>
                                           </p:spTgt>
                                         </p:tgtEl>
@@ -8929,11 +8540,11 @@
                                     </p:set>
                                     <p:animEffect transition="in" filter="fade">
                                       <p:cBhvr>
-                                        <p:cTn id="12" dur="500"/>
-                                        <p:tgtEl>
-                                          <p:spTgt spid="3">
-                                            <p:txEl>
-                                              <p:pRg st="3" end="3"/>
+                                        <p:cTn id="10" dur="500"/>
+                                        <p:tgtEl>
+                                          <p:spTgt spid="3">
+                                            <p:txEl>
+                                              <p:pRg st="2" end="2"/>
                                             </p:txEl>
                                           </p:spTgt>
                                         </p:tgtEl>
@@ -8942,33 +8553,15 @@
                                   </p:childTnLst>
                                 </p:cTn>
                               </p:par>
-                            </p:childTnLst>
-                          </p:cTn>
-                        </p:par>
-                      </p:childTnLst>
-                    </p:cTn>
-                  </p:par>
-                  <p:par>
-                    <p:cTn id="13" fill="hold">
-                      <p:stCondLst>
-                        <p:cond delay="indefinite"/>
-                      </p:stCondLst>
-                      <p:childTnLst>
-                        <p:par>
-                          <p:cTn id="14" fill="hold">
-                            <p:stCondLst>
-                              <p:cond delay="0"/>
-                            </p:stCondLst>
-                            <p:childTnLst>
                               <p:par>
-                                <p:cTn id="15" presetID="10" presetClass="entr" presetSubtype="0" fill="hold" nodeType="clickEffect">
+                                <p:cTn id="11" presetID="10" presetClass="entr" presetSubtype="0" fill="hold" nodeType="withEffect">
                                   <p:stCondLst>
                                     <p:cond delay="0"/>
                                   </p:stCondLst>
                                   <p:childTnLst>
                                     <p:set>
                                       <p:cBhvr>
-                                        <p:cTn id="16" dur="1" fill="hold">
+                                        <p:cTn id="12" dur="1" fill="hold">
                                           <p:stCondLst>
                                             <p:cond delay="0"/>
                                           </p:stCondLst>
@@ -8976,7 +8569,7 @@
                                         <p:tgtEl>
                                           <p:spTgt spid="3">
                                             <p:txEl>
-                                              <p:pRg st="4" end="4"/>
+                                              <p:pRg st="3" end="3"/>
                                             </p:txEl>
                                           </p:spTgt>
                                         </p:tgtEl>
@@ -8990,11 +8583,11 @@
                                     </p:set>
                                     <p:animEffect transition="in" filter="fade">
                                       <p:cBhvr>
-                                        <p:cTn id="17" dur="500"/>
-                                        <p:tgtEl>
-                                          <p:spTgt spid="3">
-                                            <p:txEl>
-                                              <p:pRg st="4" end="4"/>
+                                        <p:cTn id="13" dur="500"/>
+                                        <p:tgtEl>
+                                          <p:spTgt spid="3">
+                                            <p:txEl>
+                                              <p:pRg st="3" end="3"/>
                                             </p:txEl>
                                           </p:spTgt>
                                         </p:tgtEl>
@@ -9003,32 +8596,100 @@
                                   </p:childTnLst>
                                 </p:cTn>
                               </p:par>
-                            </p:childTnLst>
-                          </p:cTn>
-                        </p:par>
-                      </p:childTnLst>
-                    </p:cTn>
-                  </p:par>
-                  <p:par>
-                    <p:cTn id="18" fill="hold">
-                      <p:stCondLst>
-                        <p:cond delay="indefinite"/>
-                      </p:stCondLst>
-                      <p:childTnLst>
-                        <p:par>
-                          <p:cTn id="19" fill="hold">
-                            <p:stCondLst>
-                              <p:cond delay="0"/>
-                            </p:stCondLst>
-                            <p:childTnLst>
                               <p:par>
-                                <p:cTn id="20" presetID="10" presetClass="entr" presetSubtype="0" fill="hold" nodeType="clickEffect">
+                                <p:cTn id="14" presetID="10" presetClass="entr" presetSubtype="0" fill="hold" nodeType="withEffect">
                                   <p:stCondLst>
                                     <p:cond delay="0"/>
                                   </p:stCondLst>
                                   <p:childTnLst>
                                     <p:set>
                                       <p:cBhvr>
+                                        <p:cTn id="15" dur="1" fill="hold">
+                                          <p:stCondLst>
+                                            <p:cond delay="0"/>
+                                          </p:stCondLst>
+                                        </p:cTn>
+                                        <p:tgtEl>
+                                          <p:spTgt spid="3">
+                                            <p:txEl>
+                                              <p:pRg st="4" end="4"/>
+                                            </p:txEl>
+                                          </p:spTgt>
+                                        </p:tgtEl>
+                                        <p:attrNameLst>
+                                          <p:attrName>style.visibility</p:attrName>
+                                        </p:attrNameLst>
+                                      </p:cBhvr>
+                                      <p:to>
+                                        <p:strVal val="visible"/>
+                                      </p:to>
+                                    </p:set>
+                                    <p:animEffect transition="in" filter="fade">
+                                      <p:cBhvr>
+                                        <p:cTn id="16" dur="500"/>
+                                        <p:tgtEl>
+                                          <p:spTgt spid="3">
+                                            <p:txEl>
+                                              <p:pRg st="4" end="4"/>
+                                            </p:txEl>
+                                          </p:spTgt>
+                                        </p:tgtEl>
+                                      </p:cBhvr>
+                                    </p:animEffect>
+                                  </p:childTnLst>
+                                </p:cTn>
+                              </p:par>
+                              <p:par>
+                                <p:cTn id="17" presetID="10" presetClass="entr" presetSubtype="0" fill="hold" nodeType="withEffect">
+                                  <p:stCondLst>
+                                    <p:cond delay="0"/>
+                                  </p:stCondLst>
+                                  <p:childTnLst>
+                                    <p:set>
+                                      <p:cBhvr>
+                                        <p:cTn id="18" dur="1" fill="hold">
+                                          <p:stCondLst>
+                                            <p:cond delay="0"/>
+                                          </p:stCondLst>
+                                        </p:cTn>
+                                        <p:tgtEl>
+                                          <p:spTgt spid="3">
+                                            <p:txEl>
+                                              <p:pRg st="5" end="5"/>
+                                            </p:txEl>
+                                          </p:spTgt>
+                                        </p:tgtEl>
+                                        <p:attrNameLst>
+                                          <p:attrName>style.visibility</p:attrName>
+                                        </p:attrNameLst>
+                                      </p:cBhvr>
+                                      <p:to>
+                                        <p:strVal val="visible"/>
+                                      </p:to>
+                                    </p:set>
+                                    <p:animEffect transition="in" filter="fade">
+                                      <p:cBhvr>
+                                        <p:cTn id="19" dur="500"/>
+                                        <p:tgtEl>
+                                          <p:spTgt spid="3">
+                                            <p:txEl>
+                                              <p:pRg st="5" end="5"/>
+                                            </p:txEl>
+                                          </p:spTgt>
+                                        </p:tgtEl>
+                                      </p:cBhvr>
+                                    </p:animEffect>
+                                  </p:childTnLst>
+                                </p:cTn>
+                              </p:par>
+                              <p:par>
+                                <p:cTn id="20" presetID="10" presetClass="entr" presetSubtype="0" fill="hold" nodeType="withEffect">
+                                  <p:stCondLst>
+                                    <p:cond delay="0"/>
+                                  </p:stCondLst>
+                                  <p:childTnLst>
+                                    <p:set>
+                                      <p:cBhvr>
                                         <p:cTn id="21" dur="1" fill="hold">
                                           <p:stCondLst>
                                             <p:cond delay="0"/>
@@ -9037,7 +8698,7 @@
                                         <p:tgtEl>
                                           <p:spTgt spid="3">
                                             <p:txEl>
-                                              <p:pRg st="5" end="5"/>
+                                              <p:pRg st="6" end="6"/>
                                             </p:txEl>
                                           </p:spTgt>
                                         </p:tgtEl>
@@ -9055,68 +8716,7 @@
                                         <p:tgtEl>
                                           <p:spTgt spid="3">
                                             <p:txEl>
-                                              <p:pRg st="5" end="5"/>
-                                            </p:txEl>
-                                          </p:spTgt>
-                                        </p:tgtEl>
-                                      </p:cBhvr>
-                                    </p:animEffect>
-                                  </p:childTnLst>
-                                </p:cTn>
-                              </p:par>
-                            </p:childTnLst>
-                          </p:cTn>
-                        </p:par>
-                      </p:childTnLst>
-                    </p:cTn>
-                  </p:par>
-                  <p:par>
-                    <p:cTn id="23" fill="hold">
-                      <p:stCondLst>
-                        <p:cond delay="indefinite"/>
-                      </p:stCondLst>
-                      <p:childTnLst>
-                        <p:par>
-                          <p:cTn id="24" fill="hold">
-                            <p:stCondLst>
-                              <p:cond delay="0"/>
-                            </p:stCondLst>
-                            <p:childTnLst>
-                              <p:par>
-                                <p:cTn id="25" presetID="10" presetClass="entr" presetSubtype="0" fill="hold" nodeType="clickEffect">
-                                  <p:stCondLst>
-                                    <p:cond delay="0"/>
-                                  </p:stCondLst>
-                                  <p:childTnLst>
-                                    <p:set>
-                                      <p:cBhvr>
-                                        <p:cTn id="26" dur="1" fill="hold">
-                                          <p:stCondLst>
-                                            <p:cond delay="0"/>
-                                          </p:stCondLst>
-                                        </p:cTn>
-                                        <p:tgtEl>
-                                          <p:spTgt spid="3">
-                                            <p:txEl>
-                                              <p:pRg st="0" end="0"/>
-                                            </p:txEl>
-                                          </p:spTgt>
-                                        </p:tgtEl>
-                                        <p:attrNameLst>
-                                          <p:attrName>style.visibility</p:attrName>
-                                        </p:attrNameLst>
-                                      </p:cBhvr>
-                                      <p:to>
-                                        <p:strVal val="visible"/>
-                                      </p:to>
-                                    </p:set>
-                                    <p:animEffect transition="in" filter="fade">
-                                      <p:cBhvr>
-                                        <p:cTn id="27" dur="500"/>
-                                        <p:tgtEl>
-                                          <p:spTgt spid="3">
-                                            <p:txEl>
-                                              <p:pRg st="0" end="0"/>
+                                              <p:pRg st="6" end="6"/>
                                             </p:txEl>
                                           </p:spTgt>
                                         </p:tgtEl>
@@ -9332,7 +8932,7 @@
                                         <p:tgtEl>
                                           <p:spTgt spid="3">
                                             <p:txEl>
-                                              <p:pRg st="3" end="3"/>
+                                              <p:pRg st="0" end="0"/>
                                             </p:txEl>
                                           </p:spTgt>
                                         </p:tgtEl>
@@ -9350,7 +8950,7 @@
                                         <p:tgtEl>
                                           <p:spTgt spid="3">
                                             <p:txEl>
-                                              <p:pRg st="3" end="3"/>
+                                              <p:pRg st="0" end="0"/>
                                             </p:txEl>
                                           </p:spTgt>
                                         </p:tgtEl>
@@ -9359,33 +8959,15 @@
                                   </p:childTnLst>
                                 </p:cTn>
                               </p:par>
-                            </p:childTnLst>
-                          </p:cTn>
-                        </p:par>
-                      </p:childTnLst>
-                    </p:cTn>
-                  </p:par>
-                  <p:par>
-                    <p:cTn id="8" fill="hold">
-                      <p:stCondLst>
-                        <p:cond delay="indefinite"/>
-                      </p:stCondLst>
-                      <p:childTnLst>
-                        <p:par>
-                          <p:cTn id="9" fill="hold">
-                            <p:stCondLst>
-                              <p:cond delay="0"/>
-                            </p:stCondLst>
-                            <p:childTnLst>
                               <p:par>
-                                <p:cTn id="10" presetID="10" presetClass="entr" presetSubtype="0" fill="hold" nodeType="clickEffect">
+                                <p:cTn id="8" presetID="10" presetClass="entr" presetSubtype="0" fill="hold" nodeType="withEffect">
                                   <p:stCondLst>
                                     <p:cond delay="0"/>
                                   </p:stCondLst>
                                   <p:childTnLst>
                                     <p:set>
                                       <p:cBhvr>
-                                        <p:cTn id="11" dur="1" fill="hold">
+                                        <p:cTn id="9" dur="1" fill="hold">
                                           <p:stCondLst>
                                             <p:cond delay="0"/>
                                           </p:stCondLst>
@@ -9393,7 +8975,7 @@
                                         <p:tgtEl>
                                           <p:spTgt spid="3">
                                             <p:txEl>
-                                              <p:pRg st="0" end="0"/>
+                                              <p:pRg st="1" end="1"/>
                                             </p:txEl>
                                           </p:spTgt>
                                         </p:tgtEl>
@@ -9407,11 +8989,11 @@
                                     </p:set>
                                     <p:animEffect transition="in" filter="fade">
                                       <p:cBhvr>
-                                        <p:cTn id="12" dur="500"/>
-                                        <p:tgtEl>
-                                          <p:spTgt spid="3">
-                                            <p:txEl>
-                                              <p:pRg st="0" end="0"/>
+                                        <p:cTn id="10" dur="500"/>
+                                        <p:tgtEl>
+                                          <p:spTgt spid="3">
+                                            <p:txEl>
+                                              <p:pRg st="1" end="1"/>
                                             </p:txEl>
                                           </p:spTgt>
                                         </p:tgtEl>
@@ -9420,33 +9002,15 @@
                                   </p:childTnLst>
                                 </p:cTn>
                               </p:par>
-                            </p:childTnLst>
-                          </p:cTn>
-                        </p:par>
-                      </p:childTnLst>
-                    </p:cTn>
-                  </p:par>
-                  <p:par>
-                    <p:cTn id="13" fill="hold">
-                      <p:stCondLst>
-                        <p:cond delay="indefinite"/>
-                      </p:stCondLst>
-                      <p:childTnLst>
-                        <p:par>
-                          <p:cTn id="14" fill="hold">
-                            <p:stCondLst>
-                              <p:cond delay="0"/>
-                            </p:stCondLst>
-                            <p:childTnLst>
                               <p:par>
-                                <p:cTn id="15" presetID="10" presetClass="entr" presetSubtype="0" fill="hold" nodeType="clickEffect">
+                                <p:cTn id="11" presetID="10" presetClass="entr" presetSubtype="0" fill="hold" nodeType="withEffect">
                                   <p:stCondLst>
                                     <p:cond delay="0"/>
                                   </p:stCondLst>
                                   <p:childTnLst>
                                     <p:set>
                                       <p:cBhvr>
-                                        <p:cTn id="16" dur="1" fill="hold">
+                                        <p:cTn id="12" dur="1" fill="hold">
                                           <p:stCondLst>
                                             <p:cond delay="0"/>
                                           </p:stCondLst>
@@ -9454,7 +9018,7 @@
                                         <p:tgtEl>
                                           <p:spTgt spid="3">
                                             <p:txEl>
-                                              <p:pRg st="1" end="1"/>
+                                              <p:pRg st="3" end="3"/>
                                             </p:txEl>
                                           </p:spTgt>
                                         </p:tgtEl>
@@ -9468,11 +9032,11 @@
                                     </p:set>
                                     <p:animEffect transition="in" filter="fade">
                                       <p:cBhvr>
-                                        <p:cTn id="17" dur="500"/>
-                                        <p:tgtEl>
-                                          <p:spTgt spid="3">
-                                            <p:txEl>
-                                              <p:pRg st="1" end="1"/>
+                                        <p:cTn id="13" dur="500"/>
+                                        <p:tgtEl>
+                                          <p:spTgt spid="3">
+                                            <p:txEl>
+                                              <p:pRg st="3" end="3"/>
                                             </p:txEl>
                                           </p:spTgt>
                                         </p:tgtEl>
@@ -9481,32 +9045,100 @@
                                   </p:childTnLst>
                                 </p:cTn>
                               </p:par>
-                            </p:childTnLst>
-                          </p:cTn>
-                        </p:par>
-                      </p:childTnLst>
-                    </p:cTn>
-                  </p:par>
-                  <p:par>
-                    <p:cTn id="18" fill="hold">
-                      <p:stCondLst>
-                        <p:cond delay="indefinite"/>
-                      </p:stCondLst>
-                      <p:childTnLst>
-                        <p:par>
-                          <p:cTn id="19" fill="hold">
-                            <p:stCondLst>
-                              <p:cond delay="0"/>
-                            </p:stCondLst>
-                            <p:childTnLst>
                               <p:par>
-                                <p:cTn id="20" presetID="10" presetClass="entr" presetSubtype="0" fill="hold" nodeType="clickEffect">
+                                <p:cTn id="14" presetID="10" presetClass="entr" presetSubtype="0" fill="hold" nodeType="withEffect">
                                   <p:stCondLst>
                                     <p:cond delay="0"/>
                                   </p:stCondLst>
                                   <p:childTnLst>
                                     <p:set>
                                       <p:cBhvr>
+                                        <p:cTn id="15" dur="1" fill="hold">
+                                          <p:stCondLst>
+                                            <p:cond delay="0"/>
+                                          </p:stCondLst>
+                                        </p:cTn>
+                                        <p:tgtEl>
+                                          <p:spTgt spid="3">
+                                            <p:txEl>
+                                              <p:pRg st="4" end="4"/>
+                                            </p:txEl>
+                                          </p:spTgt>
+                                        </p:tgtEl>
+                                        <p:attrNameLst>
+                                          <p:attrName>style.visibility</p:attrName>
+                                        </p:attrNameLst>
+                                      </p:cBhvr>
+                                      <p:to>
+                                        <p:strVal val="visible"/>
+                                      </p:to>
+                                    </p:set>
+                                    <p:animEffect transition="in" filter="fade">
+                                      <p:cBhvr>
+                                        <p:cTn id="16" dur="500"/>
+                                        <p:tgtEl>
+                                          <p:spTgt spid="3">
+                                            <p:txEl>
+                                              <p:pRg st="4" end="4"/>
+                                            </p:txEl>
+                                          </p:spTgt>
+                                        </p:tgtEl>
+                                      </p:cBhvr>
+                                    </p:animEffect>
+                                  </p:childTnLst>
+                                </p:cTn>
+                              </p:par>
+                              <p:par>
+                                <p:cTn id="17" presetID="10" presetClass="entr" presetSubtype="0" fill="hold" nodeType="withEffect">
+                                  <p:stCondLst>
+                                    <p:cond delay="0"/>
+                                  </p:stCondLst>
+                                  <p:childTnLst>
+                                    <p:set>
+                                      <p:cBhvr>
+                                        <p:cTn id="18" dur="1" fill="hold">
+                                          <p:stCondLst>
+                                            <p:cond delay="0"/>
+                                          </p:stCondLst>
+                                        </p:cTn>
+                                        <p:tgtEl>
+                                          <p:spTgt spid="3">
+                                            <p:txEl>
+                                              <p:pRg st="6" end="6"/>
+                                            </p:txEl>
+                                          </p:spTgt>
+                                        </p:tgtEl>
+                                        <p:attrNameLst>
+                                          <p:attrName>style.visibility</p:attrName>
+                                        </p:attrNameLst>
+                                      </p:cBhvr>
+                                      <p:to>
+                                        <p:strVal val="visible"/>
+                                      </p:to>
+                                    </p:set>
+                                    <p:animEffect transition="in" filter="fade">
+                                      <p:cBhvr>
+                                        <p:cTn id="19" dur="500"/>
+                                        <p:tgtEl>
+                                          <p:spTgt spid="3">
+                                            <p:txEl>
+                                              <p:pRg st="6" end="6"/>
+                                            </p:txEl>
+                                          </p:spTgt>
+                                        </p:tgtEl>
+                                      </p:cBhvr>
+                                    </p:animEffect>
+                                  </p:childTnLst>
+                                </p:cTn>
+                              </p:par>
+                              <p:par>
+                                <p:cTn id="20" presetID="10" presetClass="entr" presetSubtype="0" fill="hold" nodeType="withEffect">
+                                  <p:stCondLst>
+                                    <p:cond delay="0"/>
+                                  </p:stCondLst>
+                                  <p:childTnLst>
+                                    <p:set>
+                                      <p:cBhvr>
                                         <p:cTn id="21" dur="1" fill="hold">
                                           <p:stCondLst>
                                             <p:cond delay="0"/>
@@ -9515,7 +9147,7 @@
                                         <p:tgtEl>
                                           <p:spTgt spid="3">
                                             <p:txEl>
-                                              <p:pRg st="4" end="4"/>
+                                              <p:pRg st="7" end="7"/>
                                             </p:txEl>
                                           </p:spTgt>
                                         </p:tgtEl>
@@ -9533,7 +9165,7 @@
                                         <p:tgtEl>
                                           <p:spTgt spid="3">
                                             <p:txEl>
-                                              <p:pRg st="4" end="4"/>
+                                              <p:pRg st="7" end="7"/>
                                             </p:txEl>
                                           </p:spTgt>
                                         </p:tgtEl>
@@ -9542,33 +9174,15 @@
                                   </p:childTnLst>
                                 </p:cTn>
                               </p:par>
-                            </p:childTnLst>
-                          </p:cTn>
-                        </p:par>
-                      </p:childTnLst>
-                    </p:cTn>
-                  </p:par>
-                  <p:par>
-                    <p:cTn id="23" fill="hold">
-                      <p:stCondLst>
-                        <p:cond delay="indefinite"/>
-                      </p:stCondLst>
-                      <p:childTnLst>
-                        <p:par>
-                          <p:cTn id="24" fill="hold">
-                            <p:stCondLst>
-                              <p:cond delay="0"/>
-                            </p:stCondLst>
-                            <p:childTnLst>
                               <p:par>
-                                <p:cTn id="25" presetID="10" presetClass="entr" presetSubtype="0" fill="hold" nodeType="clickEffect">
+                                <p:cTn id="23" presetID="10" presetClass="entr" presetSubtype="0" fill="hold" nodeType="withEffect">
                                   <p:stCondLst>
                                     <p:cond delay="0"/>
                                   </p:stCondLst>
                                   <p:childTnLst>
                                     <p:set>
                                       <p:cBhvr>
-                                        <p:cTn id="26" dur="1" fill="hold">
+                                        <p:cTn id="24" dur="1" fill="hold">
                                           <p:stCondLst>
                                             <p:cond delay="0"/>
                                           </p:stCondLst>
@@ -9576,7 +9190,7 @@
                                         <p:tgtEl>
                                           <p:spTgt spid="3">
                                             <p:txEl>
-                                              <p:pRg st="6" end="6"/>
+                                              <p:pRg st="8" end="8"/>
                                             </p:txEl>
                                           </p:spTgt>
                                         </p:tgtEl>
@@ -9590,129 +9204,7 @@
                                     </p:set>
                                     <p:animEffect transition="in" filter="fade">
                                       <p:cBhvr>
-                                        <p:cTn id="27" dur="500"/>
-                                        <p:tgtEl>
-                                          <p:spTgt spid="3">
-                                            <p:txEl>
-                                              <p:pRg st="6" end="6"/>
-                                            </p:txEl>
-                                          </p:spTgt>
-                                        </p:tgtEl>
-                                      </p:cBhvr>
-                                    </p:animEffect>
-                                  </p:childTnLst>
-                                </p:cTn>
-                              </p:par>
-                            </p:childTnLst>
-                          </p:cTn>
-                        </p:par>
-                      </p:childTnLst>
-                    </p:cTn>
-                  </p:par>
-                  <p:par>
-                    <p:cTn id="28" fill="hold">
-                      <p:stCondLst>
-                        <p:cond delay="indefinite"/>
-                      </p:stCondLst>
-                      <p:childTnLst>
-                        <p:par>
-                          <p:cTn id="29" fill="hold">
-                            <p:stCondLst>
-                              <p:cond delay="0"/>
-                            </p:stCondLst>
-                            <p:childTnLst>
-                              <p:par>
-                                <p:cTn id="30" presetID="10" presetClass="entr" presetSubtype="0" fill="hold" nodeType="clickEffect">
-                                  <p:stCondLst>
-                                    <p:cond delay="0"/>
-                                  </p:stCondLst>
-                                  <p:childTnLst>
-                                    <p:set>
-                                      <p:cBhvr>
-                                        <p:cTn id="31" dur="1" fill="hold">
-                                          <p:stCondLst>
-                                            <p:cond delay="0"/>
-                                          </p:stCondLst>
-                                        </p:cTn>
-                                        <p:tgtEl>
-                                          <p:spTgt spid="3">
-                                            <p:txEl>
-                                              <p:pRg st="7" end="7"/>
-                                            </p:txEl>
-                                          </p:spTgt>
-                                        </p:tgtEl>
-                                        <p:attrNameLst>
-                                          <p:attrName>style.visibility</p:attrName>
-                                        </p:attrNameLst>
-                                      </p:cBhvr>
-                                      <p:to>
-                                        <p:strVal val="visible"/>
-                                      </p:to>
-                                    </p:set>
-                                    <p:animEffect transition="in" filter="fade">
-                                      <p:cBhvr>
-                                        <p:cTn id="32" dur="500"/>
-                                        <p:tgtEl>
-                                          <p:spTgt spid="3">
-                                            <p:txEl>
-                                              <p:pRg st="7" end="7"/>
-                                            </p:txEl>
-                                          </p:spTgt>
-                                        </p:tgtEl>
-                                      </p:cBhvr>
-                                    </p:animEffect>
-                                  </p:childTnLst>
-                                </p:cTn>
-                              </p:par>
-                            </p:childTnLst>
-                          </p:cTn>
-                        </p:par>
-                      </p:childTnLst>
-                    </p:cTn>
-                  </p:par>
-                  <p:par>
-                    <p:cTn id="33" fill="hold">
-                      <p:stCondLst>
-                        <p:cond delay="indefinite"/>
-                      </p:stCondLst>
-                      <p:childTnLst>
-                        <p:par>
-                          <p:cTn id="34" fill="hold">
-                            <p:stCondLst>
-                              <p:cond delay="0"/>
-                            </p:stCondLst>
-                            <p:childTnLst>
-                              <p:par>
-                                <p:cTn id="35" presetID="10" presetClass="entr" presetSubtype="0" fill="hold" nodeType="clickEffect">
-                                  <p:stCondLst>
-                                    <p:cond delay="0"/>
-                                  </p:stCondLst>
-                                  <p:childTnLst>
-                                    <p:set>
-                                      <p:cBhvr>
-                                        <p:cTn id="36" dur="1" fill="hold">
-                                          <p:stCondLst>
-                                            <p:cond delay="0"/>
-                                          </p:stCondLst>
-                                        </p:cTn>
-                                        <p:tgtEl>
-                                          <p:spTgt spid="3">
-                                            <p:txEl>
-                                              <p:pRg st="8" end="8"/>
-                                            </p:txEl>
-                                          </p:spTgt>
-                                        </p:tgtEl>
-                                        <p:attrNameLst>
-                                          <p:attrName>style.visibility</p:attrName>
-                                        </p:attrNameLst>
-                                      </p:cBhvr>
-                                      <p:to>
-                                        <p:strVal val="visible"/>
-                                      </p:to>
-                                    </p:set>
-                                    <p:animEffect transition="in" filter="fade">
-                                      <p:cBhvr>
-                                        <p:cTn id="37" dur="500"/>
+                                        <p:cTn id="25" dur="500"/>
                                         <p:tgtEl>
                                           <p:spTgt spid="3">
                                             <p:txEl>
@@ -10260,33 +9752,15 @@
                                   </p:childTnLst>
                                 </p:cTn>
                               </p:par>
-                            </p:childTnLst>
-                          </p:cTn>
-                        </p:par>
-                      </p:childTnLst>
-                    </p:cTn>
-                  </p:par>
-                  <p:par>
-                    <p:cTn id="8" fill="hold">
-                      <p:stCondLst>
-                        <p:cond delay="indefinite"/>
-                      </p:stCondLst>
-                      <p:childTnLst>
-                        <p:par>
-                          <p:cTn id="9" fill="hold">
-                            <p:stCondLst>
-                              <p:cond delay="0"/>
-                            </p:stCondLst>
-                            <p:childTnLst>
                               <p:par>
-                                <p:cTn id="10" presetID="10" presetClass="entr" presetSubtype="0" fill="hold" nodeType="clickEffect">
+                                <p:cTn id="8" presetID="10" presetClass="entr" presetSubtype="0" fill="hold" nodeType="withEffect">
                                   <p:stCondLst>
                                     <p:cond delay="0"/>
                                   </p:stCondLst>
                                   <p:childTnLst>
                                     <p:set>
                                       <p:cBhvr>
-                                        <p:cTn id="11" dur="1" fill="hold">
+                                        <p:cTn id="9" dur="1" fill="hold">
                                           <p:stCondLst>
                                             <p:cond delay="0"/>
                                           </p:stCondLst>
@@ -10308,7 +9782,7 @@
                                     </p:set>
                                     <p:animEffect transition="in" filter="fade">
                                       <p:cBhvr>
-                                        <p:cTn id="12" dur="500"/>
+                                        <p:cTn id="10" dur="500"/>
                                         <p:tgtEl>
                                           <p:spTgt spid="5">
                                             <p:txEl>
@@ -10321,33 +9795,15 @@
                                   </p:childTnLst>
                                 </p:cTn>
                               </p:par>
-                            </p:childTnLst>
-                          </p:cTn>
-                        </p:par>
-                      </p:childTnLst>
-                    </p:cTn>
-                  </p:par>
-                  <p:par>
-                    <p:cTn id="13" fill="hold">
-                      <p:stCondLst>
-                        <p:cond delay="indefinite"/>
-                      </p:stCondLst>
-                      <p:childTnLst>
-                        <p:par>
-                          <p:cTn id="14" fill="hold">
-                            <p:stCondLst>
-                              <p:cond delay="0"/>
-                            </p:stCondLst>
-                            <p:childTnLst>
                               <p:par>
-                                <p:cTn id="15" presetID="10" presetClass="entr" presetSubtype="0" fill="hold" nodeType="clickEffect">
+                                <p:cTn id="11" presetID="10" presetClass="entr" presetSubtype="0" fill="hold" nodeType="withEffect">
                                   <p:stCondLst>
                                     <p:cond delay="0"/>
                                   </p:stCondLst>
                                   <p:childTnLst>
                                     <p:set>
                                       <p:cBhvr>
-                                        <p:cTn id="16" dur="1" fill="hold">
+                                        <p:cTn id="12" dur="1" fill="hold">
                                           <p:stCondLst>
                                             <p:cond delay="0"/>
                                           </p:stCondLst>
@@ -10369,7 +9825,7 @@
                                     </p:set>
                                     <p:animEffect transition="in" filter="fade">
                                       <p:cBhvr>
-                                        <p:cTn id="17" dur="500"/>
+                                        <p:cTn id="13" dur="500"/>
                                         <p:tgtEl>
                                           <p:spTgt spid="5">
                                             <p:txEl>
@@ -10382,32 +9838,100 @@
                                   </p:childTnLst>
                                 </p:cTn>
                               </p:par>
-                            </p:childTnLst>
-                          </p:cTn>
-                        </p:par>
-                      </p:childTnLst>
-                    </p:cTn>
-                  </p:par>
-                  <p:par>
-                    <p:cTn id="18" fill="hold">
-                      <p:stCondLst>
-                        <p:cond delay="indefinite"/>
-                      </p:stCondLst>
-                      <p:childTnLst>
-                        <p:par>
-                          <p:cTn id="19" fill="hold">
-                            <p:stCondLst>
-                              <p:cond delay="0"/>
-                            </p:stCondLst>
-                            <p:childTnLst>
                               <p:par>
-                                <p:cTn id="20" presetID="10" presetClass="entr" presetSubtype="0" fill="hold" nodeType="clickEffect">
+                                <p:cTn id="14" presetID="10" presetClass="entr" presetSubtype="0" fill="hold" nodeType="withEffect">
                                   <p:stCondLst>
                                     <p:cond delay="0"/>
                                   </p:stCondLst>
                                   <p:childTnLst>
                                     <p:set>
                                       <p:cBhvr>
+                                        <p:cTn id="15" dur="1" fill="hold">
+                                          <p:stCondLst>
+                                            <p:cond delay="0"/>
+                                          </p:stCondLst>
+                                        </p:cTn>
+                                        <p:tgtEl>
+                                          <p:spTgt spid="5">
+                                            <p:txEl>
+                                              <p:pRg st="3" end="3"/>
+                                            </p:txEl>
+                                          </p:spTgt>
+                                        </p:tgtEl>
+                                        <p:attrNameLst>
+                                          <p:attrName>style.visibility</p:attrName>
+                                        </p:attrNameLst>
+                                      </p:cBhvr>
+                                      <p:to>
+                                        <p:strVal val="visible"/>
+                                      </p:to>
+                                    </p:set>
+                                    <p:animEffect transition="in" filter="fade">
+                                      <p:cBhvr>
+                                        <p:cTn id="16" dur="500"/>
+                                        <p:tgtEl>
+                                          <p:spTgt spid="5">
+                                            <p:txEl>
+                                              <p:pRg st="3" end="3"/>
+                                            </p:txEl>
+                                          </p:spTgt>
+                                        </p:tgtEl>
+                                      </p:cBhvr>
+                                    </p:animEffect>
+                                  </p:childTnLst>
+                                </p:cTn>
+                              </p:par>
+                              <p:par>
+                                <p:cTn id="17" presetID="10" presetClass="entr" presetSubtype="0" fill="hold" nodeType="withEffect">
+                                  <p:stCondLst>
+                                    <p:cond delay="0"/>
+                                  </p:stCondLst>
+                                  <p:childTnLst>
+                                    <p:set>
+                                      <p:cBhvr>
+                                        <p:cTn id="18" dur="1" fill="hold">
+                                          <p:stCondLst>
+                                            <p:cond delay="0"/>
+                                          </p:stCondLst>
+                                        </p:cTn>
+                                        <p:tgtEl>
+                                          <p:spTgt spid="5">
+                                            <p:txEl>
+                                              <p:pRg st="4" end="4"/>
+                                            </p:txEl>
+                                          </p:spTgt>
+                                        </p:tgtEl>
+                                        <p:attrNameLst>
+                                          <p:attrName>style.visibility</p:attrName>
+                                        </p:attrNameLst>
+                                      </p:cBhvr>
+                                      <p:to>
+                                        <p:strVal val="visible"/>
+                                      </p:to>
+                                    </p:set>
+                                    <p:animEffect transition="in" filter="fade">
+                                      <p:cBhvr>
+                                        <p:cTn id="19" dur="500"/>
+                                        <p:tgtEl>
+                                          <p:spTgt spid="5">
+                                            <p:txEl>
+                                              <p:pRg st="4" end="4"/>
+                                            </p:txEl>
+                                          </p:spTgt>
+                                        </p:tgtEl>
+                                      </p:cBhvr>
+                                    </p:animEffect>
+                                  </p:childTnLst>
+                                </p:cTn>
+                              </p:par>
+                              <p:par>
+                                <p:cTn id="20" presetID="10" presetClass="entr" presetSubtype="0" fill="hold" nodeType="withEffect">
+                                  <p:stCondLst>
+                                    <p:cond delay="0"/>
+                                  </p:stCondLst>
+                                  <p:childTnLst>
+                                    <p:set>
+                                      <p:cBhvr>
                                         <p:cTn id="21" dur="1" fill="hold">
                                           <p:stCondLst>
                                             <p:cond delay="0"/>
@@ -10416,7 +9940,7 @@
                                         <p:tgtEl>
                                           <p:spTgt spid="5">
                                             <p:txEl>
-                                              <p:pRg st="3" end="3"/>
+                                              <p:pRg st="5" end="5"/>
                                             </p:txEl>
                                           </p:spTgt>
                                         </p:tgtEl>
@@ -10434,7 +9958,7 @@
                                         <p:tgtEl>
                                           <p:spTgt spid="5">
                                             <p:txEl>
-                                              <p:pRg st="3" end="3"/>
+                                              <p:pRg st="5" end="5"/>
                                             </p:txEl>
                                           </p:spTgt>
                                         </p:tgtEl>
@@ -10443,33 +9967,15 @@
                                   </p:childTnLst>
                                 </p:cTn>
                               </p:par>
-                            </p:childTnLst>
-                          </p:cTn>
-                        </p:par>
-                      </p:childTnLst>
-                    </p:cTn>
-                  </p:par>
-                  <p:par>
-                    <p:cTn id="23" fill="hold">
-                      <p:stCondLst>
-                        <p:cond delay="indefinite"/>
-                      </p:stCondLst>
-                      <p:childTnLst>
-                        <p:par>
-                          <p:cTn id="24" fill="hold">
-                            <p:stCondLst>
-                              <p:cond delay="0"/>
-                            </p:stCondLst>
-                            <p:childTnLst>
                               <p:par>
-                                <p:cTn id="25" presetID="10" presetClass="entr" presetSubtype="0" fill="hold" nodeType="clickEffect">
+                                <p:cTn id="23" presetID="10" presetClass="entr" presetSubtype="0" fill="hold" nodeType="withEffect">
                                   <p:stCondLst>
                                     <p:cond delay="0"/>
                                   </p:stCondLst>
                                   <p:childTnLst>
                                     <p:set>
                                       <p:cBhvr>
-                                        <p:cTn id="26" dur="1" fill="hold">
+                                        <p:cTn id="24" dur="1" fill="hold">
                                           <p:stCondLst>
                                             <p:cond delay="0"/>
                                           </p:stCondLst>
@@ -10477,7 +9983,7 @@
                                         <p:tgtEl>
                                           <p:spTgt spid="5">
                                             <p:txEl>
-                                              <p:pRg st="4" end="4"/>
+                                              <p:pRg st="6" end="6"/>
                                             </p:txEl>
                                           </p:spTgt>
                                         </p:tgtEl>
@@ -10491,11 +9997,11 @@
                                     </p:set>
                                     <p:animEffect transition="in" filter="fade">
                                       <p:cBhvr>
-                                        <p:cTn id="27" dur="500"/>
+                                        <p:cTn id="25" dur="500"/>
                                         <p:tgtEl>
                                           <p:spTgt spid="5">
                                             <p:txEl>
-                                              <p:pRg st="4" end="4"/>
+                                              <p:pRg st="6" end="6"/>
                                             </p:txEl>
                                           </p:spTgt>
                                         </p:tgtEl>
@@ -10504,33 +10010,15 @@
                                   </p:childTnLst>
                                 </p:cTn>
                               </p:par>
-                            </p:childTnLst>
-                          </p:cTn>
-                        </p:par>
-                      </p:childTnLst>
-                    </p:cTn>
-                  </p:par>
-                  <p:par>
-                    <p:cTn id="28" fill="hold">
-                      <p:stCondLst>
-                        <p:cond delay="indefinite"/>
-                      </p:stCondLst>
-                      <p:childTnLst>
-                        <p:par>
-                          <p:cTn id="29" fill="hold">
-                            <p:stCondLst>
-                              <p:cond delay="0"/>
-                            </p:stCondLst>
-                            <p:childTnLst>
                               <p:par>
-                                <p:cTn id="30" presetID="10" presetClass="entr" presetSubtype="0" fill="hold" nodeType="clickEffect">
+                                <p:cTn id="26" presetID="10" presetClass="entr" presetSubtype="0" fill="hold" nodeType="withEffect">
                                   <p:stCondLst>
                                     <p:cond delay="0"/>
                                   </p:stCondLst>
                                   <p:childTnLst>
                                     <p:set>
                                       <p:cBhvr>
-                                        <p:cTn id="31" dur="1" fill="hold">
+                                        <p:cTn id="27" dur="1" fill="hold">
                                           <p:stCondLst>
                                             <p:cond delay="0"/>
                                           </p:stCondLst>
@@ -10538,7 +10026,7 @@
                                         <p:tgtEl>
                                           <p:spTgt spid="5">
                                             <p:txEl>
-                                              <p:pRg st="5" end="5"/>
+                                              <p:pRg st="7" end="7"/>
                                             </p:txEl>
                                           </p:spTgt>
                                         </p:tgtEl>
@@ -10552,11 +10040,11 @@
                                     </p:set>
                                     <p:animEffect transition="in" filter="fade">
                                       <p:cBhvr>
-                                        <p:cTn id="32" dur="500"/>
+                                        <p:cTn id="28" dur="500"/>
                                         <p:tgtEl>
                                           <p:spTgt spid="5">
                                             <p:txEl>
-                                              <p:pRg st="5" end="5"/>
+                                              <p:pRg st="7" end="7"/>
                                             </p:txEl>
                                           </p:spTgt>
                                         </p:tgtEl>
@@ -10565,33 +10053,15 @@
                                   </p:childTnLst>
                                 </p:cTn>
                               </p:par>
-                            </p:childTnLst>
-                          </p:cTn>
-                        </p:par>
-                      </p:childTnLst>
-                    </p:cTn>
-                  </p:par>
-                  <p:par>
-                    <p:cTn id="33" fill="hold">
-                      <p:stCondLst>
-                        <p:cond delay="indefinite"/>
-                      </p:stCondLst>
-                      <p:childTnLst>
-                        <p:par>
-                          <p:cTn id="34" fill="hold">
-                            <p:stCondLst>
-                              <p:cond delay="0"/>
-                            </p:stCondLst>
-                            <p:childTnLst>
                               <p:par>
-                                <p:cTn id="35" presetID="10" presetClass="entr" presetSubtype="0" fill="hold" nodeType="clickEffect">
+                                <p:cTn id="29" presetID="10" presetClass="entr" presetSubtype="0" fill="hold" nodeType="withEffect">
                                   <p:stCondLst>
                                     <p:cond delay="0"/>
                                   </p:stCondLst>
                                   <p:childTnLst>
                                     <p:set>
                                       <p:cBhvr>
-                                        <p:cTn id="36" dur="1" fill="hold">
+                                        <p:cTn id="30" dur="1" fill="hold">
                                           <p:stCondLst>
                                             <p:cond delay="0"/>
                                           </p:stCondLst>
@@ -10599,7 +10069,7 @@
                                         <p:tgtEl>
                                           <p:spTgt spid="5">
                                             <p:txEl>
-                                              <p:pRg st="6" end="6"/>
+                                              <p:pRg st="8" end="8"/>
                                             </p:txEl>
                                           </p:spTgt>
                                         </p:tgtEl>
@@ -10613,129 +10083,7 @@
                                     </p:set>
                                     <p:animEffect transition="in" filter="fade">
                                       <p:cBhvr>
-                                        <p:cTn id="37" dur="500"/>
-                                        <p:tgtEl>
-                                          <p:spTgt spid="5">
-                                            <p:txEl>
-                                              <p:pRg st="6" end="6"/>
-                                            </p:txEl>
-                                          </p:spTgt>
-                                        </p:tgtEl>
-                                      </p:cBhvr>
-                                    </p:animEffect>
-                                  </p:childTnLst>
-                                </p:cTn>
-                              </p:par>
-                            </p:childTnLst>
-                          </p:cTn>
-                        </p:par>
-                      </p:childTnLst>
-                    </p:cTn>
-                  </p:par>
-                  <p:par>
-                    <p:cTn id="38" fill="hold">
-                      <p:stCondLst>
-                        <p:cond delay="indefinite"/>
-                      </p:stCondLst>
-                      <p:childTnLst>
-                        <p:par>
-                          <p:cTn id="39" fill="hold">
-                            <p:stCondLst>
-                              <p:cond delay="0"/>
-                            </p:stCondLst>
-                            <p:childTnLst>
-                              <p:par>
-                                <p:cTn id="40" presetID="10" presetClass="entr" presetSubtype="0" fill="hold" nodeType="clickEffect">
-                                  <p:stCondLst>
-                                    <p:cond delay="0"/>
-                                  </p:stCondLst>
-                                  <p:childTnLst>
-                                    <p:set>
-                                      <p:cBhvr>
-                                        <p:cTn id="41" dur="1" fill="hold">
-                                          <p:stCondLst>
-                                            <p:cond delay="0"/>
-                                          </p:stCondLst>
-                                        </p:cTn>
-                                        <p:tgtEl>
-                                          <p:spTgt spid="5">
-                                            <p:txEl>
-                                              <p:pRg st="7" end="7"/>
-                                            </p:txEl>
-                                          </p:spTgt>
-                                        </p:tgtEl>
-                                        <p:attrNameLst>
-                                          <p:attrName>style.visibility</p:attrName>
-                                        </p:attrNameLst>
-                                      </p:cBhvr>
-                                      <p:to>
-                                        <p:strVal val="visible"/>
-                                      </p:to>
-                                    </p:set>
-                                    <p:animEffect transition="in" filter="fade">
-                                      <p:cBhvr>
-                                        <p:cTn id="42" dur="500"/>
-                                        <p:tgtEl>
-                                          <p:spTgt spid="5">
-                                            <p:txEl>
-                                              <p:pRg st="7" end="7"/>
-                                            </p:txEl>
-                                          </p:spTgt>
-                                        </p:tgtEl>
-                                      </p:cBhvr>
-                                    </p:animEffect>
-                                  </p:childTnLst>
-                                </p:cTn>
-                              </p:par>
-                            </p:childTnLst>
-                          </p:cTn>
-                        </p:par>
-                      </p:childTnLst>
-                    </p:cTn>
-                  </p:par>
-                  <p:par>
-                    <p:cTn id="43" fill="hold">
-                      <p:stCondLst>
-                        <p:cond delay="indefinite"/>
-                      </p:stCondLst>
-                      <p:childTnLst>
-                        <p:par>
-                          <p:cTn id="44" fill="hold">
-                            <p:stCondLst>
-                              <p:cond delay="0"/>
-                            </p:stCondLst>
-                            <p:childTnLst>
-                              <p:par>
-                                <p:cTn id="45" presetID="10" presetClass="entr" presetSubtype="0" fill="hold" nodeType="clickEffect">
-                                  <p:stCondLst>
-                                    <p:cond delay="0"/>
-                                  </p:stCondLst>
-                                  <p:childTnLst>
-                                    <p:set>
-                                      <p:cBhvr>
-                                        <p:cTn id="46" dur="1" fill="hold">
-                                          <p:stCondLst>
-                                            <p:cond delay="0"/>
-                                          </p:stCondLst>
-                                        </p:cTn>
-                                        <p:tgtEl>
-                                          <p:spTgt spid="5">
-                                            <p:txEl>
-                                              <p:pRg st="8" end="8"/>
-                                            </p:txEl>
-                                          </p:spTgt>
-                                        </p:tgtEl>
-                                        <p:attrNameLst>
-                                          <p:attrName>style.visibility</p:attrName>
-                                        </p:attrNameLst>
-                                      </p:cBhvr>
-                                      <p:to>
-                                        <p:strVal val="visible"/>
-                                      </p:to>
-                                    </p:set>
-                                    <p:animEffect transition="in" filter="fade">
-                                      <p:cBhvr>
-                                        <p:cTn id="47" dur="500"/>
+                                        <p:cTn id="31" dur="500"/>
                                         <p:tgtEl>
                                           <p:spTgt spid="5">
                                             <p:txEl>
@@ -10962,33 +10310,15 @@
                                   </p:childTnLst>
                                 </p:cTn>
                               </p:par>
-                            </p:childTnLst>
-                          </p:cTn>
-                        </p:par>
-                      </p:childTnLst>
-                    </p:cTn>
-                  </p:par>
-                  <p:par>
-                    <p:cTn id="8" fill="hold">
-                      <p:stCondLst>
-                        <p:cond delay="indefinite"/>
-                      </p:stCondLst>
-                      <p:childTnLst>
-                        <p:par>
-                          <p:cTn id="9" fill="hold">
-                            <p:stCondLst>
-                              <p:cond delay="0"/>
-                            </p:stCondLst>
-                            <p:childTnLst>
                               <p:par>
-                                <p:cTn id="10" presetID="10" presetClass="entr" presetSubtype="0" fill="hold" nodeType="clickEffect">
+                                <p:cTn id="8" presetID="10" presetClass="entr" presetSubtype="0" fill="hold" nodeType="withEffect">
                                   <p:stCondLst>
                                     <p:cond delay="0"/>
                                   </p:stCondLst>
                                   <p:childTnLst>
                                     <p:set>
                                       <p:cBhvr>
-                                        <p:cTn id="11" dur="1" fill="hold">
+                                        <p:cTn id="9" dur="1" fill="hold">
                                           <p:stCondLst>
                                             <p:cond delay="0"/>
                                           </p:stCondLst>
@@ -11010,7 +10340,7 @@
                                     </p:set>
                                     <p:animEffect transition="in" filter="fade">
                                       <p:cBhvr>
-                                        <p:cTn id="12" dur="500"/>
+                                        <p:cTn id="10" dur="500"/>
                                         <p:tgtEl>
                                           <p:spTgt spid="3">
                                             <p:txEl>
@@ -11023,33 +10353,15 @@
                                   </p:childTnLst>
                                 </p:cTn>
                               </p:par>
-                            </p:childTnLst>
-                          </p:cTn>
-                        </p:par>
-                      </p:childTnLst>
-                    </p:cTn>
-                  </p:par>
-                  <p:par>
-                    <p:cTn id="13" fill="hold">
-                      <p:stCondLst>
-                        <p:cond delay="indefinite"/>
-                      </p:stCondLst>
-                      <p:childTnLst>
-                        <p:par>
-                          <p:cTn id="14" fill="hold">
-                            <p:stCondLst>
-                              <p:cond delay="0"/>
-                            </p:stCondLst>
-                            <p:childTnLst>
                               <p:par>
-                                <p:cTn id="15" presetID="10" presetClass="entr" presetSubtype="0" fill="hold" nodeType="clickEffect">
+                                <p:cTn id="11" presetID="10" presetClass="entr" presetSubtype="0" fill="hold" nodeType="withEffect">
                                   <p:stCondLst>
                                     <p:cond delay="0"/>
                                   </p:stCondLst>
                                   <p:childTnLst>
                                     <p:set>
                                       <p:cBhvr>
-                                        <p:cTn id="16" dur="1" fill="hold">
+                                        <p:cTn id="12" dur="1" fill="hold">
                                           <p:stCondLst>
                                             <p:cond delay="0"/>
                                           </p:stCondLst>
@@ -11071,7 +10383,7 @@
                                     </p:set>
                                     <p:animEffect transition="in" filter="fade">
                                       <p:cBhvr>
-                                        <p:cTn id="17" dur="500"/>
+                                        <p:cTn id="13" dur="500"/>
                                         <p:tgtEl>
                                           <p:spTgt spid="3">
                                             <p:txEl>
@@ -11084,33 +10396,15 @@
                                   </p:childTnLst>
                                 </p:cTn>
                               </p:par>
-                            </p:childTnLst>
-                          </p:cTn>
-                        </p:par>
-                      </p:childTnLst>
-                    </p:cTn>
-                  </p:par>
-                  <p:par>
-                    <p:cTn id="18" fill="hold">
-                      <p:stCondLst>
-                        <p:cond delay="indefinite"/>
-                      </p:stCondLst>
-                      <p:childTnLst>
-                        <p:par>
-                          <p:cTn id="19" fill="hold">
-                            <p:stCondLst>
-                              <p:cond delay="0"/>
-                            </p:stCondLst>
-                            <p:childTnLst>
                               <p:par>
-                                <p:cTn id="20" presetID="10" presetClass="entr" presetSubtype="0" fill="hold" nodeType="clickEffect">
+                                <p:cTn id="14" presetID="10" presetClass="entr" presetSubtype="0" fill="hold" nodeType="withEffect">
                                   <p:stCondLst>
                                     <p:cond delay="0"/>
                                   </p:stCondLst>
                                   <p:childTnLst>
                                     <p:set>
                                       <p:cBhvr>
-                                        <p:cTn id="21" dur="1" fill="hold">
+                                        <p:cTn id="15" dur="1" fill="hold">
                                           <p:stCondLst>
                                             <p:cond delay="0"/>
                                           </p:stCondLst>
@@ -11132,7 +10426,7 @@
                                     </p:set>
                                     <p:animEffect transition="in" filter="fade">
                                       <p:cBhvr>
-                                        <p:cTn id="22" dur="500"/>
+                                        <p:cTn id="16" dur="500"/>
                                         <p:tgtEl>
                                           <p:spTgt spid="3">
                                             <p:txEl>
@@ -11387,33 +10681,15 @@
                                   </p:childTnLst>
                                 </p:cTn>
                               </p:par>
-                            </p:childTnLst>
-                          </p:cTn>
-                        </p:par>
-                      </p:childTnLst>
-                    </p:cTn>
-                  </p:par>
-                  <p:par>
-                    <p:cTn id="8" fill="hold">
-                      <p:stCondLst>
-                        <p:cond delay="indefinite"/>
-                      </p:stCondLst>
-                      <p:childTnLst>
-                        <p:par>
-                          <p:cTn id="9" fill="hold">
-                            <p:stCondLst>
-                              <p:cond delay="0"/>
-                            </p:stCondLst>
-                            <p:childTnLst>
                               <p:par>
-                                <p:cTn id="10" presetID="10" presetClass="entr" presetSubtype="0" fill="hold" nodeType="clickEffect">
+                                <p:cTn id="8" presetID="10" presetClass="entr" presetSubtype="0" fill="hold" nodeType="withEffect">
                                   <p:stCondLst>
                                     <p:cond delay="0"/>
                                   </p:stCondLst>
                                   <p:childTnLst>
                                     <p:set>
                                       <p:cBhvr>
-                                        <p:cTn id="11" dur="1" fill="hold">
+                                        <p:cTn id="9" dur="1" fill="hold">
                                           <p:stCondLst>
                                             <p:cond delay="0"/>
                                           </p:stCondLst>
@@ -11435,11 +10711,97 @@
                                     </p:set>
                                     <p:animEffect transition="in" filter="fade">
                                       <p:cBhvr>
-                                        <p:cTn id="12" dur="500"/>
+                                        <p:cTn id="10" dur="500"/>
                                         <p:tgtEl>
                                           <p:spTgt spid="3">
                                             <p:txEl>
                                               <p:pRg st="1" end="1"/>
+                                            </p:txEl>
+                                          </p:spTgt>
+                                        </p:tgtEl>
+                                      </p:cBhvr>
+                                    </p:animEffect>
+                                  </p:childTnLst>
+                                </p:cTn>
+                              </p:par>
+                              <p:par>
+                                <p:cTn id="11" presetID="10" presetClass="entr" presetSubtype="0" fill="hold" nodeType="withEffect">
+                                  <p:stCondLst>
+                                    <p:cond delay="0"/>
+                                  </p:stCondLst>
+                                  <p:childTnLst>
+                                    <p:set>
+                                      <p:cBhvr>
+                                        <p:cTn id="12" dur="1" fill="hold">
+                                          <p:stCondLst>
+                                            <p:cond delay="0"/>
+                                          </p:stCondLst>
+                                        </p:cTn>
+                                        <p:tgtEl>
+                                          <p:spTgt spid="3">
+                                            <p:txEl>
+                                              <p:pRg st="2" end="2"/>
+                                            </p:txEl>
+                                          </p:spTgt>
+                                        </p:tgtEl>
+                                        <p:attrNameLst>
+                                          <p:attrName>style.visibility</p:attrName>
+                                        </p:attrNameLst>
+                                      </p:cBhvr>
+                                      <p:to>
+                                        <p:strVal val="visible"/>
+                                      </p:to>
+                                    </p:set>
+                                    <p:animEffect transition="in" filter="fade">
+                                      <p:cBhvr>
+                                        <p:cTn id="13" dur="500"/>
+                                        <p:tgtEl>
+                                          <p:spTgt spid="3">
+                                            <p:txEl>
+                                              <p:pRg st="2" end="2"/>
+                                            </p:txEl>
+                                          </p:spTgt>
+                                        </p:tgtEl>
+                                      </p:cBhvr>
+                                    </p:animEffect>
+                                  </p:childTnLst>
+                                </p:cTn>
+                              </p:par>
+                              <p:par>
+                                <p:cTn id="14" presetID="10" presetClass="entr" presetSubtype="0" fill="hold" nodeType="withEffect">
+                                  <p:stCondLst>
+                                    <p:cond delay="0"/>
+                                  </p:stCondLst>
+                                  <p:childTnLst>
+                                    <p:set>
+                                      <p:cBhvr>
+                                        <p:cTn id="15" dur="1" fill="hold">
+                                          <p:stCondLst>
+                                            <p:cond delay="0"/>
+                                          </p:stCondLst>
+                                        </p:cTn>
+                                        <p:tgtEl>
+                                          <p:spTgt spid="3">
+                                            <p:txEl>
+                                              <p:pRg st="3" end="3"/>
+                                            </p:txEl>
+                                          </p:spTgt>
+                                        </p:tgtEl>
+                                        <p:attrNameLst>
+                                          <p:attrName>style.visibility</p:attrName>
+                                        </p:attrNameLst>
+                                      </p:cBhvr>
+                                      <p:to>
+                                        <p:strVal val="visible"/>
+                                      </p:to>
+                                    </p:set>
+                                    <p:animEffect transition="in" filter="fade">
+                                      <p:cBhvr>
+                                        <p:cTn id="16" dur="500"/>
+                                        <p:tgtEl>
+                                          <p:spTgt spid="3">
+                                            <p:txEl>
+                                              <p:pRg st="3" end="3"/>
                                             </p:txEl>
                                           </p:spTgt>
                                         </p:tgtEl>
@@ -11455,36 +10817,32 @@
                     </p:cTn>
                   </p:par>
                   <p:par>
-                    <p:cTn id="13" fill="hold">
+                    <p:cTn id="17" fill="hold">
                       <p:stCondLst>
                         <p:cond delay="indefinite"/>
                       </p:stCondLst>
                       <p:childTnLst>
                         <p:par>
-                          <p:cTn id="14" fill="hold">
+                          <p:cTn id="18" fill="hold">
                             <p:stCondLst>
                               <p:cond delay="0"/>
                             </p:stCondLst>
                             <p:childTnLst>
                               <p:par>
-                                <p:cTn id="15" presetID="10" presetClass="entr" presetSubtype="0" fill="hold" nodeType="clickEffect">
+                                <p:cTn id="19" presetID="10" presetClass="entr" presetSubtype="0" fill="hold" nodeType="clickEffect">
                                   <p:stCondLst>
                                     <p:cond delay="0"/>
                                   </p:stCondLst>
                                   <p:childTnLst>
                                     <p:set>
                                       <p:cBhvr>
-                                        <p:cTn id="16" dur="1" fill="hold">
+                                        <p:cTn id="20" dur="1" fill="hold">
                                           <p:stCondLst>
                                             <p:cond delay="0"/>
                                           </p:stCondLst>
                                         </p:cTn>
                                         <p:tgtEl>
-                                          <p:spTgt spid="3">
-                                            <p:txEl>
-                                              <p:pRg st="2" end="2"/>
-                                            </p:txEl>
-                                          </p:spTgt>
+                                          <p:spTgt spid="5"/>
                                         </p:tgtEl>
                                         <p:attrNameLst>
                                           <p:attrName>style.visibility</p:attrName>
@@ -11496,125 +10854,7 @@
                                     </p:set>
                                     <p:animEffect transition="in" filter="fade">
                                       <p:cBhvr>
-                                        <p:cTn id="17" dur="500"/>
-                                        <p:tgtEl>
-                                          <p:spTgt spid="3">
-                                            <p:txEl>
-                                              <p:pRg st="2" end="2"/>
-                                            </p:txEl>
-                                          </p:spTgt>
-                                        </p:tgtEl>
-                                      </p:cBhvr>
-                                    </p:animEffect>
-                                  </p:childTnLst>
-                                </p:cTn>
-                              </p:par>
-                            </p:childTnLst>
-                          </p:cTn>
-                        </p:par>
-                      </p:childTnLst>
-                    </p:cTn>
-                  </p:par>
-                  <p:par>
-                    <p:cTn id="18" fill="hold">
-                      <p:stCondLst>
-                        <p:cond delay="indefinite"/>
-                      </p:stCondLst>
-                      <p:childTnLst>
-                        <p:par>
-                          <p:cTn id="19" fill="hold">
-                            <p:stCondLst>
-                              <p:cond delay="0"/>
-                            </p:stCondLst>
-                            <p:childTnLst>
-                              <p:par>
-                                <p:cTn id="20" presetID="10" presetClass="entr" presetSubtype="0" fill="hold" nodeType="clickEffect">
-                                  <p:stCondLst>
-                                    <p:cond delay="0"/>
-                                  </p:stCondLst>
-                                  <p:childTnLst>
-                                    <p:set>
-                                      <p:cBhvr>
-                                        <p:cTn id="21" dur="1" fill="hold">
-                                          <p:stCondLst>
-                                            <p:cond delay="0"/>
-                                          </p:stCondLst>
-                                        </p:cTn>
-                                        <p:tgtEl>
-                                          <p:spTgt spid="3">
-                                            <p:txEl>
-                                              <p:pRg st="3" end="3"/>
-                                            </p:txEl>
-                                          </p:spTgt>
-                                        </p:tgtEl>
-                                        <p:attrNameLst>
-                                          <p:attrName>style.visibility</p:attrName>
-                                        </p:attrNameLst>
-                                      </p:cBhvr>
-                                      <p:to>
-                                        <p:strVal val="visible"/>
-                                      </p:to>
-                                    </p:set>
-                                    <p:animEffect transition="in" filter="fade">
-                                      <p:cBhvr>
-                                        <p:cTn id="22" dur="500"/>
-                                        <p:tgtEl>
-                                          <p:spTgt spid="3">
-                                            <p:txEl>
-                                              <p:pRg st="3" end="3"/>
-                                            </p:txEl>
-                                          </p:spTgt>
-                                        </p:tgtEl>
-                                      </p:cBhvr>
-                                    </p:animEffect>
-                                  </p:childTnLst>
-                                </p:cTn>
-                              </p:par>
-                            </p:childTnLst>
-                          </p:cTn>
-                        </p:par>
-                      </p:childTnLst>
-                    </p:cTn>
-                  </p:par>
-                  <p:par>
-                    <p:cTn id="23" fill="hold">
-                      <p:stCondLst>
-                        <p:cond delay="indefinite"/>
-                      </p:stCondLst>
-                      <p:childTnLst>
-                        <p:par>
-                          <p:cTn id="24" fill="hold">
-                            <p:stCondLst>
-                              <p:cond delay="0"/>
-                            </p:stCondLst>
-                            <p:childTnLst>
-                              <p:par>
-                                <p:cTn id="25" presetID="10" presetClass="entr" presetSubtype="0" fill="hold" nodeType="clickEffect">
-                                  <p:stCondLst>
-                                    <p:cond delay="0"/>
-                                  </p:stCondLst>
-                                  <p:childTnLst>
-                                    <p:set>
-                                      <p:cBhvr>
-                                        <p:cTn id="26" dur="1" fill="hold">
-                                          <p:stCondLst>
-                                            <p:cond delay="0"/>
-                                          </p:stCondLst>
-                                        </p:cTn>
-                                        <p:tgtEl>
-                                          <p:spTgt spid="5"/>
-                                        </p:tgtEl>
-                                        <p:attrNameLst>
-                                          <p:attrName>style.visibility</p:attrName>
-                                        </p:attrNameLst>
-                                      </p:cBhvr>
-                                      <p:to>
-                                        <p:strVal val="visible"/>
-                                      </p:to>
-                                    </p:set>
-                                    <p:animEffect transition="in" filter="fade">
-                                      <p:cBhvr>
-                                        <p:cTn id="27" dur="500"/>
+                                        <p:cTn id="21" dur="500"/>
                                         <p:tgtEl>
                                           <p:spTgt spid="5"/>
                                         </p:tgtEl>
@@ -11870,33 +11110,15 @@
                                   </p:childTnLst>
                                 </p:cTn>
                               </p:par>
-                            </p:childTnLst>
-                          </p:cTn>
-                        </p:par>
-                      </p:childTnLst>
-                    </p:cTn>
-                  </p:par>
-                  <p:par>
-                    <p:cTn id="8" fill="hold">
-                      <p:stCondLst>
-                        <p:cond delay="indefinite"/>
-                      </p:stCondLst>
-                      <p:childTnLst>
-                        <p:par>
-                          <p:cTn id="9" fill="hold">
-                            <p:stCondLst>
-                              <p:cond delay="0"/>
-                            </p:stCondLst>
-                            <p:childTnLst>
                               <p:par>
-                                <p:cTn id="10" presetID="10" presetClass="entr" presetSubtype="0" fill="hold" nodeType="clickEffect">
+                                <p:cTn id="8" presetID="10" presetClass="entr" presetSubtype="0" fill="hold" nodeType="withEffect">
                                   <p:stCondLst>
                                     <p:cond delay="0"/>
                                   </p:stCondLst>
                                   <p:childTnLst>
                                     <p:set>
                                       <p:cBhvr>
-                                        <p:cTn id="11" dur="1" fill="hold">
+                                        <p:cTn id="9" dur="1" fill="hold">
                                           <p:stCondLst>
                                             <p:cond delay="0"/>
                                           </p:stCondLst>
@@ -11918,7 +11140,7 @@
                                     </p:set>
                                     <p:animEffect transition="in" filter="fade">
                                       <p:cBhvr>
-                                        <p:cTn id="12" dur="500"/>
+                                        <p:cTn id="10" dur="500"/>
                                         <p:tgtEl>
                                           <p:spTgt spid="3">
                                             <p:txEl>
@@ -11931,33 +11153,15 @@
                                   </p:childTnLst>
                                 </p:cTn>
                               </p:par>
-                            </p:childTnLst>
-                          </p:cTn>
-                        </p:par>
-                      </p:childTnLst>
-                    </p:cTn>
-                  </p:par>
-                  <p:par>
-                    <p:cTn id="13" fill="hold">
-                      <p:stCondLst>
-                        <p:cond delay="indefinite"/>
-                      </p:stCondLst>
-                      <p:childTnLst>
-                        <p:par>
-                          <p:cTn id="14" fill="hold">
-                            <p:stCondLst>
-                              <p:cond delay="0"/>
-                            </p:stCondLst>
-                            <p:childTnLst>
                               <p:par>
-                                <p:cTn id="15" presetID="10" presetClass="entr" presetSubtype="0" fill="hold" nodeType="clickEffect">
+                                <p:cTn id="11" presetID="10" presetClass="entr" presetSubtype="0" fill="hold" nodeType="withEffect">
                                   <p:stCondLst>
                                     <p:cond delay="0"/>
                                   </p:stCondLst>
                                   <p:childTnLst>
                                     <p:set>
                                       <p:cBhvr>
-                                        <p:cTn id="16" dur="1" fill="hold">
+                                        <p:cTn id="12" dur="1" fill="hold">
                                           <p:stCondLst>
                                             <p:cond delay="0"/>
                                           </p:stCondLst>
@@ -11979,7 +11183,7 @@
                                     </p:set>
                                     <p:animEffect transition="in" filter="fade">
                                       <p:cBhvr>
-                                        <p:cTn id="17" dur="500"/>
+                                        <p:cTn id="13" dur="500"/>
                                         <p:tgtEl>
                                           <p:spTgt spid="3">
                                             <p:txEl>
@@ -11992,32 +11196,100 @@
                                   </p:childTnLst>
                                 </p:cTn>
                               </p:par>
-                            </p:childTnLst>
-                          </p:cTn>
-                        </p:par>
-                      </p:childTnLst>
-                    </p:cTn>
-                  </p:par>
-                  <p:par>
-                    <p:cTn id="18" fill="hold">
-                      <p:stCondLst>
-                        <p:cond delay="indefinite"/>
-                      </p:stCondLst>
-                      <p:childTnLst>
-                        <p:par>
-                          <p:cTn id="19" fill="hold">
-                            <p:stCondLst>
-                              <p:cond delay="0"/>
-                            </p:stCondLst>
-                            <p:childTnLst>
                               <p:par>
-                                <p:cTn id="20" presetID="10" presetClass="entr" presetSubtype="0" fill="hold" nodeType="clickEffect">
+                                <p:cTn id="14" presetID="10" presetClass="entr" presetSubtype="0" fill="hold" nodeType="withEffect">
                                   <p:stCondLst>
                                     <p:cond delay="0"/>
                                   </p:stCondLst>
                                   <p:childTnLst>
                                     <p:set>
                                       <p:cBhvr>
+                                        <p:cTn id="15" dur="1" fill="hold">
+                                          <p:stCondLst>
+                                            <p:cond delay="0"/>
+                                          </p:stCondLst>
+                                        </p:cTn>
+                                        <p:tgtEl>
+                                          <p:spTgt spid="3">
+                                            <p:txEl>
+                                              <p:pRg st="3" end="3"/>
+                                            </p:txEl>
+                                          </p:spTgt>
+                                        </p:tgtEl>
+                                        <p:attrNameLst>
+                                          <p:attrName>style.visibility</p:attrName>
+                                        </p:attrNameLst>
+                                      </p:cBhvr>
+                                      <p:to>
+                                        <p:strVal val="visible"/>
+                                      </p:to>
+                                    </p:set>
+                                    <p:animEffect transition="in" filter="fade">
+                                      <p:cBhvr>
+                                        <p:cTn id="16" dur="500"/>
+                                        <p:tgtEl>
+                                          <p:spTgt spid="3">
+                                            <p:txEl>
+                                              <p:pRg st="3" end="3"/>
+                                            </p:txEl>
+                                          </p:spTgt>
+                                        </p:tgtEl>
+                                      </p:cBhvr>
+                                    </p:animEffect>
+                                  </p:childTnLst>
+                                </p:cTn>
+                              </p:par>
+                              <p:par>
+                                <p:cTn id="17" presetID="10" presetClass="entr" presetSubtype="0" fill="hold" nodeType="withEffect">
+                                  <p:stCondLst>
+                                    <p:cond delay="0"/>
+                                  </p:stCondLst>
+                                  <p:childTnLst>
+                                    <p:set>
+                                      <p:cBhvr>
+                                        <p:cTn id="18" dur="1" fill="hold">
+                                          <p:stCondLst>
+                                            <p:cond delay="0"/>
+                                          </p:stCondLst>
+                                        </p:cTn>
+                                        <p:tgtEl>
+                                          <p:spTgt spid="3">
+                                            <p:txEl>
+                                              <p:pRg st="4" end="4"/>
+                                            </p:txEl>
+                                          </p:spTgt>
+                                        </p:tgtEl>
+                                        <p:attrNameLst>
+                                          <p:attrName>style.visibility</p:attrName>
+                                        </p:attrNameLst>
+                                      </p:cBhvr>
+                                      <p:to>
+                                        <p:strVal val="visible"/>
+                                      </p:to>
+                                    </p:set>
+                                    <p:animEffect transition="in" filter="fade">
+                                      <p:cBhvr>
+                                        <p:cTn id="19" dur="500"/>
+                                        <p:tgtEl>
+                                          <p:spTgt spid="3">
+                                            <p:txEl>
+                                              <p:pRg st="4" end="4"/>
+                                            </p:txEl>
+                                          </p:spTgt>
+                                        </p:tgtEl>
+                                      </p:cBhvr>
+                                    </p:animEffect>
+                                  </p:childTnLst>
+                                </p:cTn>
+                              </p:par>
+                              <p:par>
+                                <p:cTn id="20" presetID="10" presetClass="entr" presetSubtype="0" fill="hold" nodeType="withEffect">
+                                  <p:stCondLst>
+                                    <p:cond delay="0"/>
+                                  </p:stCondLst>
+                                  <p:childTnLst>
+                                    <p:set>
+                                      <p:cBhvr>
                                         <p:cTn id="21" dur="1" fill="hold">
                                           <p:stCondLst>
                                             <p:cond delay="0"/>
@@ -12026,7 +11298,7 @@
                                         <p:tgtEl>
                                           <p:spTgt spid="3">
                                             <p:txEl>
-                                              <p:pRg st="3" end="3"/>
+                                              <p:pRg st="5" end="5"/>
                                             </p:txEl>
                                           </p:spTgt>
                                         </p:tgtEl>
@@ -12044,7 +11316,7 @@
                                         <p:tgtEl>
                                           <p:spTgt spid="3">
                                             <p:txEl>
-                                              <p:pRg st="3" end="3"/>
+                                              <p:pRg st="5" end="5"/>
                                             </p:txEl>
                                           </p:spTgt>
                                         </p:tgtEl>
@@ -12053,33 +11325,15 @@
                                   </p:childTnLst>
                                 </p:cTn>
                               </p:par>
-                            </p:childTnLst>
-                          </p:cTn>
-                        </p:par>
-                      </p:childTnLst>
-                    </p:cTn>
-                  </p:par>
-                  <p:par>
-                    <p:cTn id="23" fill="hold">
-                      <p:stCondLst>
-                        <p:cond delay="indefinite"/>
-                      </p:stCondLst>
-                      <p:childTnLst>
-                        <p:par>
-                          <p:cTn id="24" fill="hold">
-                            <p:stCondLst>
-                              <p:cond delay="0"/>
-                            </p:stCondLst>
-                            <p:childTnLst>
                               <p:par>
-                                <p:cTn id="25" presetID="10" presetClass="entr" presetSubtype="0" fill="hold" nodeType="clickEffect">
+                                <p:cTn id="23" presetID="10" presetClass="entr" presetSubtype="0" fill="hold" nodeType="withEffect">
                                   <p:stCondLst>
                                     <p:cond delay="0"/>
                                   </p:stCondLst>
                                   <p:childTnLst>
                                     <p:set>
                                       <p:cBhvr>
-                                        <p:cTn id="26" dur="1" fill="hold">
+                                        <p:cTn id="24" dur="1" fill="hold">
                                           <p:stCondLst>
                                             <p:cond delay="0"/>
                                           </p:stCondLst>
@@ -12087,7 +11341,7 @@
                                         <p:tgtEl>
                                           <p:spTgt spid="3">
                                             <p:txEl>
-                                              <p:pRg st="4" end="4"/>
+                                              <p:pRg st="6" end="6"/>
                                             </p:txEl>
                                           </p:spTgt>
                                         </p:tgtEl>
@@ -12101,11 +11355,11 @@
                                     </p:set>
                                     <p:animEffect transition="in" filter="fade">
                                       <p:cBhvr>
-                                        <p:cTn id="27" dur="500"/>
-                                        <p:tgtEl>
-                                          <p:spTgt spid="3">
-                                            <p:txEl>
-                                              <p:pRg st="4" end="4"/>
+                                        <p:cTn id="25" dur="500"/>
+                                        <p:tgtEl>
+                                          <p:spTgt spid="3">
+                                            <p:txEl>
+                                              <p:pRg st="6" end="6"/>
                                             </p:txEl>
                                           </p:spTgt>
                                         </p:tgtEl>
@@ -12114,33 +11368,15 @@
                                   </p:childTnLst>
                                 </p:cTn>
                               </p:par>
-                            </p:childTnLst>
-                          </p:cTn>
-                        </p:par>
-                      </p:childTnLst>
-                    </p:cTn>
-                  </p:par>
-                  <p:par>
-                    <p:cTn id="28" fill="hold">
-                      <p:stCondLst>
-                        <p:cond delay="indefinite"/>
-                      </p:stCondLst>
-                      <p:childTnLst>
-                        <p:par>
-                          <p:cTn id="29" fill="hold">
-                            <p:stCondLst>
-                              <p:cond delay="0"/>
-                            </p:stCondLst>
-                            <p:childTnLst>
                               <p:par>
-                                <p:cTn id="30" presetID="10" presetClass="entr" presetSubtype="0" fill="hold" nodeType="clickEffect">
+                                <p:cTn id="26" presetID="10" presetClass="entr" presetSubtype="0" fill="hold" nodeType="withEffect">
                                   <p:stCondLst>
                                     <p:cond delay="0"/>
                                   </p:stCondLst>
                                   <p:childTnLst>
                                     <p:set>
                                       <p:cBhvr>
-                                        <p:cTn id="31" dur="1" fill="hold">
+                                        <p:cTn id="27" dur="1" fill="hold">
                                           <p:stCondLst>
                                             <p:cond delay="0"/>
                                           </p:stCondLst>
@@ -12148,7 +11384,7 @@
                                         <p:tgtEl>
                                           <p:spTgt spid="3">
                                             <p:txEl>
-                                              <p:pRg st="5" end="5"/>
+                                              <p:pRg st="7" end="7"/>
                                             </p:txEl>
                                           </p:spTgt>
                                         </p:tgtEl>
@@ -12162,129 +11398,7 @@
                                     </p:set>
                                     <p:animEffect transition="in" filter="fade">
                                       <p:cBhvr>
-                                        <p:cTn id="32" dur="500"/>
-                                        <p:tgtEl>
-                                          <p:spTgt spid="3">
-                                            <p:txEl>
-                                              <p:pRg st="5" end="5"/>
-                                            </p:txEl>
-                                          </p:spTgt>
-                                        </p:tgtEl>
-                                      </p:cBhvr>
-                                    </p:animEffect>
-                                  </p:childTnLst>
-                                </p:cTn>
-                              </p:par>
-                            </p:childTnLst>
-                          </p:cTn>
-                        </p:par>
-                      </p:childTnLst>
-                    </p:cTn>
-                  </p:par>
-                  <p:par>
-                    <p:cTn id="33" fill="hold">
-                      <p:stCondLst>
-                        <p:cond delay="indefinite"/>
-                      </p:stCondLst>
-                      <p:childTnLst>
-                        <p:par>
-                          <p:cTn id="34" fill="hold">
-                            <p:stCondLst>
-                              <p:cond delay="0"/>
-                            </p:stCondLst>
-                            <p:childTnLst>
-                              <p:par>
-                                <p:cTn id="35" presetID="10" presetClass="entr" presetSubtype="0" fill="hold" nodeType="clickEffect">
-                                  <p:stCondLst>
-                                    <p:cond delay="0"/>
-                                  </p:stCondLst>
-                                  <p:childTnLst>
-                                    <p:set>
-                                      <p:cBhvr>
-                                        <p:cTn id="36" dur="1" fill="hold">
-                                          <p:stCondLst>
-                                            <p:cond delay="0"/>
-                                          </p:stCondLst>
-                                        </p:cTn>
-                                        <p:tgtEl>
-                                          <p:spTgt spid="3">
-                                            <p:txEl>
-                                              <p:pRg st="6" end="6"/>
-                                            </p:txEl>
-                                          </p:spTgt>
-                                        </p:tgtEl>
-                                        <p:attrNameLst>
-                                          <p:attrName>style.visibility</p:attrName>
-                                        </p:attrNameLst>
-                                      </p:cBhvr>
-                                      <p:to>
-                                        <p:strVal val="visible"/>
-                                      </p:to>
-                                    </p:set>
-                                    <p:animEffect transition="in" filter="fade">
-                                      <p:cBhvr>
-                                        <p:cTn id="37" dur="500"/>
-                                        <p:tgtEl>
-                                          <p:spTgt spid="3">
-                                            <p:txEl>
-                                              <p:pRg st="6" end="6"/>
-                                            </p:txEl>
-                                          </p:spTgt>
-                                        </p:tgtEl>
-                                      </p:cBhvr>
-                                    </p:animEffect>
-                                  </p:childTnLst>
-                                </p:cTn>
-                              </p:par>
-                            </p:childTnLst>
-                          </p:cTn>
-                        </p:par>
-                      </p:childTnLst>
-                    </p:cTn>
-                  </p:par>
-                  <p:par>
-                    <p:cTn id="38" fill="hold">
-                      <p:stCondLst>
-                        <p:cond delay="indefinite"/>
-                      </p:stCondLst>
-                      <p:childTnLst>
-                        <p:par>
-                          <p:cTn id="39" fill="hold">
-                            <p:stCondLst>
-                              <p:cond delay="0"/>
-                            </p:stCondLst>
-                            <p:childTnLst>
-                              <p:par>
-                                <p:cTn id="40" presetID="10" presetClass="entr" presetSubtype="0" fill="hold" nodeType="clickEffect">
-                                  <p:stCondLst>
-                                    <p:cond delay="0"/>
-                                  </p:stCondLst>
-                                  <p:childTnLst>
-                                    <p:set>
-                                      <p:cBhvr>
-                                        <p:cTn id="41" dur="1" fill="hold">
-                                          <p:stCondLst>
-                                            <p:cond delay="0"/>
-                                          </p:stCondLst>
-                                        </p:cTn>
-                                        <p:tgtEl>
-                                          <p:spTgt spid="3">
-                                            <p:txEl>
-                                              <p:pRg st="7" end="7"/>
-                                            </p:txEl>
-                                          </p:spTgt>
-                                        </p:tgtEl>
-                                        <p:attrNameLst>
-                                          <p:attrName>style.visibility</p:attrName>
-                                        </p:attrNameLst>
-                                      </p:cBhvr>
-                                      <p:to>
-                                        <p:strVal val="visible"/>
-                                      </p:to>
-                                    </p:set>
-                                    <p:animEffect transition="in" filter="fade">
-                                      <p:cBhvr>
-                                        <p:cTn id="42" dur="500"/>
+                                        <p:cTn id="28" dur="500"/>
                                         <p:tgtEl>
                                           <p:spTgt spid="3">
                                             <p:txEl>
@@ -12604,33 +11718,15 @@
                                   </p:childTnLst>
                                 </p:cTn>
                               </p:par>
-                            </p:childTnLst>
-                          </p:cTn>
-                        </p:par>
-                      </p:childTnLst>
-                    </p:cTn>
-                  </p:par>
-                  <p:par>
-                    <p:cTn id="8" fill="hold">
-                      <p:stCondLst>
-                        <p:cond delay="indefinite"/>
-                      </p:stCondLst>
-                      <p:childTnLst>
-                        <p:par>
-                          <p:cTn id="9" fill="hold">
-                            <p:stCondLst>
-                              <p:cond delay="0"/>
-                            </p:stCondLst>
-                            <p:childTnLst>
                               <p:par>
-                                <p:cTn id="10" presetID="10" presetClass="entr" presetSubtype="0" fill="hold" nodeType="clickEffect">
+                                <p:cTn id="8" presetID="10" presetClass="entr" presetSubtype="0" fill="hold" nodeType="withEffect">
                                   <p:stCondLst>
                                     <p:cond delay="0"/>
                                   </p:stCondLst>
                                   <p:childTnLst>
                                     <p:set>
                                       <p:cBhvr>
-                                        <p:cTn id="11" dur="1" fill="hold">
+                                        <p:cTn id="9" dur="1" fill="hold">
                                           <p:stCondLst>
                                             <p:cond delay="0"/>
                                           </p:stCondLst>
@@ -12652,11 +11748,54 @@
                                     </p:set>
                                     <p:animEffect transition="in" filter="fade">
                                       <p:cBhvr>
-                                        <p:cTn id="12" dur="500"/>
+                                        <p:cTn id="10" dur="500"/>
                                         <p:tgtEl>
                                           <p:spTgt spid="3">
                                             <p:txEl>
                                               <p:pRg st="1" end="1"/>
+                                            </p:txEl>
+                                          </p:spTgt>
+                                        </p:tgtEl>
+                                      </p:cBhvr>
+                                    </p:animEffect>
+                                  </p:childTnLst>
+                                </p:cTn>
+                              </p:par>
+                              <p:par>
+                                <p:cTn id="11" presetID="10" presetClass="entr" presetSubtype="0" fill="hold" nodeType="withEffect">
+                                  <p:stCondLst>
+                                    <p:cond delay="0"/>
+                                  </p:stCondLst>
+                                  <p:childTnLst>
+                                    <p:set>
+                                      <p:cBhvr>
+                                        <p:cTn id="12" dur="1" fill="hold">
+                                          <p:stCondLst>
+                                            <p:cond delay="0"/>
+                                          </p:stCondLst>
+                                        </p:cTn>
+                                        <p:tgtEl>
+                                          <p:spTgt spid="3">
+                                            <p:txEl>
+                                              <p:pRg st="2" end="2"/>
+                                            </p:txEl>
+                                          </p:spTgt>
+                                        </p:tgtEl>
+                                        <p:attrNameLst>
+                                          <p:attrName>style.visibility</p:attrName>
+                                        </p:attrNameLst>
+                                      </p:cBhvr>
+                                      <p:to>
+                                        <p:strVal val="visible"/>
+                                      </p:to>
+                                    </p:set>
+                                    <p:animEffect transition="in" filter="fade">
+                                      <p:cBhvr>
+                                        <p:cTn id="13" dur="500"/>
+                                        <p:tgtEl>
+                                          <p:spTgt spid="3">
+                                            <p:txEl>
+                                              <p:pRg st="2" end="2"/>
                                             </p:txEl>
                                           </p:spTgt>
                                         </p:tgtEl>
@@ -12672,36 +11811,32 @@
                     </p:cTn>
                   </p:par>
                   <p:par>
-                    <p:cTn id="13" fill="hold">
+                    <p:cTn id="14" fill="hold">
                       <p:stCondLst>
                         <p:cond delay="indefinite"/>
                       </p:stCondLst>
                       <p:childTnLst>
                         <p:par>
-                          <p:cTn id="14" fill="hold">
+                          <p:cTn id="15" fill="hold">
                             <p:stCondLst>
                               <p:cond delay="0"/>
                             </p:stCondLst>
                             <p:childTnLst>
                               <p:par>
-                                <p:cTn id="15" presetID="10" presetClass="entr" presetSubtype="0" fill="hold" nodeType="clickEffect">
+                                <p:cTn id="16" presetID="10" presetClass="entr" presetSubtype="0" fill="hold" nodeType="clickEffect">
                                   <p:stCondLst>
                                     <p:cond delay="0"/>
                                   </p:stCondLst>
                                   <p:childTnLst>
                                     <p:set>
                                       <p:cBhvr>
-                                        <p:cTn id="16" dur="1" fill="hold">
+                                        <p:cTn id="17" dur="1" fill="hold">
                                           <p:stCondLst>
                                             <p:cond delay="0"/>
                                           </p:stCondLst>
                                         </p:cTn>
                                         <p:tgtEl>
-                                          <p:spTgt spid="3">
-                                            <p:txEl>
-                                              <p:pRg st="2" end="2"/>
-                                            </p:txEl>
-                                          </p:spTgt>
+                                          <p:spTgt spid="7"/>
                                         </p:tgtEl>
                                         <p:attrNameLst>
                                           <p:attrName>style.visibility</p:attrName>
@@ -12713,52 +11848,34 @@
                                     </p:set>
                                     <p:animEffect transition="in" filter="fade">
                                       <p:cBhvr>
-                                        <p:cTn id="17" dur="500"/>
-                                        <p:tgtEl>
-                                          <p:spTgt spid="3">
-                                            <p:txEl>
-                                              <p:pRg st="2" end="2"/>
-                                            </p:txEl>
-                                          </p:spTgt>
+                                        <p:cTn id="18" dur="500"/>
+                                        <p:tgtEl>
+                                          <p:spTgt spid="7"/>
                                         </p:tgtEl>
                                       </p:cBhvr>
                                     </p:animEffect>
                                   </p:childTnLst>
                                 </p:cTn>
                               </p:par>
-                            </p:childTnLst>
-                          </p:cTn>
-                        </p:par>
-                      </p:childTnLst>
-                    </p:cTn>
-                  </p:par>
-                  <p:par>
-                    <p:cTn id="18" fill="hold">
-                      <p:stCondLst>
-                        <p:cond delay="indefinite"/>
-                      </p:stCondLst>
-                      <p:childTnLst>
-                        <p:par>
-                          <p:cTn id="19" fill="hold">
-                            <p:stCondLst>
-                              <p:cond delay="0"/>
-                            </p:stCondLst>
-                            <p:childTnLst>
                               <p:par>
-                                <p:cTn id="20" presetID="10" presetClass="entr" presetSubtype="0" fill="hold" nodeType="clickEffect">
+                                <p:cTn id="19" presetID="10" presetClass="entr" presetSubtype="0" fill="hold" nodeType="withEffect">
                                   <p:stCondLst>
                                     <p:cond delay="0"/>
                                   </p:stCondLst>
                                   <p:childTnLst>
                                     <p:set>
                                       <p:cBhvr>
-                                        <p:cTn id="21" dur="1" fill="hold">
+                                        <p:cTn id="20" dur="1" fill="hold">
                                           <p:stCondLst>
                                             <p:cond delay="0"/>
                                           </p:stCondLst>
                                         </p:cTn>
                                         <p:tgtEl>
-                                          <p:spTgt spid="7"/>
+                                          <p:spTgt spid="3">
+                                            <p:txEl>
+                                              <p:pRg st="4" end="4"/>
+                                            </p:txEl>
+                                          </p:spTgt>
                                         </p:tgtEl>
                                         <p:attrNameLst>
                                           <p:attrName>style.visibility</p:attrName>
@@ -12770,52 +11887,77 @@
                                     </p:set>
                                     <p:animEffect transition="in" filter="fade">
                                       <p:cBhvr>
-                                        <p:cTn id="22" dur="500"/>
-                                        <p:tgtEl>
-                                          <p:spTgt spid="7"/>
+                                        <p:cTn id="21" dur="500"/>
+                                        <p:tgtEl>
+                                          <p:spTgt spid="3">
+                                            <p:txEl>
+                                              <p:pRg st="4" end="4"/>
+                                            </p:txEl>
+                                          </p:spTgt>
                                         </p:tgtEl>
                                       </p:cBhvr>
                                     </p:animEffect>
                                   </p:childTnLst>
                                 </p:cTn>
                               </p:par>
-                            </p:childTnLst>
-                          </p:cTn>
-                        </p:par>
-                      </p:childTnLst>
-                    </p:cTn>
-                  </p:par>
-                  <p:par>
-                    <p:cTn id="23" fill="hold">
-                      <p:stCondLst>
-                        <p:cond delay="indefinite"/>
-                      </p:stCondLst>
-                      <p:childTnLst>
-                        <p:par>
-                          <p:cTn id="24" fill="hold">
-                            <p:stCondLst>
-                              <p:cond delay="0"/>
-                            </p:stCondLst>
-                            <p:childTnLst>
                               <p:par>
-                                <p:cTn id="25" presetID="10" presetClass="entr" presetSubtype="0" fill="hold" nodeType="clickEffect">
+                                <p:cTn id="22" presetID="10" presetClass="entr" presetSubtype="0" fill="hold" nodeType="withEffect">
                                   <p:stCondLst>
                                     <p:cond delay="0"/>
                                   </p:stCondLst>
                                   <p:childTnLst>
                                     <p:set>
                                       <p:cBhvr>
+                                        <p:cTn id="23" dur="1" fill="hold">
+                                          <p:stCondLst>
+                                            <p:cond delay="0"/>
+                                          </p:stCondLst>
+                                        </p:cTn>
+                                        <p:tgtEl>
+                                          <p:spTgt spid="3">
+                                            <p:txEl>
+                                              <p:pRg st="5" end="5"/>
+                                            </p:txEl>
+                                          </p:spTgt>
+                                        </p:tgtEl>
+                                        <p:attrNameLst>
+                                          <p:attrName>style.visibility</p:attrName>
+                                        </p:attrNameLst>
+                                      </p:cBhvr>
+                                      <p:to>
+                                        <p:strVal val="visible"/>
+                                      </p:to>
+                                    </p:set>
+                                    <p:animEffect transition="in" filter="fade">
+                                      <p:cBhvr>
+                                        <p:cTn id="24" dur="500"/>
+                                        <p:tgtEl>
+                                          <p:spTgt spid="3">
+                                            <p:txEl>
+                                              <p:pRg st="5" end="5"/>
+                                            </p:txEl>
+                                          </p:spTgt>
+                                        </p:tgtEl>
+                                      </p:cBhvr>
+                                    </p:animEffect>
+                                  </p:childTnLst>
+                                </p:cTn>
+                              </p:par>
+                              <p:par>
+                                <p:cTn id="25" presetID="10" presetClass="entr" presetSubtype="0" fill="hold" nodeType="withEffect">
+                                  <p:stCondLst>
+                                    <p:cond delay="0"/>
+                                  </p:stCondLst>
+                                  <p:childTnLst>
+                                    <p:set>
+                                      <p:cBhvr>
                                         <p:cTn id="26" dur="1" fill="hold">
                                           <p:stCondLst>
                                             <p:cond delay="0"/>
                                           </p:stCondLst>
                                         </p:cTn>
                                         <p:tgtEl>
-                                          <p:spTgt spid="3">
-                                            <p:txEl>
-                                              <p:pRg st="4" end="4"/>
-                                            </p:txEl>
-                                          </p:spTgt>
+                                          <p:spTgt spid="5"/>
                                         </p:tgtEl>
                                         <p:attrNameLst>
                                           <p:attrName>style.visibility</p:attrName>
@@ -12828,124 +11970,6 @@
                                     <p:animEffect transition="in" filter="fade">
                                       <p:cBhvr>
                                         <p:cTn id="27" dur="500"/>
-                                        <p:tgtEl>
-                                          <p:spTgt spid="3">
-                                            <p:txEl>
-                                              <p:pRg st="4" end="4"/>
-                                            </p:txEl>
-                                          </p:spTgt>
-                                        </p:tgtEl>
-                                      </p:cBhvr>
-                                    </p:animEffect>
-                                  </p:childTnLst>
-                                </p:cTn>
-                              </p:par>
-                            </p:childTnLst>
-                          </p:cTn>
-                        </p:par>
-                      </p:childTnLst>
-                    </p:cTn>
-                  </p:par>
-                  <p:par>
-                    <p:cTn id="28" fill="hold">
-                      <p:stCondLst>
-                        <p:cond delay="indefinite"/>
-                      </p:stCondLst>
-                      <p:childTnLst>
-                        <p:par>
-                          <p:cTn id="29" fill="hold">
-                            <p:stCondLst>
-                              <p:cond delay="0"/>
-                            </p:stCondLst>
-                            <p:childTnLst>
-                              <p:par>
-                                <p:cTn id="30" presetID="10" presetClass="entr" presetSubtype="0" fill="hold" nodeType="clickEffect">
-                                  <p:stCondLst>
-                                    <p:cond delay="0"/>
-                                  </p:stCondLst>
-                                  <p:childTnLst>
-                                    <p:set>
-                                      <p:cBhvr>
-                                        <p:cTn id="31" dur="1" fill="hold">
-                                          <p:stCondLst>
-                                            <p:cond delay="0"/>
-                                          </p:stCondLst>
-                                        </p:cTn>
-                                        <p:tgtEl>
-                                          <p:spTgt spid="3">
-                                            <p:txEl>
-                                              <p:pRg st="5" end="5"/>
-                                            </p:txEl>
-                                          </p:spTgt>
-                                        </p:tgtEl>
-                                        <p:attrNameLst>
-                                          <p:attrName>style.visibility</p:attrName>
-                                        </p:attrNameLst>
-                                      </p:cBhvr>
-                                      <p:to>
-                                        <p:strVal val="visible"/>
-                                      </p:to>
-                                    </p:set>
-                                    <p:animEffect transition="in" filter="fade">
-                                      <p:cBhvr>
-                                        <p:cTn id="32" dur="500"/>
-                                        <p:tgtEl>
-                                          <p:spTgt spid="3">
-                                            <p:txEl>
-                                              <p:pRg st="5" end="5"/>
-                                            </p:txEl>
-                                          </p:spTgt>
-                                        </p:tgtEl>
-                                      </p:cBhvr>
-                                    </p:animEffect>
-                                  </p:childTnLst>
-                                </p:cTn>
-                              </p:par>
-                            </p:childTnLst>
-                          </p:cTn>
-                        </p:par>
-                      </p:childTnLst>
-                    </p:cTn>
-                  </p:par>
-                  <p:par>
-                    <p:cTn id="33" fill="hold">
-                      <p:stCondLst>
-                        <p:cond delay="indefinite"/>
-                      </p:stCondLst>
-                      <p:childTnLst>
-                        <p:par>
-                          <p:cTn id="34" fill="hold">
-                            <p:stCondLst>
-                              <p:cond delay="0"/>
-                            </p:stCondLst>
-                            <p:childTnLst>
-                              <p:par>
-                                <p:cTn id="35" presetID="10" presetClass="entr" presetSubtype="0" fill="hold" nodeType="clickEffect">
-                                  <p:stCondLst>
-                                    <p:cond delay="0"/>
-                                  </p:stCondLst>
-                                  <p:childTnLst>
-                                    <p:set>
-                                      <p:cBhvr>
-                                        <p:cTn id="36" dur="1" fill="hold">
-                                          <p:stCondLst>
-                                            <p:cond delay="0"/>
-                                          </p:stCondLst>
-                                        </p:cTn>
-                                        <p:tgtEl>
-                                          <p:spTgt spid="5"/>
-                                        </p:tgtEl>
-                                        <p:attrNameLst>
-                                          <p:attrName>style.visibility</p:attrName>
-                                        </p:attrNameLst>
-                                      </p:cBhvr>
-                                      <p:to>
-                                        <p:strVal val="visible"/>
-                                      </p:to>
-                                    </p:set>
-                                    <p:animEffect transition="in" filter="fade">
-                                      <p:cBhvr>
-                                        <p:cTn id="37" dur="500"/>
                                         <p:tgtEl>
                                           <p:spTgt spid="5"/>
                                         </p:tgtEl>
@@ -13216,33 +12240,15 @@
                                   </p:childTnLst>
                                 </p:cTn>
                               </p:par>
-                            </p:childTnLst>
-                          </p:cTn>
-                        </p:par>
-                      </p:childTnLst>
-                    </p:cTn>
-                  </p:par>
-                  <p:par>
-                    <p:cTn id="8" fill="hold">
-                      <p:stCondLst>
-                        <p:cond delay="indefinite"/>
-                      </p:stCondLst>
-                      <p:childTnLst>
-                        <p:par>
-                          <p:cTn id="9" fill="hold">
-                            <p:stCondLst>
-                              <p:cond delay="0"/>
-                            </p:stCondLst>
-                            <p:childTnLst>
                               <p:par>
-                                <p:cTn id="10" presetID="10" presetClass="entr" presetSubtype="0" fill="hold" nodeType="clickEffect">
+                                <p:cTn id="8" presetID="10" presetClass="entr" presetSubtype="0" fill="hold" nodeType="withEffect">
                                   <p:stCondLst>
                                     <p:cond delay="0"/>
                                   </p:stCondLst>
                                   <p:childTnLst>
                                     <p:set>
                                       <p:cBhvr>
-                                        <p:cTn id="11" dur="1" fill="hold">
+                                        <p:cTn id="9" dur="1" fill="hold">
                                           <p:stCondLst>
                                             <p:cond delay="0"/>
                                           </p:stCondLst>
@@ -13264,11 +12270,226 @@
                                     </p:set>
                                     <p:animEffect transition="in" filter="fade">
                                       <p:cBhvr>
-                                        <p:cTn id="12" dur="500"/>
+                                        <p:cTn id="10" dur="500"/>
                                         <p:tgtEl>
                                           <p:spTgt spid="3">
                                             <p:txEl>
                                               <p:pRg st="1" end="1"/>
+                                            </p:txEl>
+                                          </p:spTgt>
+                                        </p:tgtEl>
+                                      </p:cBhvr>
+                                    </p:animEffect>
+                                  </p:childTnLst>
+                                </p:cTn>
+                              </p:par>
+                              <p:par>
+                                <p:cTn id="11" presetID="10" presetClass="entr" presetSubtype="0" fill="hold" nodeType="withEffect">
+                                  <p:stCondLst>
+                                    <p:cond delay="0"/>
+                                  </p:stCondLst>
+                                  <p:childTnLst>
+                                    <p:set>
+                                      <p:cBhvr>
+                                        <p:cTn id="12" dur="1" fill="hold">
+                                          <p:stCondLst>
+                                            <p:cond delay="0"/>
+                                          </p:stCondLst>
+                                        </p:cTn>
+                                        <p:tgtEl>
+                                          <p:spTgt spid="3">
+                                            <p:txEl>
+                                              <p:pRg st="2" end="2"/>
+                                            </p:txEl>
+                                          </p:spTgt>
+                                        </p:tgtEl>
+                                        <p:attrNameLst>
+                                          <p:attrName>style.visibility</p:attrName>
+                                        </p:attrNameLst>
+                                      </p:cBhvr>
+                                      <p:to>
+                                        <p:strVal val="visible"/>
+                                      </p:to>
+                                    </p:set>
+                                    <p:animEffect transition="in" filter="fade">
+                                      <p:cBhvr>
+                                        <p:cTn id="13" dur="500"/>
+                                        <p:tgtEl>
+                                          <p:spTgt spid="3">
+                                            <p:txEl>
+                                              <p:pRg st="2" end="2"/>
+                                            </p:txEl>
+                                          </p:spTgt>
+                                        </p:tgtEl>
+                                      </p:cBhvr>
+                                    </p:animEffect>
+                                  </p:childTnLst>
+                                </p:cTn>
+                              </p:par>
+                              <p:par>
+                                <p:cTn id="14" presetID="10" presetClass="entr" presetSubtype="0" fill="hold" nodeType="withEffect">
+                                  <p:stCondLst>
+                                    <p:cond delay="0"/>
+                                  </p:stCondLst>
+                                  <p:childTnLst>
+                                    <p:set>
+                                      <p:cBhvr>
+                                        <p:cTn id="15" dur="1" fill="hold">
+                                          <p:stCondLst>
+                                            <p:cond delay="0"/>
+                                          </p:stCondLst>
+                                        </p:cTn>
+                                        <p:tgtEl>
+                                          <p:spTgt spid="3">
+                                            <p:txEl>
+                                              <p:pRg st="3" end="3"/>
+                                            </p:txEl>
+                                          </p:spTgt>
+                                        </p:tgtEl>
+                                        <p:attrNameLst>
+                                          <p:attrName>style.visibility</p:attrName>
+                                        </p:attrNameLst>
+                                      </p:cBhvr>
+                                      <p:to>
+                                        <p:strVal val="visible"/>
+                                      </p:to>
+                                    </p:set>
+                                    <p:animEffect transition="in" filter="fade">
+                                      <p:cBhvr>
+                                        <p:cTn id="16" dur="500"/>
+                                        <p:tgtEl>
+                                          <p:spTgt spid="3">
+                                            <p:txEl>
+                                              <p:pRg st="3" end="3"/>
+                                            </p:txEl>
+                                          </p:spTgt>
+                                        </p:tgtEl>
+                                      </p:cBhvr>
+                                    </p:animEffect>
+                                  </p:childTnLst>
+                                </p:cTn>
+                              </p:par>
+                              <p:par>
+                                <p:cTn id="17" presetID="10" presetClass="entr" presetSubtype="0" fill="hold" nodeType="withEffect">
+                                  <p:stCondLst>
+                                    <p:cond delay="0"/>
+                                  </p:stCondLst>
+                                  <p:childTnLst>
+                                    <p:set>
+                                      <p:cBhvr>
+                                        <p:cTn id="18" dur="1" fill="hold">
+                                          <p:stCondLst>
+                                            <p:cond delay="0"/>
+                                          </p:stCondLst>
+                                        </p:cTn>
+                                        <p:tgtEl>
+                                          <p:spTgt spid="3">
+                                            <p:txEl>
+                                              <p:pRg st="4" end="4"/>
+                                            </p:txEl>
+                                          </p:spTgt>
+                                        </p:tgtEl>
+                                        <p:attrNameLst>
+                                          <p:attrName>style.visibility</p:attrName>
+                                        </p:attrNameLst>
+                                      </p:cBhvr>
+                                      <p:to>
+                                        <p:strVal val="visible"/>
+                                      </p:to>
+                                    </p:set>
+                                    <p:animEffect transition="in" filter="fade">
+                                      <p:cBhvr>
+                                        <p:cTn id="19" dur="500"/>
+                                        <p:tgtEl>
+                                          <p:spTgt spid="3">
+                                            <p:txEl>
+                                              <p:pRg st="4" end="4"/>
+                                            </p:txEl>
+                                          </p:spTgt>
+                                        </p:tgtEl>
+                                      </p:cBhvr>
+                                    </p:animEffect>
+                                  </p:childTnLst>
+                                </p:cTn>
+                              </p:par>
+                              <p:par>
+                                <p:cTn id="20" presetID="10" presetClass="entr" presetSubtype="0" fill="hold" nodeType="withEffect">
+                                  <p:stCondLst>
+                                    <p:cond delay="0"/>
+                                  </p:stCondLst>
+                                  <p:childTnLst>
+                                    <p:set>
+                                      <p:cBhvr>
+                                        <p:cTn id="21" dur="1" fill="hold">
+                                          <p:stCondLst>
+                                            <p:cond delay="0"/>
+                                          </p:stCondLst>
+                                        </p:cTn>
+                                        <p:tgtEl>
+                                          <p:spTgt spid="3">
+                                            <p:txEl>
+                                              <p:pRg st="6" end="6"/>
+                                            </p:txEl>
+                                          </p:spTgt>
+                                        </p:tgtEl>
+                                        <p:attrNameLst>
+                                          <p:attrName>style.visibility</p:attrName>
+                                        </p:attrNameLst>
+                                      </p:cBhvr>
+                                      <p:to>
+                                        <p:strVal val="visible"/>
+                                      </p:to>
+                                    </p:set>
+                                    <p:animEffect transition="in" filter="fade">
+                                      <p:cBhvr>
+                                        <p:cTn id="22" dur="500"/>
+                                        <p:tgtEl>
+                                          <p:spTgt spid="3">
+                                            <p:txEl>
+                                              <p:pRg st="6" end="6"/>
+                                            </p:txEl>
+                                          </p:spTgt>
+                                        </p:tgtEl>
+                                      </p:cBhvr>
+                                    </p:animEffect>
+                                  </p:childTnLst>
+                                </p:cTn>
+                              </p:par>
+                              <p:par>
+                                <p:cTn id="23" presetID="10" presetClass="entr" presetSubtype="0" fill="hold" nodeType="withEffect">
+                                  <p:stCondLst>
+                                    <p:cond delay="0"/>
+                                  </p:stCondLst>
+                                  <p:childTnLst>
+                                    <p:set>
+                                      <p:cBhvr>
+                                        <p:cTn id="24" dur="1" fill="hold">
+                                          <p:stCondLst>
+                                            <p:cond delay="0"/>
+                                          </p:stCondLst>
+                                        </p:cTn>
+                                        <p:tgtEl>
+                                          <p:spTgt spid="3">
+                                            <p:txEl>
+                                              <p:pRg st="7" end="7"/>
+                                            </p:txEl>
+                                          </p:spTgt>
+                                        </p:tgtEl>
+                                        <p:attrNameLst>
+                                          <p:attrName>style.visibility</p:attrName>
+                                        </p:attrNameLst>
+                                      </p:cBhvr>
+                                      <p:to>
+                                        <p:strVal val="visible"/>
+                                      </p:to>
+                                    </p:set>
+                                    <p:animEffect transition="in" filter="fade">
+                                      <p:cBhvr>
+                                        <p:cTn id="25" dur="500"/>
+                                        <p:tgtEl>
+                                          <p:spTgt spid="3">
+                                            <p:txEl>
+                                              <p:pRg st="7" end="7"/>
                                             </p:txEl>
                                           </p:spTgt>
                                         </p:tgtEl>
@@ -13284,36 +12505,32 @@
                     </p:cTn>
                   </p:par>
                   <p:par>
-                    <p:cTn id="13" fill="hold">
+                    <p:cTn id="26" fill="hold">
                       <p:stCondLst>
                         <p:cond delay="indefinite"/>
                       </p:stCondLst>
                       <p:childTnLst>
                         <p:par>
-                          <p:cTn id="14" fill="hold">
+                          <p:cTn id="27" fill="hold">
                             <p:stCondLst>
                               <p:cond delay="0"/>
                             </p:stCondLst>
                             <p:childTnLst>
                               <p:par>
-                                <p:cTn id="15" presetID="10" presetClass="entr" presetSubtype="0" fill="hold" nodeType="clickEffect">
+                                <p:cTn id="28" presetID="10" presetClass="entr" presetSubtype="0" fill="hold" nodeType="clickEffect">
                                   <p:stCondLst>
                                     <p:cond delay="0"/>
                                   </p:stCondLst>
                                   <p:childTnLst>
                                     <p:set>
                                       <p:cBhvr>
-                                        <p:cTn id="16" dur="1" fill="hold">
+                                        <p:cTn id="29" dur="1" fill="hold">
                                           <p:stCondLst>
                                             <p:cond delay="0"/>
                                           </p:stCondLst>
                                         </p:cTn>
                                         <p:tgtEl>
-                                          <p:spTgt spid="3">
-                                            <p:txEl>
-                                              <p:pRg st="2" end="2"/>
-                                            </p:txEl>
-                                          </p:spTgt>
+                                          <p:spTgt spid="5"/>
                                         </p:tgtEl>
                                         <p:attrNameLst>
                                           <p:attrName>style.visibility</p:attrName>
@@ -13325,308 +12542,7 @@
                                     </p:set>
                                     <p:animEffect transition="in" filter="fade">
                                       <p:cBhvr>
-                                        <p:cTn id="17" dur="500"/>
-                                        <p:tgtEl>
-                                          <p:spTgt spid="3">
-                                            <p:txEl>
-                                              <p:pRg st="2" end="2"/>
-                                            </p:txEl>
-                                          </p:spTgt>
-                                        </p:tgtEl>
-                                      </p:cBhvr>
-                                    </p:animEffect>
-                                  </p:childTnLst>
-                                </p:cTn>
-                              </p:par>
-                            </p:childTnLst>
-                          </p:cTn>
-                        </p:par>
-                      </p:childTnLst>
-                    </p:cTn>
-                  </p:par>
-                  <p:par>
-                    <p:cTn id="18" fill="hold">
-                      <p:stCondLst>
-                        <p:cond delay="indefinite"/>
-                      </p:stCondLst>
-                      <p:childTnLst>
-                        <p:par>
-                          <p:cTn id="19" fill="hold">
-                            <p:stCondLst>
-                              <p:cond delay="0"/>
-                            </p:stCondLst>
-                            <p:childTnLst>
-                              <p:par>
-                                <p:cTn id="20" presetID="10" presetClass="entr" presetSubtype="0" fill="hold" nodeType="clickEffect">
-                                  <p:stCondLst>
-                                    <p:cond delay="0"/>
-                                  </p:stCondLst>
-                                  <p:childTnLst>
-                                    <p:set>
-                                      <p:cBhvr>
-                                        <p:cTn id="21" dur="1" fill="hold">
-                                          <p:stCondLst>
-                                            <p:cond delay="0"/>
-                                          </p:stCondLst>
-                                        </p:cTn>
-                                        <p:tgtEl>
-                                          <p:spTgt spid="3">
-                                            <p:txEl>
-                                              <p:pRg st="3" end="3"/>
-                                            </p:txEl>
-                                          </p:spTgt>
-                                        </p:tgtEl>
-                                        <p:attrNameLst>
-                                          <p:attrName>style.visibility</p:attrName>
-                                        </p:attrNameLst>
-                                      </p:cBhvr>
-                                      <p:to>
-                                        <p:strVal val="visible"/>
-                                      </p:to>
-                                    </p:set>
-                                    <p:animEffect transition="in" filter="fade">
-                                      <p:cBhvr>
-                                        <p:cTn id="22" dur="500"/>
-                                        <p:tgtEl>
-                                          <p:spTgt spid="3">
-                                            <p:txEl>
-                                              <p:pRg st="3" end="3"/>
-                                            </p:txEl>
-                                          </p:spTgt>
-                                        </p:tgtEl>
-                                      </p:cBhvr>
-                                    </p:animEffect>
-                                  </p:childTnLst>
-                                </p:cTn>
-                              </p:par>
-                            </p:childTnLst>
-                          </p:cTn>
-                        </p:par>
-                      </p:childTnLst>
-                    </p:cTn>
-                  </p:par>
-                  <p:par>
-                    <p:cTn id="23" fill="hold">
-                      <p:stCondLst>
-                        <p:cond delay="indefinite"/>
-                      </p:stCondLst>
-                      <p:childTnLst>
-                        <p:par>
-                          <p:cTn id="24" fill="hold">
-                            <p:stCondLst>
-                              <p:cond delay="0"/>
-                            </p:stCondLst>
-                            <p:childTnLst>
-                              <p:par>
-                                <p:cTn id="25" presetID="10" presetClass="entr" presetSubtype="0" fill="hold" nodeType="clickEffect">
-                                  <p:stCondLst>
-                                    <p:cond delay="0"/>
-                                  </p:stCondLst>
-                                  <p:childTnLst>
-                                    <p:set>
-                                      <p:cBhvr>
-                                        <p:cTn id="26" dur="1" fill="hold">
-                                          <p:stCondLst>
-                                            <p:cond delay="0"/>
-                                          </p:stCondLst>
-                                        </p:cTn>
-                                        <p:tgtEl>
-                                          <p:spTgt spid="3">
-                                            <p:txEl>
-                                              <p:pRg st="4" end="4"/>
-                                            </p:txEl>
-                                          </p:spTgt>
-                                        </p:tgtEl>
-                                        <p:attrNameLst>
-                                          <p:attrName>style.visibility</p:attrName>
-                                        </p:attrNameLst>
-                                      </p:cBhvr>
-                                      <p:to>
-                                        <p:strVal val="visible"/>
-                                      </p:to>
-                                    </p:set>
-                                    <p:animEffect transition="in" filter="fade">
-                                      <p:cBhvr>
-                                        <p:cTn id="27" dur="500"/>
-                                        <p:tgtEl>
-                                          <p:spTgt spid="3">
-                                            <p:txEl>
-                                              <p:pRg st="4" end="4"/>
-                                            </p:txEl>
-                                          </p:spTgt>
-                                        </p:tgtEl>
-                                      </p:cBhvr>
-                                    </p:animEffect>
-                                  </p:childTnLst>
-                                </p:cTn>
-                              </p:par>
-                            </p:childTnLst>
-                          </p:cTn>
-                        </p:par>
-                      </p:childTnLst>
-                    </p:cTn>
-                  </p:par>
-                  <p:par>
-                    <p:cTn id="28" fill="hold">
-                      <p:stCondLst>
-                        <p:cond delay="indefinite"/>
-                      </p:stCondLst>
-                      <p:childTnLst>
-                        <p:par>
-                          <p:cTn id="29" fill="hold">
-                            <p:stCondLst>
-                              <p:cond delay="0"/>
-                            </p:stCondLst>
-                            <p:childTnLst>
-                              <p:par>
-                                <p:cTn id="30" presetID="10" presetClass="entr" presetSubtype="0" fill="hold" nodeType="clickEffect">
-                                  <p:stCondLst>
-                                    <p:cond delay="0"/>
-                                  </p:stCondLst>
-                                  <p:childTnLst>
-                                    <p:set>
-                                      <p:cBhvr>
-                                        <p:cTn id="31" dur="1" fill="hold">
-                                          <p:stCondLst>
-                                            <p:cond delay="0"/>
-                                          </p:stCondLst>
-                                        </p:cTn>
-                                        <p:tgtEl>
-                                          <p:spTgt spid="3">
-                                            <p:txEl>
-                                              <p:pRg st="6" end="6"/>
-                                            </p:txEl>
-                                          </p:spTgt>
-                                        </p:tgtEl>
-                                        <p:attrNameLst>
-                                          <p:attrName>style.visibility</p:attrName>
-                                        </p:attrNameLst>
-                                      </p:cBhvr>
-                                      <p:to>
-                                        <p:strVal val="visible"/>
-                                      </p:to>
-                                    </p:set>
-                                    <p:animEffect transition="in" filter="fade">
-                                      <p:cBhvr>
-                                        <p:cTn id="32" dur="500"/>
-                                        <p:tgtEl>
-                                          <p:spTgt spid="3">
-                                            <p:txEl>
-                                              <p:pRg st="6" end="6"/>
-                                            </p:txEl>
-                                          </p:spTgt>
-                                        </p:tgtEl>
-                                      </p:cBhvr>
-                                    </p:animEffect>
-                                  </p:childTnLst>
-                                </p:cTn>
-                              </p:par>
-                            </p:childTnLst>
-                          </p:cTn>
-                        </p:par>
-                      </p:childTnLst>
-                    </p:cTn>
-                  </p:par>
-                  <p:par>
-                    <p:cTn id="33" fill="hold">
-                      <p:stCondLst>
-                        <p:cond delay="indefinite"/>
-                      </p:stCondLst>
-                      <p:childTnLst>
-                        <p:par>
-                          <p:cTn id="34" fill="hold">
-                            <p:stCondLst>
-                              <p:cond delay="0"/>
-                            </p:stCondLst>
-                            <p:childTnLst>
-                              <p:par>
-                                <p:cTn id="35" presetID="10" presetClass="entr" presetSubtype="0" fill="hold" nodeType="clickEffect">
-                                  <p:stCondLst>
-                                    <p:cond delay="0"/>
-                                  </p:stCondLst>
-                                  <p:childTnLst>
-                                    <p:set>
-                                      <p:cBhvr>
-                                        <p:cTn id="36" dur="1" fill="hold">
-                                          <p:stCondLst>
-                                            <p:cond delay="0"/>
-                                          </p:stCondLst>
-                                        </p:cTn>
-                                        <p:tgtEl>
-                                          <p:spTgt spid="3">
-                                            <p:txEl>
-                                              <p:pRg st="7" end="7"/>
-                                            </p:txEl>
-                                          </p:spTgt>
-                                        </p:tgtEl>
-                                        <p:attrNameLst>
-                                          <p:attrName>style.visibility</p:attrName>
-                                        </p:attrNameLst>
-                                      </p:cBhvr>
-                                      <p:to>
-                                        <p:strVal val="visible"/>
-                                      </p:to>
-                                    </p:set>
-                                    <p:animEffect transition="in" filter="fade">
-                                      <p:cBhvr>
-                                        <p:cTn id="37" dur="500"/>
-                                        <p:tgtEl>
-                                          <p:spTgt spid="3">
-                                            <p:txEl>
-                                              <p:pRg st="7" end="7"/>
-                                            </p:txEl>
-                                          </p:spTgt>
-                                        </p:tgtEl>
-                                      </p:cBhvr>
-                                    </p:animEffect>
-                                  </p:childTnLst>
-                                </p:cTn>
-                              </p:par>
-                            </p:childTnLst>
-                          </p:cTn>
-                        </p:par>
-                      </p:childTnLst>
-                    </p:cTn>
-                  </p:par>
-                  <p:par>
-                    <p:cTn id="38" fill="hold">
-                      <p:stCondLst>
-                        <p:cond delay="indefinite"/>
-                      </p:stCondLst>
-                      <p:childTnLst>
-                        <p:par>
-                          <p:cTn id="39" fill="hold">
-                            <p:stCondLst>
-                              <p:cond delay="0"/>
-                            </p:stCondLst>
-                            <p:childTnLst>
-                              <p:par>
-                                <p:cTn id="40" presetID="10" presetClass="entr" presetSubtype="0" fill="hold" nodeType="clickEffect">
-                                  <p:stCondLst>
-                                    <p:cond delay="0"/>
-                                  </p:stCondLst>
-                                  <p:childTnLst>
-                                    <p:set>
-                                      <p:cBhvr>
-                                        <p:cTn id="41" dur="1" fill="hold">
-                                          <p:stCondLst>
-                                            <p:cond delay="0"/>
-                                          </p:stCondLst>
-                                        </p:cTn>
-                                        <p:tgtEl>
-                                          <p:spTgt spid="5"/>
-                                        </p:tgtEl>
-                                        <p:attrNameLst>
-                                          <p:attrName>style.visibility</p:attrName>
-                                        </p:attrNameLst>
-                                      </p:cBhvr>
-                                      <p:to>
-                                        <p:strVal val="visible"/>
-                                      </p:to>
-                                    </p:set>
-                                    <p:animEffect transition="in" filter="fade">
-                                      <p:cBhvr>
-                                        <p:cTn id="42" dur="500"/>
+                                        <p:cTn id="30" dur="500"/>
                                         <p:tgtEl>
                                           <p:spTgt spid="5"/>
                                         </p:tgtEl>
@@ -13871,33 +12787,15 @@
                                   </p:childTnLst>
                                 </p:cTn>
                               </p:par>
-                            </p:childTnLst>
-                          </p:cTn>
-                        </p:par>
-                      </p:childTnLst>
-                    </p:cTn>
-                  </p:par>
-                  <p:par>
-                    <p:cTn id="8" fill="hold">
-                      <p:stCondLst>
-                        <p:cond delay="indefinite"/>
-                      </p:stCondLst>
-                      <p:childTnLst>
-                        <p:par>
-                          <p:cTn id="9" fill="hold">
-                            <p:stCondLst>
-                              <p:cond delay="0"/>
-                            </p:stCondLst>
-                            <p:childTnLst>
                               <p:par>
-                                <p:cTn id="10" presetID="10" presetClass="entr" presetSubtype="0" fill="hold" nodeType="clickEffect">
+                                <p:cTn id="8" presetID="10" presetClass="entr" presetSubtype="0" fill="hold" nodeType="withEffect">
                                   <p:stCondLst>
                                     <p:cond delay="0"/>
                                   </p:stCondLst>
                                   <p:childTnLst>
                                     <p:set>
                                       <p:cBhvr>
-                                        <p:cTn id="11" dur="1" fill="hold">
+                                        <p:cTn id="9" dur="1" fill="hold">
                                           <p:stCondLst>
                                             <p:cond delay="0"/>
                                           </p:stCondLst>
@@ -13919,7 +12817,7 @@
                                     </p:set>
                                     <p:animEffect transition="in" filter="fade">
                                       <p:cBhvr>
-                                        <p:cTn id="12" dur="500"/>
+                                        <p:cTn id="10" dur="500"/>
                                         <p:tgtEl>
                                           <p:spTgt spid="3">
                                             <p:txEl>
@@ -13932,33 +12830,15 @@
                                   </p:childTnLst>
                                 </p:cTn>
                               </p:par>
-                            </p:childTnLst>
-                          </p:cTn>
-                        </p:par>
-                      </p:childTnLst>
-                    </p:cTn>
-                  </p:par>
-                  <p:par>
-                    <p:cTn id="13" fill="hold">
-                      <p:stCondLst>
-                        <p:cond delay="indefinite"/>
-                      </p:stCondLst>
-                      <p:childTnLst>
-                        <p:par>
-                          <p:cTn id="14" fill="hold">
-                            <p:stCondLst>
-                              <p:cond delay="0"/>
-                            </p:stCondLst>
-                            <p:childTnLst>
                               <p:par>
-                                <p:cTn id="15" presetID="10" presetClass="entr" presetSubtype="0" fill="hold" nodeType="clickEffect">
+                                <p:cTn id="11" presetID="10" presetClass="entr" presetSubtype="0" fill="hold" nodeType="withEffect">
                                   <p:stCondLst>
                                     <p:cond delay="0"/>
                                   </p:stCondLst>
                                   <p:childTnLst>
                                     <p:set>
                                       <p:cBhvr>
-                                        <p:cTn id="16" dur="1" fill="hold">
+                                        <p:cTn id="12" dur="1" fill="hold">
                                           <p:stCondLst>
                                             <p:cond delay="0"/>
                                           </p:stCondLst>
@@ -13980,7 +12860,7 @@
                                     </p:set>
                                     <p:animEffect transition="in" filter="fade">
                                       <p:cBhvr>
-                                        <p:cTn id="17" dur="500"/>
+                                        <p:cTn id="13" dur="500"/>
                                         <p:tgtEl>
                                           <p:spTgt spid="3">
                                             <p:txEl>
@@ -13993,33 +12873,15 @@
                                   </p:childTnLst>
                                 </p:cTn>
                               </p:par>
-                            </p:childTnLst>
-                          </p:cTn>
-                        </p:par>
-                      </p:childTnLst>
-                    </p:cTn>
-                  </p:par>
-                  <p:par>
-                    <p:cTn id="18" fill="hold">
-                      <p:stCondLst>
-                        <p:cond delay="indefinite"/>
-                      </p:stCondLst>
-                      <p:childTnLst>
-                        <p:par>
-                          <p:cTn id="19" fill="hold">
-                            <p:stCondLst>
-                              <p:cond delay="0"/>
-                            </p:stCondLst>
-                            <p:childTnLst>
                               <p:par>
-                                <p:cTn id="20" presetID="10" presetClass="entr" presetSubtype="0" fill="hold" nodeType="clickEffect">
+                                <p:cTn id="14" presetID="10" presetClass="entr" presetSubtype="0" fill="hold" nodeType="withEffect">
                                   <p:stCondLst>
                                     <p:cond delay="0"/>
                                   </p:stCondLst>
                                   <p:childTnLst>
                                     <p:set>
                                       <p:cBhvr>
-                                        <p:cTn id="21" dur="1" fill="hold">
+                                        <p:cTn id="15" dur="1" fill="hold">
                                           <p:stCondLst>
                                             <p:cond delay="0"/>
                                           </p:stCondLst>
@@ -14041,7 +12903,7 @@
                                     </p:set>
                                     <p:animEffect transition="in" filter="fade">
                                       <p:cBhvr>
-                                        <p:cTn id="22" dur="500"/>
+                                        <p:cTn id="16" dur="500"/>
                                         <p:tgtEl>
                                           <p:spTgt spid="3">
                                             <p:txEl>

--- a/Inheritence&ObserverPattern.pptx
+++ b/Inheritence&ObserverPattern.pptx
@@ -317,7 +317,7 @@
           <a:p>
             <a:fld id="{4AAD347D-5ACD-4C99-B74B-A9C85AD731AF}" type="datetimeFigureOut">
               <a:rPr lang="en-US" dirty="0"/>
-              <a:t>3/3/2020</a:t>
+              <a:t>3/10/2020</a:t>
             </a:fld>
             <a:endParaRPr lang="en-US" dirty="0"/>
           </a:p>
@@ -587,7 +587,7 @@
           <a:p>
             <a:fld id="{4509A250-FF31-4206-8172-F9D3106AACB1}" type="datetimeFigureOut">
               <a:rPr lang="en-US" dirty="0"/>
-              <a:t>3/3/2020</a:t>
+              <a:t>3/10/2020</a:t>
             </a:fld>
             <a:endParaRPr lang="en-US" dirty="0"/>
           </a:p>
@@ -776,7 +776,7 @@
           <a:p>
             <a:fld id="{4509A250-FF31-4206-8172-F9D3106AACB1}" type="datetimeFigureOut">
               <a:rPr lang="en-US" dirty="0"/>
-              <a:t>3/3/2020</a:t>
+              <a:t>3/10/2020</a:t>
             </a:fld>
             <a:endParaRPr lang="en-US" dirty="0"/>
           </a:p>
@@ -1044,7 +1044,7 @@
           <a:p>
             <a:fld id="{4509A250-FF31-4206-8172-F9D3106AACB1}" type="datetimeFigureOut">
               <a:rPr lang="en-US" dirty="0"/>
-              <a:t>3/3/2020</a:t>
+              <a:t>3/10/2020</a:t>
             </a:fld>
             <a:endParaRPr lang="en-US" dirty="0"/>
           </a:p>
@@ -1380,7 +1380,7 @@
           <a:p>
             <a:fld id="{4509A250-FF31-4206-8172-F9D3106AACB1}" type="datetimeFigureOut">
               <a:rPr lang="en-US" dirty="0"/>
-              <a:t>3/3/2020</a:t>
+              <a:t>3/10/2020</a:t>
             </a:fld>
             <a:endParaRPr lang="en-US" dirty="0"/>
           </a:p>
@@ -1998,7 +1998,7 @@
           <a:p>
             <a:fld id="{4509A250-FF31-4206-8172-F9D3106AACB1}" type="datetimeFigureOut">
               <a:rPr lang="en-US" dirty="0"/>
-              <a:t>3/3/2020</a:t>
+              <a:t>3/10/2020</a:t>
             </a:fld>
             <a:endParaRPr lang="en-US" dirty="0"/>
           </a:p>
@@ -2853,7 +2853,7 @@
           <a:p>
             <a:fld id="{4509A250-FF31-4206-8172-F9D3106AACB1}" type="datetimeFigureOut">
               <a:rPr lang="en-US" dirty="0"/>
-              <a:t>3/3/2020</a:t>
+              <a:t>3/10/2020</a:t>
             </a:fld>
             <a:endParaRPr lang="en-US" dirty="0"/>
           </a:p>
@@ -3018,7 +3018,7 @@
           <a:p>
             <a:fld id="{4509A250-FF31-4206-8172-F9D3106AACB1}" type="datetimeFigureOut">
               <a:rPr lang="en-US" dirty="0"/>
-              <a:t>3/3/2020</a:t>
+              <a:t>3/10/2020</a:t>
             </a:fld>
             <a:endParaRPr lang="en-US" dirty="0"/>
           </a:p>
@@ -3193,7 +3193,7 @@
           <a:p>
             <a:fld id="{4509A250-FF31-4206-8172-F9D3106AACB1}" type="datetimeFigureOut">
               <a:rPr lang="en-US" dirty="0"/>
-              <a:t>3/3/2020</a:t>
+              <a:t>3/10/2020</a:t>
             </a:fld>
             <a:endParaRPr lang="en-US" dirty="0"/>
           </a:p>
@@ -3358,7 +3358,7 @@
           <a:p>
             <a:fld id="{4509A250-FF31-4206-8172-F9D3106AACB1}" type="datetimeFigureOut">
               <a:rPr lang="en-US" dirty="0"/>
-              <a:t>3/3/2020</a:t>
+              <a:t>3/10/2020</a:t>
             </a:fld>
             <a:endParaRPr lang="en-US" dirty="0"/>
           </a:p>
@@ -3600,7 +3600,7 @@
           <a:p>
             <a:fld id="{9796027F-7875-4030-9381-8BD8C4F21935}" type="datetimeFigureOut">
               <a:rPr lang="en-US" dirty="0"/>
-              <a:t>3/3/2020</a:t>
+              <a:t>3/10/2020</a:t>
             </a:fld>
             <a:endParaRPr lang="en-US" dirty="0"/>
           </a:p>
@@ -3887,7 +3887,7 @@
           <a:p>
             <a:fld id="{9796027F-7875-4030-9381-8BD8C4F21935}" type="datetimeFigureOut">
               <a:rPr lang="en-US" dirty="0"/>
-              <a:t>3/3/2020</a:t>
+              <a:t>3/10/2020</a:t>
             </a:fld>
             <a:endParaRPr lang="en-US" dirty="0"/>
           </a:p>
@@ -4326,7 +4326,7 @@
           <a:p>
             <a:fld id="{9796027F-7875-4030-9381-8BD8C4F21935}" type="datetimeFigureOut">
               <a:rPr lang="en-US" dirty="0"/>
-              <a:t>3/3/2020</a:t>
+              <a:t>3/10/2020</a:t>
             </a:fld>
             <a:endParaRPr lang="en-US" dirty="0"/>
           </a:p>
@@ -4439,7 +4439,7 @@
           <a:p>
             <a:fld id="{4509A250-FF31-4206-8172-F9D3106AACB1}" type="datetimeFigureOut">
               <a:rPr lang="en-US" dirty="0"/>
-              <a:t>3/3/2020</a:t>
+              <a:t>3/10/2020</a:t>
             </a:fld>
             <a:endParaRPr lang="en-US" dirty="0"/>
           </a:p>
@@ -4529,7 +4529,7 @@
           <a:p>
             <a:fld id="{4509A250-FF31-4206-8172-F9D3106AACB1}" type="datetimeFigureOut">
               <a:rPr lang="en-US" dirty="0"/>
-              <a:t>3/3/2020</a:t>
+              <a:t>3/10/2020</a:t>
             </a:fld>
             <a:endParaRPr lang="en-US" dirty="0"/>
           </a:p>
@@ -4803,7 +4803,7 @@
           <a:p>
             <a:fld id="{4509A250-FF31-4206-8172-F9D3106AACB1}" type="datetimeFigureOut">
               <a:rPr lang="en-US" dirty="0"/>
-              <a:t>3/3/2020</a:t>
+              <a:t>3/10/2020</a:t>
             </a:fld>
             <a:endParaRPr lang="en-US" dirty="0"/>
           </a:p>
@@ -5073,7 +5073,7 @@
           <a:p>
             <a:fld id="{4509A250-FF31-4206-8172-F9D3106AACB1}" type="datetimeFigureOut">
               <a:rPr lang="en-US" dirty="0"/>
-              <a:t>3/3/2020</a:t>
+              <a:t>3/10/2020</a:t>
             </a:fld>
             <a:endParaRPr lang="en-US" dirty="0"/>
           </a:p>
@@ -5497,7 +5497,7 @@
           <a:p>
             <a:fld id="{4AAD347D-5ACD-4C99-B74B-A9C85AD731AF}" type="datetimeFigureOut">
               <a:rPr lang="en-US" dirty="0"/>
-              <a:t>3/3/2020</a:t>
+              <a:t>3/10/2020</a:t>
             </a:fld>
             <a:endParaRPr lang="en-US" dirty="0"/>
           </a:p>
@@ -6403,13 +6403,6 @@
             <a:pPr lvl="1"/>
             <a:r>
               <a:rPr lang="de-DE" sz="2800" dirty="0"/>
-              <a:t>Die erbende Klasse kann nicht ohne der Oberklasse existieren</a:t>
-            </a:r>
-          </a:p>
-          <a:p>
-            <a:pPr lvl="1"/>
-            <a:r>
-              <a:rPr lang="de-DE" sz="2800" dirty="0"/>
               <a:t>Erweiterung der Oberklasse</a:t>
             </a:r>
           </a:p>
@@ -6434,16 +6427,16 @@
             <a:pPr lvl="1"/>
             <a:r>
               <a:rPr lang="de-DE" sz="2800" dirty="0"/>
-              <a:t>Entkoppelt</a:t>
-            </a:r>
-          </a:p>
-          <a:p>
-            <a:pPr lvl="1"/>
+              <a:t>Kann nicht ohne die </a:t>
+            </a:r>
+            <a:r>
+              <a:rPr lang="de-DE" sz="2800" dirty="0" err="1"/>
+              <a:t>ElternKlasse</a:t>
+            </a:r>
             <a:r>
               <a:rPr lang="de-DE" sz="2800" dirty="0"/>
-              <a:t>Interagieren unabhängig voneinander</a:t>
-            </a:r>
-            <a:endParaRPr lang="de-AT" sz="2800" dirty="0"/>
+              <a:t> existieren</a:t>
+            </a:r>
           </a:p>
         </p:txBody>
       </p:sp>
@@ -6606,15 +6599,33 @@
                                   </p:childTnLst>
                                 </p:cTn>
                               </p:par>
+                            </p:childTnLst>
+                          </p:cTn>
+                        </p:par>
+                      </p:childTnLst>
+                    </p:cTn>
+                  </p:par>
+                  <p:par>
+                    <p:cTn id="14" fill="hold">
+                      <p:stCondLst>
+                        <p:cond delay="indefinite"/>
+                      </p:stCondLst>
+                      <p:childTnLst>
+                        <p:par>
+                          <p:cTn id="15" fill="hold">
+                            <p:stCondLst>
+                              <p:cond delay="0"/>
+                            </p:stCondLst>
+                            <p:childTnLst>
                               <p:par>
-                                <p:cTn id="14" presetID="10" presetClass="entr" presetSubtype="0" fill="hold" nodeType="withEffect">
+                                <p:cTn id="16" presetID="10" presetClass="entr" presetSubtype="0" fill="hold" nodeType="clickEffect">
                                   <p:stCondLst>
                                     <p:cond delay="0"/>
                                   </p:stCondLst>
                                   <p:childTnLst>
                                     <p:set>
                                       <p:cBhvr>
-                                        <p:cTn id="15" dur="1" fill="hold">
+                                        <p:cTn id="17" dur="1" fill="hold">
                                           <p:stCondLst>
                                             <p:cond delay="0"/>
                                           </p:stCondLst>
@@ -6636,7 +6647,7 @@
                                     </p:set>
                                     <p:animEffect transition="in" filter="fade">
                                       <p:cBhvr>
-                                        <p:cTn id="16" dur="500"/>
+                                        <p:cTn id="18" dur="500"/>
                                         <p:tgtEl>
                                           <p:spTgt spid="3">
                                             <p:txEl>
@@ -6650,14 +6661,14 @@
                                 </p:cTn>
                               </p:par>
                               <p:par>
-                                <p:cTn id="17" presetID="10" presetClass="entr" presetSubtype="0" fill="hold" nodeType="withEffect">
+                                <p:cTn id="19" presetID="10" presetClass="entr" presetSubtype="0" fill="hold" nodeType="withEffect">
                                   <p:stCondLst>
                                     <p:cond delay="0"/>
                                   </p:stCondLst>
                                   <p:childTnLst>
                                     <p:set>
                                       <p:cBhvr>
-                                        <p:cTn id="18" dur="1" fill="hold">
+                                        <p:cTn id="20" dur="1" fill="hold">
                                           <p:stCondLst>
                                             <p:cond delay="0"/>
                                           </p:stCondLst>
@@ -6679,7 +6690,7 @@
                                     </p:set>
                                     <p:animEffect transition="in" filter="fade">
                                       <p:cBhvr>
-                                        <p:cTn id="19" dur="500"/>
+                                        <p:cTn id="21" dur="500"/>
                                         <p:tgtEl>
                                           <p:spTgt spid="3">
                                             <p:txEl>
@@ -6693,14 +6704,14 @@
                                 </p:cTn>
                               </p:par>
                               <p:par>
-                                <p:cTn id="20" presetID="10" presetClass="entr" presetSubtype="0" fill="hold" nodeType="withEffect">
+                                <p:cTn id="22" presetID="10" presetClass="entr" presetSubtype="0" fill="hold" nodeType="withEffect">
                                   <p:stCondLst>
                                     <p:cond delay="0"/>
                                   </p:stCondLst>
                                   <p:childTnLst>
                                     <p:set>
                                       <p:cBhvr>
-                                        <p:cTn id="21" dur="1" fill="hold">
+                                        <p:cTn id="23" dur="1" fill="hold">
                                           <p:stCondLst>
                                             <p:cond delay="0"/>
                                           </p:stCondLst>
@@ -6722,97 +6733,11 @@
                                     </p:set>
                                     <p:animEffect transition="in" filter="fade">
                                       <p:cBhvr>
-                                        <p:cTn id="22" dur="500"/>
+                                        <p:cTn id="24" dur="500"/>
                                         <p:tgtEl>
                                           <p:spTgt spid="3">
                                             <p:txEl>
                                               <p:pRg st="5" end="5"/>
-                                            </p:txEl>
-                                          </p:spTgt>
-                                        </p:tgtEl>
-                                      </p:cBhvr>
-                                    </p:animEffect>
-                                  </p:childTnLst>
-                                </p:cTn>
-                              </p:par>
-                              <p:par>
-                                <p:cTn id="23" presetID="10" presetClass="entr" presetSubtype="0" fill="hold" nodeType="withEffect">
-                                  <p:stCondLst>
-                                    <p:cond delay="0"/>
-                                  </p:stCondLst>
-                                  <p:childTnLst>
-                                    <p:set>
-                                      <p:cBhvr>
-                                        <p:cTn id="24" dur="1" fill="hold">
-                                          <p:stCondLst>
-                                            <p:cond delay="0"/>
-                                          </p:stCondLst>
-                                        </p:cTn>
-                                        <p:tgtEl>
-                                          <p:spTgt spid="3">
-                                            <p:txEl>
-                                              <p:pRg st="6" end="6"/>
-                                            </p:txEl>
-                                          </p:spTgt>
-                                        </p:tgtEl>
-                                        <p:attrNameLst>
-                                          <p:attrName>style.visibility</p:attrName>
-                                        </p:attrNameLst>
-                                      </p:cBhvr>
-                                      <p:to>
-                                        <p:strVal val="visible"/>
-                                      </p:to>
-                                    </p:set>
-                                    <p:animEffect transition="in" filter="fade">
-                                      <p:cBhvr>
-                                        <p:cTn id="25" dur="500"/>
-                                        <p:tgtEl>
-                                          <p:spTgt spid="3">
-                                            <p:txEl>
-                                              <p:pRg st="6" end="6"/>
-                                            </p:txEl>
-                                          </p:spTgt>
-                                        </p:tgtEl>
-                                      </p:cBhvr>
-                                    </p:animEffect>
-                                  </p:childTnLst>
-                                </p:cTn>
-                              </p:par>
-                              <p:par>
-                                <p:cTn id="26" presetID="10" presetClass="entr" presetSubtype="0" fill="hold" nodeType="withEffect">
-                                  <p:stCondLst>
-                                    <p:cond delay="0"/>
-                                  </p:stCondLst>
-                                  <p:childTnLst>
-                                    <p:set>
-                                      <p:cBhvr>
-                                        <p:cTn id="27" dur="1" fill="hold">
-                                          <p:stCondLst>
-                                            <p:cond delay="0"/>
-                                          </p:stCondLst>
-                                        </p:cTn>
-                                        <p:tgtEl>
-                                          <p:spTgt spid="3">
-                                            <p:txEl>
-                                              <p:pRg st="7" end="7"/>
-                                            </p:txEl>
-                                          </p:spTgt>
-                                        </p:tgtEl>
-                                        <p:attrNameLst>
-                                          <p:attrName>style.visibility</p:attrName>
-                                        </p:attrNameLst>
-                                      </p:cBhvr>
-                                      <p:to>
-                                        <p:strVal val="visible"/>
-                                      </p:to>
-                                    </p:set>
-                                    <p:animEffect transition="in" filter="fade">
-                                      <p:cBhvr>
-                                        <p:cTn id="28" dur="500"/>
-                                        <p:tgtEl>
-                                          <p:spTgt spid="3">
-                                            <p:txEl>
-                                              <p:pRg st="7" end="7"/>
                                             </p:txEl>
                                           </p:spTgt>
                                         </p:tgtEl>
@@ -7178,15 +7103,33 @@
                                   </p:childTnLst>
                                 </p:cTn>
                               </p:par>
+                            </p:childTnLst>
+                          </p:cTn>
+                        </p:par>
+                      </p:childTnLst>
+                    </p:cTn>
+                  </p:par>
+                  <p:par>
+                    <p:cTn id="17" fill="hold">
+                      <p:stCondLst>
+                        <p:cond delay="indefinite"/>
+                      </p:stCondLst>
+                      <p:childTnLst>
+                        <p:par>
+                          <p:cTn id="18" fill="hold">
+                            <p:stCondLst>
+                              <p:cond delay="0"/>
+                            </p:stCondLst>
+                            <p:childTnLst>
                               <p:par>
-                                <p:cTn id="17" presetID="10" presetClass="entr" presetSubtype="0" fill="hold" nodeType="withEffect">
+                                <p:cTn id="19" presetID="10" presetClass="entr" presetSubtype="0" fill="hold" nodeType="clickEffect">
                                   <p:stCondLst>
                                     <p:cond delay="0"/>
                                   </p:stCondLst>
                                   <p:childTnLst>
                                     <p:set>
                                       <p:cBhvr>
-                                        <p:cTn id="18" dur="1" fill="hold">
+                                        <p:cTn id="20" dur="1" fill="hold">
                                           <p:stCondLst>
                                             <p:cond delay="0"/>
                                           </p:stCondLst>
@@ -7208,7 +7151,7 @@
                                     </p:set>
                                     <p:animEffect transition="in" filter="fade">
                                       <p:cBhvr>
-                                        <p:cTn id="19" dur="500"/>
+                                        <p:cTn id="21" dur="500"/>
                                         <p:tgtEl>
                                           <p:spTgt spid="3">
                                             <p:txEl>
@@ -7222,14 +7165,14 @@
                                 </p:cTn>
                               </p:par>
                               <p:par>
-                                <p:cTn id="20" presetID="10" presetClass="entr" presetSubtype="0" fill="hold" nodeType="withEffect">
+                                <p:cTn id="22" presetID="10" presetClass="entr" presetSubtype="0" fill="hold" nodeType="withEffect">
                                   <p:stCondLst>
                                     <p:cond delay="0"/>
                                   </p:stCondLst>
                                   <p:childTnLst>
                                     <p:set>
                                       <p:cBhvr>
-                                        <p:cTn id="21" dur="1" fill="hold">
+                                        <p:cTn id="23" dur="1" fill="hold">
                                           <p:stCondLst>
                                             <p:cond delay="0"/>
                                           </p:stCondLst>
@@ -7251,7 +7194,7 @@
                                     </p:set>
                                     <p:animEffect transition="in" filter="fade">
                                       <p:cBhvr>
-                                        <p:cTn id="22" dur="500"/>
+                                        <p:cTn id="24" dur="500"/>
                                         <p:tgtEl>
                                           <p:spTgt spid="3">
                                             <p:txEl>
@@ -7265,14 +7208,14 @@
                                 </p:cTn>
                               </p:par>
                               <p:par>
-                                <p:cTn id="23" presetID="10" presetClass="entr" presetSubtype="0" fill="hold" nodeType="withEffect">
+                                <p:cTn id="25" presetID="10" presetClass="entr" presetSubtype="0" fill="hold" nodeType="withEffect">
                                   <p:stCondLst>
                                     <p:cond delay="0"/>
                                   </p:stCondLst>
                                   <p:childTnLst>
                                     <p:set>
                                       <p:cBhvr>
-                                        <p:cTn id="24" dur="1" fill="hold">
+                                        <p:cTn id="26" dur="1" fill="hold">
                                           <p:stCondLst>
                                             <p:cond delay="0"/>
                                           </p:stCondLst>
@@ -7294,7 +7237,7 @@
                                     </p:set>
                                     <p:animEffect transition="in" filter="fade">
                                       <p:cBhvr>
-                                        <p:cTn id="25" dur="500"/>
+                                        <p:cTn id="27" dur="500"/>
                                         <p:tgtEl>
                                           <p:spTgt spid="3">
                                             <p:txEl>
@@ -10976,30 +10919,13 @@
           <a:p>
             <a:r>
               <a:rPr lang="de-AT" sz="2400" dirty="0"/>
-              <a:t>Properties  </a:t>
-            </a:r>
-          </a:p>
-          <a:p>
-            <a:r>
-              <a:rPr lang="de-AT" sz="2400" dirty="0"/>
-              <a:t>Methoden  </a:t>
-            </a:r>
-          </a:p>
-          <a:p>
-            <a:r>
-              <a:rPr lang="de-AT" sz="2400" dirty="0"/>
-              <a:t>Events  </a:t>
-            </a:r>
-          </a:p>
-          <a:p>
+              <a:t>Properties, Methoden, Events, </a:t>
+            </a:r>
             <a:r>
               <a:rPr lang="de-AT" sz="2400" dirty="0" err="1"/>
               <a:t>Indexer</a:t>
             </a:r>
-            <a:r>
-              <a:rPr lang="de-AT" sz="2400" dirty="0"/>
-              <a:t>  </a:t>
-            </a:r>
+            <a:endParaRPr lang="de-AT" sz="2400" dirty="0"/>
           </a:p>
           <a:p>
             <a:r>
@@ -11274,135 +11200,6 @@
                                           <p:spTgt spid="3">
                                             <p:txEl>
                                               <p:pRg st="4" end="4"/>
-                                            </p:txEl>
-                                          </p:spTgt>
-                                        </p:tgtEl>
-                                      </p:cBhvr>
-                                    </p:animEffect>
-                                  </p:childTnLst>
-                                </p:cTn>
-                              </p:par>
-                              <p:par>
-                                <p:cTn id="20" presetID="10" presetClass="entr" presetSubtype="0" fill="hold" nodeType="withEffect">
-                                  <p:stCondLst>
-                                    <p:cond delay="0"/>
-                                  </p:stCondLst>
-                                  <p:childTnLst>
-                                    <p:set>
-                                      <p:cBhvr>
-                                        <p:cTn id="21" dur="1" fill="hold">
-                                          <p:stCondLst>
-                                            <p:cond delay="0"/>
-                                          </p:stCondLst>
-                                        </p:cTn>
-                                        <p:tgtEl>
-                                          <p:spTgt spid="3">
-                                            <p:txEl>
-                                              <p:pRg st="5" end="5"/>
-                                            </p:txEl>
-                                          </p:spTgt>
-                                        </p:tgtEl>
-                                        <p:attrNameLst>
-                                          <p:attrName>style.visibility</p:attrName>
-                                        </p:attrNameLst>
-                                      </p:cBhvr>
-                                      <p:to>
-                                        <p:strVal val="visible"/>
-                                      </p:to>
-                                    </p:set>
-                                    <p:animEffect transition="in" filter="fade">
-                                      <p:cBhvr>
-                                        <p:cTn id="22" dur="500"/>
-                                        <p:tgtEl>
-                                          <p:spTgt spid="3">
-                                            <p:txEl>
-                                              <p:pRg st="5" end="5"/>
-                                            </p:txEl>
-                                          </p:spTgt>
-                                        </p:tgtEl>
-                                      </p:cBhvr>
-                                    </p:animEffect>
-                                  </p:childTnLst>
-                                </p:cTn>
-                              </p:par>
-                              <p:par>
-                                <p:cTn id="23" presetID="10" presetClass="entr" presetSubtype="0" fill="hold" nodeType="withEffect">
-                                  <p:stCondLst>
-                                    <p:cond delay="0"/>
-                                  </p:stCondLst>
-                                  <p:childTnLst>
-                                    <p:set>
-                                      <p:cBhvr>
-                                        <p:cTn id="24" dur="1" fill="hold">
-                                          <p:stCondLst>
-                                            <p:cond delay="0"/>
-                                          </p:stCondLst>
-                                        </p:cTn>
-                                        <p:tgtEl>
-                                          <p:spTgt spid="3">
-                                            <p:txEl>
-                                              <p:pRg st="6" end="6"/>
-                                            </p:txEl>
-                                          </p:spTgt>
-                                        </p:tgtEl>
-                                        <p:attrNameLst>
-                                          <p:attrName>style.visibility</p:attrName>
-                                        </p:attrNameLst>
-                                      </p:cBhvr>
-                                      <p:to>
-                                        <p:strVal val="visible"/>
-                                      </p:to>
-                                    </p:set>
-                                    <p:animEffect transition="in" filter="fade">
-                                      <p:cBhvr>
-                                        <p:cTn id="25" dur="500"/>
-                                        <p:tgtEl>
-                                          <p:spTgt spid="3">
-                                            <p:txEl>
-                                              <p:pRg st="6" end="6"/>
-                                            </p:txEl>
-                                          </p:spTgt>
-                                        </p:tgtEl>
-                                      </p:cBhvr>
-                                    </p:animEffect>
-                                  </p:childTnLst>
-                                </p:cTn>
-                              </p:par>
-                              <p:par>
-                                <p:cTn id="26" presetID="10" presetClass="entr" presetSubtype="0" fill="hold" nodeType="withEffect">
-                                  <p:stCondLst>
-                                    <p:cond delay="0"/>
-                                  </p:stCondLst>
-                                  <p:childTnLst>
-                                    <p:set>
-                                      <p:cBhvr>
-                                        <p:cTn id="27" dur="1" fill="hold">
-                                          <p:stCondLst>
-                                            <p:cond delay="0"/>
-                                          </p:stCondLst>
-                                        </p:cTn>
-                                        <p:tgtEl>
-                                          <p:spTgt spid="3">
-                                            <p:txEl>
-                                              <p:pRg st="7" end="7"/>
-                                            </p:txEl>
-                                          </p:spTgt>
-                                        </p:tgtEl>
-                                        <p:attrNameLst>
-                                          <p:attrName>style.visibility</p:attrName>
-                                        </p:attrNameLst>
-                                      </p:cBhvr>
-                                      <p:to>
-                                        <p:strVal val="visible"/>
-                                      </p:to>
-                                    </p:set>
-                                    <p:animEffect transition="in" filter="fade">
-                                      <p:cBhvr>
-                                        <p:cTn id="28" dur="500"/>
-                                        <p:tgtEl>
-                                          <p:spTgt spid="3">
-                                            <p:txEl>
-                                              <p:pRg st="7" end="7"/>
                                             </p:txEl>
                                           </p:spTgt>
                                         </p:tgtEl>
